--- a/Seminar_DivideandConquer/[Seminar] Divide and Conquer.pptx
+++ b/Seminar_DivideandConquer/[Seminar] Divide and Conquer.pptx
@@ -5,7 +5,7 @@
     <p:sldMasterId id="2147483659" r:id="rId1"/>
   </p:sldMasterIdLst>
   <p:notesMasterIdLst>
-    <p:notesMasterId r:id="rId34"/>
+    <p:notesMasterId r:id="rId32"/>
   </p:notesMasterIdLst>
   <p:sldIdLst>
     <p:sldId id="256" r:id="rId2"/>
@@ -17,36 +17,34 @@
     <p:sldId id="283" r:id="rId8"/>
     <p:sldId id="284" r:id="rId9"/>
     <p:sldId id="263" r:id="rId10"/>
-    <p:sldId id="279" r:id="rId11"/>
-    <p:sldId id="264" r:id="rId12"/>
-    <p:sldId id="265" r:id="rId13"/>
-    <p:sldId id="266" r:id="rId14"/>
-    <p:sldId id="267" r:id="rId15"/>
-    <p:sldId id="268" r:id="rId16"/>
-    <p:sldId id="269" r:id="rId17"/>
-    <p:sldId id="270" r:id="rId18"/>
-    <p:sldId id="271" r:id="rId19"/>
-    <p:sldId id="272" r:id="rId20"/>
-    <p:sldId id="280" r:id="rId21"/>
-    <p:sldId id="273" r:id="rId22"/>
-    <p:sldId id="281" r:id="rId23"/>
-    <p:sldId id="274" r:id="rId24"/>
-    <p:sldId id="275" r:id="rId25"/>
-    <p:sldId id="282" r:id="rId26"/>
-    <p:sldId id="277" r:id="rId27"/>
-    <p:sldId id="276" r:id="rId28"/>
-    <p:sldId id="278" r:id="rId29"/>
-    <p:sldId id="285" r:id="rId30"/>
-    <p:sldId id="286" r:id="rId31"/>
-    <p:sldId id="287" r:id="rId32"/>
-    <p:sldId id="288" r:id="rId33"/>
+    <p:sldId id="265" r:id="rId11"/>
+    <p:sldId id="267" r:id="rId12"/>
+    <p:sldId id="268" r:id="rId13"/>
+    <p:sldId id="289" r:id="rId14"/>
+    <p:sldId id="294" r:id="rId15"/>
+    <p:sldId id="295" r:id="rId16"/>
+    <p:sldId id="271" r:id="rId17"/>
+    <p:sldId id="291" r:id="rId18"/>
+    <p:sldId id="292" r:id="rId19"/>
+    <p:sldId id="293" r:id="rId20"/>
+    <p:sldId id="296" r:id="rId21"/>
+    <p:sldId id="274" r:id="rId22"/>
+    <p:sldId id="275" r:id="rId23"/>
+    <p:sldId id="282" r:id="rId24"/>
+    <p:sldId id="277" r:id="rId25"/>
+    <p:sldId id="276" r:id="rId26"/>
+    <p:sldId id="278" r:id="rId27"/>
+    <p:sldId id="285" r:id="rId28"/>
+    <p:sldId id="286" r:id="rId29"/>
+    <p:sldId id="287" r:id="rId30"/>
+    <p:sldId id="288" r:id="rId31"/>
   </p:sldIdLst>
   <p:sldSz cx="9144000" cy="6858000" type="screen4x3"/>
   <p:notesSz cx="6858000" cy="9144000"/>
   <p:embeddedFontLst>
     <p:embeddedFont>
       <p:font typeface="Cambria Math" panose="02040503050406030204" pitchFamily="18" charset="0"/>
-      <p:regular r:id="rId35"/>
+      <p:regular r:id="rId33"/>
     </p:embeddedFont>
   </p:embeddedFontLst>
   <p:defaultTextStyle>
@@ -847,214 +845,6 @@
   <p:cSld>
     <p:spTree>
       <p:nvGrpSpPr>
-        <p:cNvPr id="1" name="Shape 110"/>
-        <p:cNvGrpSpPr/>
-        <p:nvPr/>
-      </p:nvGrpSpPr>
-      <p:grpSpPr>
-        <a:xfrm>
-          <a:off x="0" y="0"/>
-          <a:ext cx="0" cy="0"/>
-          <a:chOff x="0" y="0"/>
-          <a:chExt cx="0" cy="0"/>
-        </a:xfrm>
-      </p:grpSpPr>
-      <p:sp>
-        <p:nvSpPr>
-          <p:cNvPr id="111" name="Google Shape;111;g9bd518e6f2_5_8:notes"/>
-          <p:cNvSpPr>
-            <a:spLocks noGrp="1" noRot="1" noChangeAspect="1"/>
-          </p:cNvSpPr>
-          <p:nvPr>
-            <p:ph type="sldImg" idx="2"/>
-          </p:nvPr>
-        </p:nvSpPr>
-        <p:spPr>
-          <a:xfrm>
-            <a:off x="1143000" y="685800"/>
-            <a:ext cx="4572000" cy="3429000"/>
-          </a:xfrm>
-          <a:custGeom>
-            <a:avLst/>
-            <a:gdLst/>
-            <a:ahLst/>
-            <a:cxnLst/>
-            <a:rect l="l" t="t" r="r" b="b"/>
-            <a:pathLst>
-              <a:path w="120000" h="120000" extrusionOk="0">
-                <a:moveTo>
-                  <a:pt x="0" y="0"/>
-                </a:moveTo>
-                <a:lnTo>
-                  <a:pt x="120000" y="0"/>
-                </a:lnTo>
-                <a:lnTo>
-                  <a:pt x="120000" y="120000"/>
-                </a:lnTo>
-                <a:lnTo>
-                  <a:pt x="0" y="120000"/>
-                </a:lnTo>
-                <a:close/>
-              </a:path>
-            </a:pathLst>
-          </a:custGeom>
-        </p:spPr>
-      </p:sp>
-      <p:sp>
-        <p:nvSpPr>
-          <p:cNvPr id="112" name="Google Shape;112;g9bd518e6f2_5_8:notes"/>
-          <p:cNvSpPr txBox="1">
-            <a:spLocks noGrp="1"/>
-          </p:cNvSpPr>
-          <p:nvPr>
-            <p:ph type="body" idx="1"/>
-          </p:nvPr>
-        </p:nvSpPr>
-        <p:spPr>
-          <a:xfrm>
-            <a:off x="685800" y="4343400"/>
-            <a:ext cx="5486400" cy="4114800"/>
-          </a:xfrm>
-          <a:prstGeom prst="rect">
-            <a:avLst/>
-          </a:prstGeom>
-        </p:spPr>
-        <p:txBody>
-          <a:bodyPr spcFirstLastPara="1" wrap="square" lIns="91425" tIns="91425" rIns="91425" bIns="91425" anchor="t" anchorCtr="0">
-            <a:noAutofit/>
-          </a:bodyPr>
-          <a:lstStyle/>
-          <a:p>
-            <a:pPr marL="0" lvl="0" indent="0" algn="l" rtl="0">
-              <a:spcBef>
-                <a:spcPts val="0"/>
-              </a:spcBef>
-              <a:spcAft>
-                <a:spcPts val="0"/>
-              </a:spcAft>
-              <a:buNone/>
-            </a:pPr>
-            <a:endParaRPr/>
-          </a:p>
-        </p:txBody>
-      </p:sp>
-    </p:spTree>
-  </p:cSld>
-  <p:clrMapOvr>
-    <a:masterClrMapping/>
-  </p:clrMapOvr>
-</p:notes>
-</file>
-
-<file path=ppt/notesSlides/notesSlide11.xml><?xml version="1.0" encoding="utf-8"?>
-<p:notes xmlns:a="http://schemas.openxmlformats.org/drawingml/2006/main" xmlns:r="http://schemas.openxmlformats.org/officeDocument/2006/relationships" xmlns:p="http://schemas.openxmlformats.org/presentationml/2006/main" showMasterSp="0" showMasterPhAnim="0">
-  <p:cSld>
-    <p:spTree>
-      <p:nvGrpSpPr>
-        <p:cNvPr id="1" name="Shape 118"/>
-        <p:cNvGrpSpPr/>
-        <p:nvPr/>
-      </p:nvGrpSpPr>
-      <p:grpSpPr>
-        <a:xfrm>
-          <a:off x="0" y="0"/>
-          <a:ext cx="0" cy="0"/>
-          <a:chOff x="0" y="0"/>
-          <a:chExt cx="0" cy="0"/>
-        </a:xfrm>
-      </p:grpSpPr>
-      <p:sp>
-        <p:nvSpPr>
-          <p:cNvPr id="119" name="Google Shape;119;g9bd518e6f2_0_49:notes"/>
-          <p:cNvSpPr>
-            <a:spLocks noGrp="1" noRot="1" noChangeAspect="1"/>
-          </p:cNvSpPr>
-          <p:nvPr>
-            <p:ph type="sldImg" idx="2"/>
-          </p:nvPr>
-        </p:nvSpPr>
-        <p:spPr>
-          <a:xfrm>
-            <a:off x="1143000" y="685800"/>
-            <a:ext cx="4572000" cy="3429000"/>
-          </a:xfrm>
-          <a:custGeom>
-            <a:avLst/>
-            <a:gdLst/>
-            <a:ahLst/>
-            <a:cxnLst/>
-            <a:rect l="l" t="t" r="r" b="b"/>
-            <a:pathLst>
-              <a:path w="120000" h="120000" extrusionOk="0">
-                <a:moveTo>
-                  <a:pt x="0" y="0"/>
-                </a:moveTo>
-                <a:lnTo>
-                  <a:pt x="120000" y="0"/>
-                </a:lnTo>
-                <a:lnTo>
-                  <a:pt x="120000" y="120000"/>
-                </a:lnTo>
-                <a:lnTo>
-                  <a:pt x="0" y="120000"/>
-                </a:lnTo>
-                <a:close/>
-              </a:path>
-            </a:pathLst>
-          </a:custGeom>
-        </p:spPr>
-      </p:sp>
-      <p:sp>
-        <p:nvSpPr>
-          <p:cNvPr id="120" name="Google Shape;120;g9bd518e6f2_0_49:notes"/>
-          <p:cNvSpPr txBox="1">
-            <a:spLocks noGrp="1"/>
-          </p:cNvSpPr>
-          <p:nvPr>
-            <p:ph type="body" idx="1"/>
-          </p:nvPr>
-        </p:nvSpPr>
-        <p:spPr>
-          <a:xfrm>
-            <a:off x="685800" y="4343400"/>
-            <a:ext cx="5486400" cy="4114800"/>
-          </a:xfrm>
-          <a:prstGeom prst="rect">
-            <a:avLst/>
-          </a:prstGeom>
-        </p:spPr>
-        <p:txBody>
-          <a:bodyPr spcFirstLastPara="1" wrap="square" lIns="91425" tIns="91425" rIns="91425" bIns="91425" anchor="t" anchorCtr="0">
-            <a:noAutofit/>
-          </a:bodyPr>
-          <a:lstStyle/>
-          <a:p>
-            <a:pPr marL="0" lvl="0" indent="0" algn="l" rtl="0">
-              <a:spcBef>
-                <a:spcPts val="0"/>
-              </a:spcBef>
-              <a:spcAft>
-                <a:spcPts val="0"/>
-              </a:spcAft>
-              <a:buNone/>
-            </a:pPr>
-            <a:endParaRPr/>
-          </a:p>
-        </p:txBody>
-      </p:sp>
-    </p:spTree>
-  </p:cSld>
-  <p:clrMapOvr>
-    <a:masterClrMapping/>
-  </p:clrMapOvr>
-</p:notes>
-</file>
-
-<file path=ppt/notesSlides/notesSlide12.xml><?xml version="1.0" encoding="utf-8"?>
-<p:notes xmlns:a="http://schemas.openxmlformats.org/drawingml/2006/main" xmlns:r="http://schemas.openxmlformats.org/officeDocument/2006/relationships" xmlns:p="http://schemas.openxmlformats.org/presentationml/2006/main" showMasterSp="0" showMasterPhAnim="0">
-  <p:cSld>
-    <p:spTree>
-      <p:nvGrpSpPr>
         <p:cNvPr id="1" name="Shape 124"/>
         <p:cNvGrpSpPr/>
         <p:nvPr/>
@@ -1147,6 +937,219 @@
         </p:txBody>
       </p:sp>
     </p:spTree>
+  </p:cSld>
+  <p:clrMapOvr>
+    <a:masterClrMapping/>
+  </p:clrMapOvr>
+</p:notes>
+</file>
+
+<file path=ppt/notesSlides/notesSlide11.xml><?xml version="1.0" encoding="utf-8"?>
+<p:notes xmlns:a="http://schemas.openxmlformats.org/drawingml/2006/main" xmlns:r="http://schemas.openxmlformats.org/officeDocument/2006/relationships" xmlns:p="http://schemas.openxmlformats.org/presentationml/2006/main" showMasterSp="0" showMasterPhAnim="0">
+  <p:cSld>
+    <p:spTree>
+      <p:nvGrpSpPr>
+        <p:cNvPr id="1" name="Shape 131"/>
+        <p:cNvGrpSpPr/>
+        <p:nvPr/>
+      </p:nvGrpSpPr>
+      <p:grpSpPr>
+        <a:xfrm>
+          <a:off x="0" y="0"/>
+          <a:ext cx="0" cy="0"/>
+          <a:chOff x="0" y="0"/>
+          <a:chExt cx="0" cy="0"/>
+        </a:xfrm>
+      </p:grpSpPr>
+      <p:sp>
+        <p:nvSpPr>
+          <p:cNvPr id="132" name="Google Shape;132;g9c3eb4b760_1_19:notes"/>
+          <p:cNvSpPr>
+            <a:spLocks noGrp="1" noRot="1" noChangeAspect="1"/>
+          </p:cNvSpPr>
+          <p:nvPr>
+            <p:ph type="sldImg" idx="2"/>
+          </p:nvPr>
+        </p:nvSpPr>
+        <p:spPr>
+          <a:xfrm>
+            <a:off x="1143000" y="685800"/>
+            <a:ext cx="4572000" cy="3429000"/>
+          </a:xfrm>
+          <a:custGeom>
+            <a:avLst/>
+            <a:gdLst/>
+            <a:ahLst/>
+            <a:cxnLst/>
+            <a:rect l="l" t="t" r="r" b="b"/>
+            <a:pathLst>
+              <a:path w="120000" h="120000" extrusionOk="0">
+                <a:moveTo>
+                  <a:pt x="0" y="0"/>
+                </a:moveTo>
+                <a:lnTo>
+                  <a:pt x="120000" y="0"/>
+                </a:lnTo>
+                <a:lnTo>
+                  <a:pt x="120000" y="120000"/>
+                </a:lnTo>
+                <a:lnTo>
+                  <a:pt x="0" y="120000"/>
+                </a:lnTo>
+                <a:close/>
+              </a:path>
+            </a:pathLst>
+          </a:custGeom>
+        </p:spPr>
+      </p:sp>
+      <p:sp>
+        <p:nvSpPr>
+          <p:cNvPr id="133" name="Google Shape;133;g9c3eb4b760_1_19:notes"/>
+          <p:cNvSpPr txBox="1">
+            <a:spLocks noGrp="1"/>
+          </p:cNvSpPr>
+          <p:nvPr>
+            <p:ph type="body" idx="1"/>
+          </p:nvPr>
+        </p:nvSpPr>
+        <p:spPr>
+          <a:xfrm>
+            <a:off x="685800" y="4343400"/>
+            <a:ext cx="5486400" cy="4114800"/>
+          </a:xfrm>
+          <a:prstGeom prst="rect">
+            <a:avLst/>
+          </a:prstGeom>
+        </p:spPr>
+        <p:txBody>
+          <a:bodyPr spcFirstLastPara="1" wrap="square" lIns="91425" tIns="91425" rIns="91425" bIns="91425" anchor="t" anchorCtr="0">
+            <a:noAutofit/>
+          </a:bodyPr>
+          <a:lstStyle/>
+          <a:p>
+            <a:pPr marL="0" lvl="0" indent="0" algn="l" rtl="0">
+              <a:spcBef>
+                <a:spcPts val="0"/>
+              </a:spcBef>
+              <a:spcAft>
+                <a:spcPts val="0"/>
+              </a:spcAft>
+              <a:buNone/>
+            </a:pPr>
+            <a:endParaRPr/>
+          </a:p>
+        </p:txBody>
+      </p:sp>
+    </p:spTree>
+  </p:cSld>
+  <p:clrMapOvr>
+    <a:masterClrMapping/>
+  </p:clrMapOvr>
+</p:notes>
+</file>
+
+<file path=ppt/notesSlides/notesSlide12.xml><?xml version="1.0" encoding="utf-8"?>
+<p:notes xmlns:a="http://schemas.openxmlformats.org/drawingml/2006/main" xmlns:r="http://schemas.openxmlformats.org/officeDocument/2006/relationships" xmlns:p="http://schemas.openxmlformats.org/presentationml/2006/main" showMasterSp="0" showMasterPhAnim="0">
+  <p:cSld>
+    <p:spTree>
+      <p:nvGrpSpPr>
+        <p:cNvPr id="1" name="Shape 131"/>
+        <p:cNvGrpSpPr/>
+        <p:nvPr/>
+      </p:nvGrpSpPr>
+      <p:grpSpPr>
+        <a:xfrm>
+          <a:off x="0" y="0"/>
+          <a:ext cx="0" cy="0"/>
+          <a:chOff x="0" y="0"/>
+          <a:chExt cx="0" cy="0"/>
+        </a:xfrm>
+      </p:grpSpPr>
+      <p:sp>
+        <p:nvSpPr>
+          <p:cNvPr id="132" name="Google Shape;132;g9c3eb4b760_1_19:notes"/>
+          <p:cNvSpPr>
+            <a:spLocks noGrp="1" noRot="1" noChangeAspect="1"/>
+          </p:cNvSpPr>
+          <p:nvPr>
+            <p:ph type="sldImg" idx="2"/>
+          </p:nvPr>
+        </p:nvSpPr>
+        <p:spPr>
+          <a:xfrm>
+            <a:off x="1143000" y="685800"/>
+            <a:ext cx="4572000" cy="3429000"/>
+          </a:xfrm>
+          <a:custGeom>
+            <a:avLst/>
+            <a:gdLst/>
+            <a:ahLst/>
+            <a:cxnLst/>
+            <a:rect l="l" t="t" r="r" b="b"/>
+            <a:pathLst>
+              <a:path w="120000" h="120000" extrusionOk="0">
+                <a:moveTo>
+                  <a:pt x="0" y="0"/>
+                </a:moveTo>
+                <a:lnTo>
+                  <a:pt x="120000" y="0"/>
+                </a:lnTo>
+                <a:lnTo>
+                  <a:pt x="120000" y="120000"/>
+                </a:lnTo>
+                <a:lnTo>
+                  <a:pt x="0" y="120000"/>
+                </a:lnTo>
+                <a:close/>
+              </a:path>
+            </a:pathLst>
+          </a:custGeom>
+        </p:spPr>
+      </p:sp>
+      <p:sp>
+        <p:nvSpPr>
+          <p:cNvPr id="133" name="Google Shape;133;g9c3eb4b760_1_19:notes"/>
+          <p:cNvSpPr txBox="1">
+            <a:spLocks noGrp="1"/>
+          </p:cNvSpPr>
+          <p:nvPr>
+            <p:ph type="body" idx="1"/>
+          </p:nvPr>
+        </p:nvSpPr>
+        <p:spPr>
+          <a:xfrm>
+            <a:off x="685800" y="4343400"/>
+            <a:ext cx="5486400" cy="4114800"/>
+          </a:xfrm>
+          <a:prstGeom prst="rect">
+            <a:avLst/>
+          </a:prstGeom>
+        </p:spPr>
+        <p:txBody>
+          <a:bodyPr spcFirstLastPara="1" wrap="square" lIns="91425" tIns="91425" rIns="91425" bIns="91425" anchor="t" anchorCtr="0">
+            <a:noAutofit/>
+          </a:bodyPr>
+          <a:lstStyle/>
+          <a:p>
+            <a:pPr marL="0" lvl="0" indent="0" algn="l" rtl="0">
+              <a:spcBef>
+                <a:spcPts val="0"/>
+              </a:spcBef>
+              <a:spcAft>
+                <a:spcPts val="0"/>
+              </a:spcAft>
+              <a:buNone/>
+            </a:pPr>
+            <a:endParaRPr/>
+          </a:p>
+        </p:txBody>
+      </p:sp>
+    </p:spTree>
+    <p:extLst>
+      <p:ext uri="{BB962C8B-B14F-4D97-AF65-F5344CB8AC3E}">
+        <p14:creationId xmlns:p14="http://schemas.microsoft.com/office/powerpoint/2010/main" val="725590162"/>
+      </p:ext>
+    </p:extLst>
   </p:cSld>
   <p:clrMapOvr>
     <a:masterClrMapping/>
@@ -1251,6 +1254,11 @@
         </p:txBody>
       </p:sp>
     </p:spTree>
+    <p:extLst>
+      <p:ext uri="{BB962C8B-B14F-4D97-AF65-F5344CB8AC3E}">
+        <p14:creationId xmlns:p14="http://schemas.microsoft.com/office/powerpoint/2010/main" val="1727971414"/>
+      </p:ext>
+    </p:extLst>
   </p:cSld>
   <p:clrMapOvr>
     <a:masterClrMapping/>
@@ -1263,7 +1271,7 @@
   <p:cSld>
     <p:spTree>
       <p:nvGrpSpPr>
-        <p:cNvPr id="1" name="Shape 139"/>
+        <p:cNvPr id="1" name="Shape 131"/>
         <p:cNvGrpSpPr/>
         <p:nvPr/>
       </p:nvGrpSpPr>
@@ -1277,7 +1285,7 @@
       </p:grpSpPr>
       <p:sp>
         <p:nvSpPr>
-          <p:cNvPr id="140" name="Google Shape;140;g9c3eb4b760_1_26:notes"/>
+          <p:cNvPr id="132" name="Google Shape;132;g9c3eb4b760_1_19:notes"/>
           <p:cNvSpPr>
             <a:spLocks noGrp="1" noRot="1" noChangeAspect="1"/>
           </p:cNvSpPr>
@@ -1318,7 +1326,7 @@
       </p:sp>
       <p:sp>
         <p:nvSpPr>
-          <p:cNvPr id="141" name="Google Shape;141;g9c3eb4b760_1_26:notes"/>
+          <p:cNvPr id="133" name="Google Shape;133;g9c3eb4b760_1_19:notes"/>
           <p:cNvSpPr txBox="1">
             <a:spLocks noGrp="1"/>
           </p:cNvSpPr>
@@ -1355,6 +1363,11 @@
         </p:txBody>
       </p:sp>
     </p:spTree>
+    <p:extLst>
+      <p:ext uri="{BB962C8B-B14F-4D97-AF65-F5344CB8AC3E}">
+        <p14:creationId xmlns:p14="http://schemas.microsoft.com/office/powerpoint/2010/main" val="1575999177"/>
+      </p:ext>
+    </p:extLst>
   </p:cSld>
   <p:clrMapOvr>
     <a:masterClrMapping/>
@@ -1367,7 +1380,7 @@
   <p:cSld>
     <p:spTree>
       <p:nvGrpSpPr>
-        <p:cNvPr id="1" name="Shape 147"/>
+        <p:cNvPr id="1" name="Shape 155"/>
         <p:cNvGrpSpPr/>
         <p:nvPr/>
       </p:nvGrpSpPr>
@@ -1381,7 +1394,7 @@
       </p:grpSpPr>
       <p:sp>
         <p:nvSpPr>
-          <p:cNvPr id="148" name="Google Shape;148;g9c3eb4b760_1_38:notes"/>
+          <p:cNvPr id="156" name="Google Shape;156;g9c3eb4b760_1_50:notes"/>
           <p:cNvSpPr>
             <a:spLocks noGrp="1" noRot="1" noChangeAspect="1"/>
           </p:cNvSpPr>
@@ -1422,7 +1435,7 @@
       </p:sp>
       <p:sp>
         <p:nvSpPr>
-          <p:cNvPr id="149" name="Google Shape;149;g9c3eb4b760_1_38:notes"/>
+          <p:cNvPr id="157" name="Google Shape;157;g9c3eb4b760_1_50:notes"/>
           <p:cNvSpPr txBox="1">
             <a:spLocks noGrp="1"/>
           </p:cNvSpPr>
@@ -1563,6 +1576,11 @@
         </p:txBody>
       </p:sp>
     </p:spTree>
+    <p:extLst>
+      <p:ext uri="{BB962C8B-B14F-4D97-AF65-F5344CB8AC3E}">
+        <p14:creationId xmlns:p14="http://schemas.microsoft.com/office/powerpoint/2010/main" val="3038371462"/>
+      </p:ext>
+    </p:extLst>
   </p:cSld>
   <p:clrMapOvr>
     <a:masterClrMapping/>
@@ -1575,7 +1593,7 @@
   <p:cSld>
     <p:spTree>
       <p:nvGrpSpPr>
-        <p:cNvPr id="1" name="Shape 161"/>
+        <p:cNvPr id="1" name="Shape 155"/>
         <p:cNvGrpSpPr/>
         <p:nvPr/>
       </p:nvGrpSpPr>
@@ -1589,7 +1607,7 @@
       </p:grpSpPr>
       <p:sp>
         <p:nvSpPr>
-          <p:cNvPr id="162" name="Google Shape;162;g9c3eb4b760_0_2:notes"/>
+          <p:cNvPr id="156" name="Google Shape;156;g9c3eb4b760_1_50:notes"/>
           <p:cNvSpPr>
             <a:spLocks noGrp="1" noRot="1" noChangeAspect="1"/>
           </p:cNvSpPr>
@@ -1630,7 +1648,7 @@
       </p:sp>
       <p:sp>
         <p:nvSpPr>
-          <p:cNvPr id="163" name="Google Shape;163;g9c3eb4b760_0_2:notes"/>
+          <p:cNvPr id="157" name="Google Shape;157;g9c3eb4b760_1_50:notes"/>
           <p:cNvSpPr txBox="1">
             <a:spLocks noGrp="1"/>
           </p:cNvSpPr>
@@ -1667,6 +1685,11 @@
         </p:txBody>
       </p:sp>
     </p:spTree>
+    <p:extLst>
+      <p:ext uri="{BB962C8B-B14F-4D97-AF65-F5344CB8AC3E}">
+        <p14:creationId xmlns:p14="http://schemas.microsoft.com/office/powerpoint/2010/main" val="2796727201"/>
+      </p:ext>
+    </p:extLst>
   </p:cSld>
   <p:clrMapOvr>
     <a:masterClrMapping/>
@@ -1679,7 +1702,7 @@
   <p:cSld>
     <p:spTree>
       <p:nvGrpSpPr>
-        <p:cNvPr id="1" name="Shape 161"/>
+        <p:cNvPr id="1" name="Shape 155"/>
         <p:cNvGrpSpPr/>
         <p:nvPr/>
       </p:nvGrpSpPr>
@@ -1693,7 +1716,7 @@
       </p:grpSpPr>
       <p:sp>
         <p:nvSpPr>
-          <p:cNvPr id="162" name="Google Shape;162;g9c3eb4b760_0_2:notes"/>
+          <p:cNvPr id="156" name="Google Shape;156;g9c3eb4b760_1_50:notes"/>
           <p:cNvSpPr>
             <a:spLocks noGrp="1" noRot="1" noChangeAspect="1"/>
           </p:cNvSpPr>
@@ -1734,7 +1757,7 @@
       </p:sp>
       <p:sp>
         <p:nvSpPr>
-          <p:cNvPr id="163" name="Google Shape;163;g9c3eb4b760_0_2:notes"/>
+          <p:cNvPr id="157" name="Google Shape;157;g9c3eb4b760_1_50:notes"/>
           <p:cNvSpPr txBox="1">
             <a:spLocks noGrp="1"/>
           </p:cNvSpPr>
@@ -1773,7 +1796,7 @@
     </p:spTree>
     <p:extLst>
       <p:ext uri="{BB962C8B-B14F-4D97-AF65-F5344CB8AC3E}">
-        <p14:creationId xmlns:p14="http://schemas.microsoft.com/office/powerpoint/2010/main" val="3550690553"/>
+        <p14:creationId xmlns:p14="http://schemas.microsoft.com/office/powerpoint/2010/main" val="1731789551"/>
       </p:ext>
     </p:extLst>
   </p:cSld>
@@ -1788,7 +1811,7 @@
   <p:cSld>
     <p:spTree>
       <p:nvGrpSpPr>
-        <p:cNvPr id="1" name="Shape 169"/>
+        <p:cNvPr id="1" name="Shape 155"/>
         <p:cNvGrpSpPr/>
         <p:nvPr/>
       </p:nvGrpSpPr>
@@ -1802,7 +1825,7 @@
       </p:grpSpPr>
       <p:sp>
         <p:nvSpPr>
-          <p:cNvPr id="170" name="Google Shape;170;g9c3eb4b760_0_11:notes"/>
+          <p:cNvPr id="156" name="Google Shape;156;g9c3eb4b760_1_50:notes"/>
           <p:cNvSpPr>
             <a:spLocks noGrp="1" noRot="1" noChangeAspect="1"/>
           </p:cNvSpPr>
@@ -1843,7 +1866,7 @@
       </p:sp>
       <p:sp>
         <p:nvSpPr>
-          <p:cNvPr id="171" name="Google Shape;171;g9c3eb4b760_0_11:notes"/>
+          <p:cNvPr id="157" name="Google Shape;157;g9c3eb4b760_1_50:notes"/>
           <p:cNvSpPr txBox="1">
             <a:spLocks noGrp="1"/>
           </p:cNvSpPr>
@@ -1880,6 +1903,11 @@
         </p:txBody>
       </p:sp>
     </p:spTree>
+    <p:extLst>
+      <p:ext uri="{BB962C8B-B14F-4D97-AF65-F5344CB8AC3E}">
+        <p14:creationId xmlns:p14="http://schemas.microsoft.com/office/powerpoint/2010/main" val="3413829685"/>
+      </p:ext>
+    </p:extLst>
   </p:cSld>
   <p:clrMapOvr>
     <a:masterClrMapping/>
@@ -1996,115 +2024,6 @@
   <p:cSld>
     <p:spTree>
       <p:nvGrpSpPr>
-        <p:cNvPr id="1" name="Shape 169"/>
-        <p:cNvGrpSpPr/>
-        <p:nvPr/>
-      </p:nvGrpSpPr>
-      <p:grpSpPr>
-        <a:xfrm>
-          <a:off x="0" y="0"/>
-          <a:ext cx="0" cy="0"/>
-          <a:chOff x="0" y="0"/>
-          <a:chExt cx="0" cy="0"/>
-        </a:xfrm>
-      </p:grpSpPr>
-      <p:sp>
-        <p:nvSpPr>
-          <p:cNvPr id="170" name="Google Shape;170;g9c3eb4b760_0_11:notes"/>
-          <p:cNvSpPr>
-            <a:spLocks noGrp="1" noRot="1" noChangeAspect="1"/>
-          </p:cNvSpPr>
-          <p:nvPr>
-            <p:ph type="sldImg" idx="2"/>
-          </p:nvPr>
-        </p:nvSpPr>
-        <p:spPr>
-          <a:xfrm>
-            <a:off x="1143000" y="685800"/>
-            <a:ext cx="4572000" cy="3429000"/>
-          </a:xfrm>
-          <a:custGeom>
-            <a:avLst/>
-            <a:gdLst/>
-            <a:ahLst/>
-            <a:cxnLst/>
-            <a:rect l="l" t="t" r="r" b="b"/>
-            <a:pathLst>
-              <a:path w="120000" h="120000" extrusionOk="0">
-                <a:moveTo>
-                  <a:pt x="0" y="0"/>
-                </a:moveTo>
-                <a:lnTo>
-                  <a:pt x="120000" y="0"/>
-                </a:lnTo>
-                <a:lnTo>
-                  <a:pt x="120000" y="120000"/>
-                </a:lnTo>
-                <a:lnTo>
-                  <a:pt x="0" y="120000"/>
-                </a:lnTo>
-                <a:close/>
-              </a:path>
-            </a:pathLst>
-          </a:custGeom>
-        </p:spPr>
-      </p:sp>
-      <p:sp>
-        <p:nvSpPr>
-          <p:cNvPr id="171" name="Google Shape;171;g9c3eb4b760_0_11:notes"/>
-          <p:cNvSpPr txBox="1">
-            <a:spLocks noGrp="1"/>
-          </p:cNvSpPr>
-          <p:nvPr>
-            <p:ph type="body" idx="1"/>
-          </p:nvPr>
-        </p:nvSpPr>
-        <p:spPr>
-          <a:xfrm>
-            <a:off x="685800" y="4343400"/>
-            <a:ext cx="5486400" cy="4114800"/>
-          </a:xfrm>
-          <a:prstGeom prst="rect">
-            <a:avLst/>
-          </a:prstGeom>
-        </p:spPr>
-        <p:txBody>
-          <a:bodyPr spcFirstLastPara="1" wrap="square" lIns="91425" tIns="91425" rIns="91425" bIns="91425" anchor="t" anchorCtr="0">
-            <a:noAutofit/>
-          </a:bodyPr>
-          <a:lstStyle/>
-          <a:p>
-            <a:pPr marL="0" lvl="0" indent="0" algn="l" rtl="0">
-              <a:spcBef>
-                <a:spcPts val="0"/>
-              </a:spcBef>
-              <a:spcAft>
-                <a:spcPts val="0"/>
-              </a:spcAft>
-              <a:buNone/>
-            </a:pPr>
-            <a:endParaRPr/>
-          </a:p>
-        </p:txBody>
-      </p:sp>
-    </p:spTree>
-    <p:extLst>
-      <p:ext uri="{BB962C8B-B14F-4D97-AF65-F5344CB8AC3E}">
-        <p14:creationId xmlns:p14="http://schemas.microsoft.com/office/powerpoint/2010/main" val="2247544323"/>
-      </p:ext>
-    </p:extLst>
-  </p:cSld>
-  <p:clrMapOvr>
-    <a:masterClrMapping/>
-  </p:clrMapOvr>
-</p:notes>
-</file>
-
-<file path=ppt/notesSlides/notesSlide21.xml><?xml version="1.0" encoding="utf-8"?>
-<p:notes xmlns:a="http://schemas.openxmlformats.org/drawingml/2006/main" xmlns:r="http://schemas.openxmlformats.org/officeDocument/2006/relationships" xmlns:p="http://schemas.openxmlformats.org/presentationml/2006/main" showMasterSp="0" showMasterPhAnim="0">
-  <p:cSld>
-    <p:spTree>
-      <p:nvGrpSpPr>
         <p:cNvPr id="1" name="Shape 186"/>
         <p:cNvGrpSpPr/>
         <p:nvPr/>
@@ -2161,6 +2080,110 @@
       <p:sp>
         <p:nvSpPr>
           <p:cNvPr id="188" name="Google Shape;188;g9bd518e6f2_0_54:notes"/>
+          <p:cNvSpPr txBox="1">
+            <a:spLocks noGrp="1"/>
+          </p:cNvSpPr>
+          <p:nvPr>
+            <p:ph type="body" idx="1"/>
+          </p:nvPr>
+        </p:nvSpPr>
+        <p:spPr>
+          <a:xfrm>
+            <a:off x="685800" y="4343400"/>
+            <a:ext cx="5486400" cy="4114800"/>
+          </a:xfrm>
+          <a:prstGeom prst="rect">
+            <a:avLst/>
+          </a:prstGeom>
+        </p:spPr>
+        <p:txBody>
+          <a:bodyPr spcFirstLastPara="1" wrap="square" lIns="91425" tIns="91425" rIns="91425" bIns="91425" anchor="t" anchorCtr="0">
+            <a:noAutofit/>
+          </a:bodyPr>
+          <a:lstStyle/>
+          <a:p>
+            <a:pPr marL="0" lvl="0" indent="0" algn="l" rtl="0">
+              <a:spcBef>
+                <a:spcPts val="0"/>
+              </a:spcBef>
+              <a:spcAft>
+                <a:spcPts val="0"/>
+              </a:spcAft>
+              <a:buNone/>
+            </a:pPr>
+            <a:endParaRPr/>
+          </a:p>
+        </p:txBody>
+      </p:sp>
+    </p:spTree>
+  </p:cSld>
+  <p:clrMapOvr>
+    <a:masterClrMapping/>
+  </p:clrMapOvr>
+</p:notes>
+</file>
+
+<file path=ppt/notesSlides/notesSlide21.xml><?xml version="1.0" encoding="utf-8"?>
+<p:notes xmlns:a="http://schemas.openxmlformats.org/drawingml/2006/main" xmlns:r="http://schemas.openxmlformats.org/officeDocument/2006/relationships" xmlns:p="http://schemas.openxmlformats.org/presentationml/2006/main" showMasterSp="0" showMasterPhAnim="0">
+  <p:cSld>
+    <p:spTree>
+      <p:nvGrpSpPr>
+        <p:cNvPr id="1" name="Shape 192"/>
+        <p:cNvGrpSpPr/>
+        <p:nvPr/>
+      </p:nvGrpSpPr>
+      <p:grpSpPr>
+        <a:xfrm>
+          <a:off x="0" y="0"/>
+          <a:ext cx="0" cy="0"/>
+          <a:chOff x="0" y="0"/>
+          <a:chExt cx="0" cy="0"/>
+        </a:xfrm>
+      </p:grpSpPr>
+      <p:sp>
+        <p:nvSpPr>
+          <p:cNvPr id="193" name="Google Shape;193;g9bd518e6f2_0_64:notes"/>
+          <p:cNvSpPr>
+            <a:spLocks noGrp="1" noRot="1" noChangeAspect="1"/>
+          </p:cNvSpPr>
+          <p:nvPr>
+            <p:ph type="sldImg" idx="2"/>
+          </p:nvPr>
+        </p:nvSpPr>
+        <p:spPr>
+          <a:xfrm>
+            <a:off x="1143000" y="685800"/>
+            <a:ext cx="4572000" cy="3429000"/>
+          </a:xfrm>
+          <a:custGeom>
+            <a:avLst/>
+            <a:gdLst/>
+            <a:ahLst/>
+            <a:cxnLst/>
+            <a:rect l="l" t="t" r="r" b="b"/>
+            <a:pathLst>
+              <a:path w="120000" h="120000" extrusionOk="0">
+                <a:moveTo>
+                  <a:pt x="0" y="0"/>
+                </a:moveTo>
+                <a:lnTo>
+                  <a:pt x="120000" y="0"/>
+                </a:lnTo>
+                <a:lnTo>
+                  <a:pt x="120000" y="120000"/>
+                </a:lnTo>
+                <a:lnTo>
+                  <a:pt x="0" y="120000"/>
+                </a:lnTo>
+                <a:close/>
+              </a:path>
+            </a:pathLst>
+          </a:custGeom>
+        </p:spPr>
+      </p:sp>
+      <p:sp>
+        <p:nvSpPr>
+          <p:cNvPr id="194" name="Google Shape;194;g9bd518e6f2_0_64:notes"/>
           <p:cNvSpPr txBox="1">
             <a:spLocks noGrp="1"/>
           </p:cNvSpPr>
@@ -2301,110 +2324,6 @@
         </p:txBody>
       </p:sp>
     </p:spTree>
-  </p:cSld>
-  <p:clrMapOvr>
-    <a:masterClrMapping/>
-  </p:clrMapOvr>
-</p:notes>
-</file>
-
-<file path=ppt/notesSlides/notesSlide23.xml><?xml version="1.0" encoding="utf-8"?>
-<p:notes xmlns:a="http://schemas.openxmlformats.org/drawingml/2006/main" xmlns:r="http://schemas.openxmlformats.org/officeDocument/2006/relationships" xmlns:p="http://schemas.openxmlformats.org/presentationml/2006/main" showMasterSp="0" showMasterPhAnim="0">
-  <p:cSld>
-    <p:spTree>
-      <p:nvGrpSpPr>
-        <p:cNvPr id="1" name="Shape 192"/>
-        <p:cNvGrpSpPr/>
-        <p:nvPr/>
-      </p:nvGrpSpPr>
-      <p:grpSpPr>
-        <a:xfrm>
-          <a:off x="0" y="0"/>
-          <a:ext cx="0" cy="0"/>
-          <a:chOff x="0" y="0"/>
-          <a:chExt cx="0" cy="0"/>
-        </a:xfrm>
-      </p:grpSpPr>
-      <p:sp>
-        <p:nvSpPr>
-          <p:cNvPr id="193" name="Google Shape;193;g9bd518e6f2_0_64:notes"/>
-          <p:cNvSpPr>
-            <a:spLocks noGrp="1" noRot="1" noChangeAspect="1"/>
-          </p:cNvSpPr>
-          <p:nvPr>
-            <p:ph type="sldImg" idx="2"/>
-          </p:nvPr>
-        </p:nvSpPr>
-        <p:spPr>
-          <a:xfrm>
-            <a:off x="1143000" y="685800"/>
-            <a:ext cx="4572000" cy="3429000"/>
-          </a:xfrm>
-          <a:custGeom>
-            <a:avLst/>
-            <a:gdLst/>
-            <a:ahLst/>
-            <a:cxnLst/>
-            <a:rect l="l" t="t" r="r" b="b"/>
-            <a:pathLst>
-              <a:path w="120000" h="120000" extrusionOk="0">
-                <a:moveTo>
-                  <a:pt x="0" y="0"/>
-                </a:moveTo>
-                <a:lnTo>
-                  <a:pt x="120000" y="0"/>
-                </a:lnTo>
-                <a:lnTo>
-                  <a:pt x="120000" y="120000"/>
-                </a:lnTo>
-                <a:lnTo>
-                  <a:pt x="0" y="120000"/>
-                </a:lnTo>
-                <a:close/>
-              </a:path>
-            </a:pathLst>
-          </a:custGeom>
-        </p:spPr>
-      </p:sp>
-      <p:sp>
-        <p:nvSpPr>
-          <p:cNvPr id="194" name="Google Shape;194;g9bd518e6f2_0_64:notes"/>
-          <p:cNvSpPr txBox="1">
-            <a:spLocks noGrp="1"/>
-          </p:cNvSpPr>
-          <p:nvPr>
-            <p:ph type="body" idx="1"/>
-          </p:nvPr>
-        </p:nvSpPr>
-        <p:spPr>
-          <a:xfrm>
-            <a:off x="685800" y="4343400"/>
-            <a:ext cx="5486400" cy="4114800"/>
-          </a:xfrm>
-          <a:prstGeom prst="rect">
-            <a:avLst/>
-          </a:prstGeom>
-        </p:spPr>
-        <p:txBody>
-          <a:bodyPr spcFirstLastPara="1" wrap="square" lIns="91425" tIns="91425" rIns="91425" bIns="91425" anchor="t" anchorCtr="0">
-            <a:noAutofit/>
-          </a:bodyPr>
-          <a:lstStyle/>
-          <a:p>
-            <a:pPr marL="0" lvl="0" indent="0" algn="l" rtl="0">
-              <a:spcBef>
-                <a:spcPts val="0"/>
-              </a:spcBef>
-              <a:spcAft>
-                <a:spcPts val="0"/>
-              </a:spcAft>
-              <a:buNone/>
-            </a:pPr>
-            <a:endParaRPr/>
-          </a:p>
-        </p:txBody>
-      </p:sp>
-    </p:spTree>
     <p:extLst>
       <p:ext uri="{BB962C8B-B14F-4D97-AF65-F5344CB8AC3E}">
         <p14:creationId xmlns:p14="http://schemas.microsoft.com/office/powerpoint/2010/main" val="1378760480"/>
@@ -2417,7 +2336,7 @@
 </p:notes>
 </file>
 
-<file path=ppt/notesSlides/notesSlide24.xml><?xml version="1.0" encoding="utf-8"?>
+<file path=ppt/notesSlides/notesSlide23.xml><?xml version="1.0" encoding="utf-8"?>
 <p:notes xmlns:a="http://schemas.openxmlformats.org/drawingml/2006/main" xmlns:r="http://schemas.openxmlformats.org/officeDocument/2006/relationships" xmlns:p="http://schemas.openxmlformats.org/presentationml/2006/main" showMasterSp="0" showMasterPhAnim="0">
   <p:cSld>
     <p:spTree>
@@ -2521,7 +2440,7 @@
 </p:notes>
 </file>
 
-<file path=ppt/notesSlides/notesSlide25.xml><?xml version="1.0" encoding="utf-8"?>
+<file path=ppt/notesSlides/notesSlide24.xml><?xml version="1.0" encoding="utf-8"?>
 <p:notes xmlns:a="http://schemas.openxmlformats.org/drawingml/2006/main" xmlns:r="http://schemas.openxmlformats.org/officeDocument/2006/relationships" xmlns:p="http://schemas.openxmlformats.org/presentationml/2006/main" showMasterSp="0" showMasterPhAnim="0">
   <p:cSld>
     <p:spTree>
@@ -2625,7 +2544,7 @@
 </p:notes>
 </file>
 
-<file path=ppt/notesSlides/notesSlide26.xml><?xml version="1.0" encoding="utf-8"?>
+<file path=ppt/notesSlides/notesSlide25.xml><?xml version="1.0" encoding="utf-8"?>
 <p:notes xmlns:a="http://schemas.openxmlformats.org/drawingml/2006/main" xmlns:r="http://schemas.openxmlformats.org/officeDocument/2006/relationships" xmlns:p="http://schemas.openxmlformats.org/presentationml/2006/main" showMasterSp="0" showMasterPhAnim="0">
   <p:cSld>
     <p:spTree>
@@ -3146,6 +3065,72 @@
 </file>
 
 <file path=ppt/notesSlides/notesSlide7.xml><?xml version="1.0" encoding="utf-8"?>
+<p:notes xmlns:a="http://schemas.openxmlformats.org/drawingml/2006/main" xmlns:r="http://schemas.openxmlformats.org/officeDocument/2006/relationships" xmlns:p="http://schemas.openxmlformats.org/presentationml/2006/main">
+  <p:cSld>
+    <p:spTree>
+      <p:nvGrpSpPr>
+        <p:cNvPr id="1" name=""/>
+        <p:cNvGrpSpPr/>
+        <p:nvPr/>
+      </p:nvGrpSpPr>
+      <p:grpSpPr>
+        <a:xfrm>
+          <a:off x="0" y="0"/>
+          <a:ext cx="0" cy="0"/>
+          <a:chOff x="0" y="0"/>
+          <a:chExt cx="0" cy="0"/>
+        </a:xfrm>
+      </p:grpSpPr>
+      <p:sp>
+        <p:nvSpPr>
+          <p:cNvPr id="2" name="Slide Image Placeholder 1"/>
+          <p:cNvSpPr>
+            <a:spLocks noGrp="1" noRot="1" noChangeAspect="1"/>
+          </p:cNvSpPr>
+          <p:nvPr>
+            <p:ph type="sldImg"/>
+          </p:nvPr>
+        </p:nvSpPr>
+        <p:spPr>
+          <a:xfrm>
+            <a:off x="1143000" y="685800"/>
+            <a:ext cx="4572000" cy="3429000"/>
+          </a:xfrm>
+        </p:spPr>
+      </p:sp>
+      <p:sp>
+        <p:nvSpPr>
+          <p:cNvPr id="3" name="Notes Placeholder 2"/>
+          <p:cNvSpPr>
+            <a:spLocks noGrp="1"/>
+          </p:cNvSpPr>
+          <p:nvPr>
+            <p:ph type="body" idx="1"/>
+          </p:nvPr>
+        </p:nvSpPr>
+        <p:spPr/>
+        <p:txBody>
+          <a:bodyPr/>
+          <a:lstStyle/>
+          <a:p>
+            <a:endParaRPr lang="en-GB"/>
+          </a:p>
+        </p:txBody>
+      </p:sp>
+    </p:spTree>
+    <p:extLst>
+      <p:ext uri="{BB962C8B-B14F-4D97-AF65-F5344CB8AC3E}">
+        <p14:creationId xmlns:p14="http://schemas.microsoft.com/office/powerpoint/2010/main" val="1096461884"/>
+      </p:ext>
+    </p:extLst>
+  </p:cSld>
+  <p:clrMapOvr>
+    <a:masterClrMapping/>
+  </p:clrMapOvr>
+</p:notes>
+</file>
+
+<file path=ppt/notesSlides/notesSlide8.xml><?xml version="1.0" encoding="utf-8"?>
 <p:notes xmlns:a="http://schemas.openxmlformats.org/drawingml/2006/main" xmlns:r="http://schemas.openxmlformats.org/officeDocument/2006/relationships" xmlns:p="http://schemas.openxmlformats.org/presentationml/2006/main" showMasterSp="0" showMasterPhAnim="0">
   <p:cSld>
     <p:spTree>
@@ -3249,12 +3234,12 @@
 </p:notes>
 </file>
 
-<file path=ppt/notesSlides/notesSlide8.xml><?xml version="1.0" encoding="utf-8"?>
+<file path=ppt/notesSlides/notesSlide9.xml><?xml version="1.0" encoding="utf-8"?>
 <p:notes xmlns:a="http://schemas.openxmlformats.org/drawingml/2006/main" xmlns:r="http://schemas.openxmlformats.org/officeDocument/2006/relationships" xmlns:p="http://schemas.openxmlformats.org/presentationml/2006/main" showMasterSp="0" showMasterPhAnim="0">
   <p:cSld>
     <p:spTree>
       <p:nvGrpSpPr>
-        <p:cNvPr id="1" name="Shape 104"/>
+        <p:cNvPr id="1" name="Shape 110"/>
         <p:cNvGrpSpPr/>
         <p:nvPr/>
       </p:nvGrpSpPr>
@@ -3268,7 +3253,7 @@
       </p:grpSpPr>
       <p:sp>
         <p:nvSpPr>
-          <p:cNvPr id="105" name="Google Shape;105;g9bd518e6f2_0_44:notes"/>
+          <p:cNvPr id="111" name="Google Shape;111;g9bd518e6f2_5_8:notes"/>
           <p:cNvSpPr>
             <a:spLocks noGrp="1" noRot="1" noChangeAspect="1"/>
           </p:cNvSpPr>
@@ -3309,116 +3294,7 @@
       </p:sp>
       <p:sp>
         <p:nvSpPr>
-          <p:cNvPr id="106" name="Google Shape;106;g9bd518e6f2_0_44:notes"/>
-          <p:cNvSpPr txBox="1">
-            <a:spLocks noGrp="1"/>
-          </p:cNvSpPr>
-          <p:nvPr>
-            <p:ph type="body" idx="1"/>
-          </p:nvPr>
-        </p:nvSpPr>
-        <p:spPr>
-          <a:xfrm>
-            <a:off x="685800" y="4343400"/>
-            <a:ext cx="5486400" cy="4114800"/>
-          </a:xfrm>
-          <a:prstGeom prst="rect">
-            <a:avLst/>
-          </a:prstGeom>
-        </p:spPr>
-        <p:txBody>
-          <a:bodyPr spcFirstLastPara="1" wrap="square" lIns="91425" tIns="91425" rIns="91425" bIns="91425" anchor="t" anchorCtr="0">
-            <a:noAutofit/>
-          </a:bodyPr>
-          <a:lstStyle/>
-          <a:p>
-            <a:pPr marL="0" lvl="0" indent="0" algn="l" rtl="0">
-              <a:spcBef>
-                <a:spcPts val="0"/>
-              </a:spcBef>
-              <a:spcAft>
-                <a:spcPts val="0"/>
-              </a:spcAft>
-              <a:buNone/>
-            </a:pPr>
-            <a:endParaRPr/>
-          </a:p>
-        </p:txBody>
-      </p:sp>
-    </p:spTree>
-    <p:extLst>
-      <p:ext uri="{BB962C8B-B14F-4D97-AF65-F5344CB8AC3E}">
-        <p14:creationId xmlns:p14="http://schemas.microsoft.com/office/powerpoint/2010/main" val="679048055"/>
-      </p:ext>
-    </p:extLst>
-  </p:cSld>
-  <p:clrMapOvr>
-    <a:masterClrMapping/>
-  </p:clrMapOvr>
-</p:notes>
-</file>
-
-<file path=ppt/notesSlides/notesSlide9.xml><?xml version="1.0" encoding="utf-8"?>
-<p:notes xmlns:a="http://schemas.openxmlformats.org/drawingml/2006/main" xmlns:r="http://schemas.openxmlformats.org/officeDocument/2006/relationships" xmlns:p="http://schemas.openxmlformats.org/presentationml/2006/main" showMasterSp="0" showMasterPhAnim="0">
-  <p:cSld>
-    <p:spTree>
-      <p:nvGrpSpPr>
-        <p:cNvPr id="1" name="Shape 104"/>
-        <p:cNvGrpSpPr/>
-        <p:nvPr/>
-      </p:nvGrpSpPr>
-      <p:grpSpPr>
-        <a:xfrm>
-          <a:off x="0" y="0"/>
-          <a:ext cx="0" cy="0"/>
-          <a:chOff x="0" y="0"/>
-          <a:chExt cx="0" cy="0"/>
-        </a:xfrm>
-      </p:grpSpPr>
-      <p:sp>
-        <p:nvSpPr>
-          <p:cNvPr id="105" name="Google Shape;105;g9bd518e6f2_0_44:notes"/>
-          <p:cNvSpPr>
-            <a:spLocks noGrp="1" noRot="1" noChangeAspect="1"/>
-          </p:cNvSpPr>
-          <p:nvPr>
-            <p:ph type="sldImg" idx="2"/>
-          </p:nvPr>
-        </p:nvSpPr>
-        <p:spPr>
-          <a:xfrm>
-            <a:off x="1143000" y="685800"/>
-            <a:ext cx="4572000" cy="3429000"/>
-          </a:xfrm>
-          <a:custGeom>
-            <a:avLst/>
-            <a:gdLst/>
-            <a:ahLst/>
-            <a:cxnLst/>
-            <a:rect l="l" t="t" r="r" b="b"/>
-            <a:pathLst>
-              <a:path w="120000" h="120000" extrusionOk="0">
-                <a:moveTo>
-                  <a:pt x="0" y="0"/>
-                </a:moveTo>
-                <a:lnTo>
-                  <a:pt x="120000" y="0"/>
-                </a:lnTo>
-                <a:lnTo>
-                  <a:pt x="120000" y="120000"/>
-                </a:lnTo>
-                <a:lnTo>
-                  <a:pt x="0" y="120000"/>
-                </a:lnTo>
-                <a:close/>
-              </a:path>
-            </a:pathLst>
-          </a:custGeom>
-        </p:spPr>
-      </p:sp>
-      <p:sp>
-        <p:nvSpPr>
-          <p:cNvPr id="106" name="Google Shape;106;g9bd518e6f2_0_44:notes"/>
+          <p:cNvPr id="112" name="Google Shape;112;g9bd518e6f2_5_8:notes"/>
           <p:cNvSpPr txBox="1">
             <a:spLocks noGrp="1"/>
           </p:cNvSpPr>
@@ -8588,44 +8464,6 @@
           </a:ln>
         </p:spPr>
       </p:pic>
-      <p:sp>
-        <p:nvSpPr>
-          <p:cNvPr id="2" name="Slide Number Placeholder 1">
-            <a:extLst>
-              <a:ext uri="{FF2B5EF4-FFF2-40B4-BE49-F238E27FC236}">
-                <a16:creationId xmlns:a16="http://schemas.microsoft.com/office/drawing/2014/main" id="{CEF2D359-7FD0-4B36-9612-D9183F0816D8}"/>
-              </a:ext>
-            </a:extLst>
-          </p:cNvPr>
-          <p:cNvSpPr>
-            <a:spLocks noGrp="1"/>
-          </p:cNvSpPr>
-          <p:nvPr>
-            <p:ph type="sldNum" idx="12"/>
-          </p:nvPr>
-        </p:nvSpPr>
-        <p:spPr/>
-        <p:txBody>
-          <a:bodyPr/>
-          <a:lstStyle/>
-          <a:p>
-            <a:pPr marL="0" lvl="0" indent="0" algn="r" rtl="0">
-              <a:spcBef>
-                <a:spcPts val="0"/>
-              </a:spcBef>
-              <a:spcAft>
-                <a:spcPts val="0"/>
-              </a:spcAft>
-              <a:buNone/>
-            </a:pPr>
-            <a:fld id="{00000000-1234-1234-1234-123412341234}" type="slidenum">
-              <a:rPr lang="en" smtClean="0"/>
-              <a:t>1</a:t>
-            </a:fld>
-            <a:endParaRPr lang="en"/>
-          </a:p>
-        </p:txBody>
-      </p:sp>
     </p:spTree>
   </p:cSld>
   <p:clrMapOvr>
@@ -8635,629 +8473,6 @@
 </file>
 
 <file path=ppt/slides/slide10.xml><?xml version="1.0" encoding="utf-8"?>
-<p:sld xmlns:a="http://schemas.openxmlformats.org/drawingml/2006/main" xmlns:r="http://schemas.openxmlformats.org/officeDocument/2006/relationships" xmlns:p="http://schemas.openxmlformats.org/presentationml/2006/main">
-  <p:cSld>
-    <p:spTree>
-      <p:nvGrpSpPr>
-        <p:cNvPr id="1" name="Shape 107"/>
-        <p:cNvGrpSpPr/>
-        <p:nvPr/>
-      </p:nvGrpSpPr>
-      <p:grpSpPr>
-        <a:xfrm>
-          <a:off x="0" y="0"/>
-          <a:ext cx="0" cy="0"/>
-          <a:chOff x="0" y="0"/>
-          <a:chExt cx="0" cy="0"/>
-        </a:xfrm>
-      </p:grpSpPr>
-      <p:sp>
-        <p:nvSpPr>
-          <p:cNvPr id="108" name="Google Shape;108;p21"/>
-          <p:cNvSpPr txBox="1">
-            <a:spLocks noGrp="1"/>
-          </p:cNvSpPr>
-          <p:nvPr>
-            <p:ph type="title"/>
-          </p:nvPr>
-        </p:nvSpPr>
-        <p:spPr>
-          <a:xfrm>
-            <a:off x="311700" y="288567"/>
-            <a:ext cx="8520600" cy="763500"/>
-          </a:xfrm>
-          <a:prstGeom prst="rect">
-            <a:avLst/>
-          </a:prstGeom>
-        </p:spPr>
-        <p:txBody>
-          <a:bodyPr spcFirstLastPara="1" wrap="square" lIns="91425" tIns="91425" rIns="91425" bIns="91425" anchor="t" anchorCtr="0">
-            <a:noAutofit/>
-          </a:bodyPr>
-          <a:lstStyle/>
-          <a:p>
-            <a:pPr marL="0" lvl="0" indent="0" algn="l" rtl="0">
-              <a:spcBef>
-                <a:spcPts val="0"/>
-              </a:spcBef>
-              <a:spcAft>
-                <a:spcPts val="0"/>
-              </a:spcAft>
-              <a:buNone/>
-            </a:pPr>
-            <a:r>
-              <a:rPr lang="en"/>
-              <a:t>2. Các bài toán điển hình</a:t>
-            </a:r>
-            <a:endParaRPr/>
-          </a:p>
-        </p:txBody>
-      </p:sp>
-      <p:sp>
-        <p:nvSpPr>
-          <p:cNvPr id="109" name="Google Shape;109;p21"/>
-          <p:cNvSpPr txBox="1">
-            <a:spLocks noGrp="1"/>
-          </p:cNvSpPr>
-          <p:nvPr>
-            <p:ph type="body" idx="1"/>
-          </p:nvPr>
-        </p:nvSpPr>
-        <p:spPr>
-          <a:xfrm>
-            <a:off x="311700" y="1536633"/>
-            <a:ext cx="8520600" cy="763500"/>
-          </a:xfrm>
-          <a:prstGeom prst="rect">
-            <a:avLst/>
-          </a:prstGeom>
-        </p:spPr>
-        <p:txBody>
-          <a:bodyPr spcFirstLastPara="1" wrap="square" lIns="91425" tIns="91425" rIns="91425" bIns="91425" anchor="t" anchorCtr="0">
-            <a:noAutofit/>
-          </a:bodyPr>
-          <a:lstStyle/>
-          <a:p>
-            <a:pPr marL="0" lvl="0" indent="457200" algn="l" rtl="0">
-              <a:spcBef>
-                <a:spcPts val="0"/>
-              </a:spcBef>
-              <a:spcAft>
-                <a:spcPts val="0"/>
-              </a:spcAft>
-              <a:buNone/>
-            </a:pPr>
-            <a:r>
-              <a:rPr lang="en" sz="2500" b="1" dirty="0"/>
-              <a:t>Binary Search</a:t>
-            </a:r>
-            <a:r>
-              <a:rPr lang="en" b="1" dirty="0"/>
-              <a:t> </a:t>
-            </a:r>
-            <a:endParaRPr dirty="0"/>
-          </a:p>
-        </p:txBody>
-      </p:sp>
-      <p:sp>
-        <p:nvSpPr>
-          <p:cNvPr id="2" name="TextBox 1">
-            <a:extLst>
-              <a:ext uri="{FF2B5EF4-FFF2-40B4-BE49-F238E27FC236}">
-                <a16:creationId xmlns:a16="http://schemas.microsoft.com/office/drawing/2014/main" id="{F6CE5A60-CF85-41DA-9C85-1BEA4BF5975D}"/>
-              </a:ext>
-            </a:extLst>
-          </p:cNvPr>
-          <p:cNvSpPr txBox="1"/>
-          <p:nvPr/>
-        </p:nvSpPr>
-        <p:spPr>
-          <a:xfrm>
-            <a:off x="731520" y="2707965"/>
-            <a:ext cx="7765366" cy="2934137"/>
-          </a:xfrm>
-          <a:prstGeom prst="rect">
-            <a:avLst/>
-          </a:prstGeom>
-          <a:noFill/>
-        </p:spPr>
-        <p:txBody>
-          <a:bodyPr wrap="square" rtlCol="0">
-            <a:spAutoFit/>
-          </a:bodyPr>
-          <a:lstStyle/>
-          <a:p>
-            <a:pPr marL="101600" lvl="0" indent="0" algn="l" rtl="0">
-              <a:spcBef>
-                <a:spcPts val="1600"/>
-              </a:spcBef>
-              <a:spcAft>
-                <a:spcPts val="0"/>
-              </a:spcAft>
-              <a:buSzPts val="2000"/>
-              <a:buNone/>
-            </a:pPr>
-            <a:r>
-              <a:rPr lang="vi-VN" sz="1800" b="1" dirty="0"/>
-              <a:t>Input:</a:t>
-            </a:r>
-            <a:r>
-              <a:rPr lang="vi-VN" sz="1800" dirty="0"/>
-              <a:t> </a:t>
-            </a:r>
-          </a:p>
-          <a:p>
-            <a:pPr marL="101600" lvl="0" indent="0" algn="l" rtl="0">
-              <a:spcBef>
-                <a:spcPts val="1600"/>
-              </a:spcBef>
-              <a:spcAft>
-                <a:spcPts val="0"/>
-              </a:spcAft>
-              <a:buSzPts val="2000"/>
-              <a:buNone/>
-            </a:pPr>
-            <a:r>
-              <a:rPr lang="vi-VN" sz="1800"/>
-              <a:t>	</a:t>
-            </a:r>
-            <a:r>
-              <a:rPr lang="vi-VN" sz="2000"/>
-              <a:t>- 1 </a:t>
-            </a:r>
-            <a:r>
-              <a:rPr lang="vi-VN" sz="2000" dirty="0"/>
-              <a:t>dãy số đã được sắp xếp tăng dần hoặc giảm dần.</a:t>
-            </a:r>
-          </a:p>
-          <a:p>
-            <a:pPr marL="101600" lvl="0" indent="0" algn="l" rtl="0">
-              <a:spcBef>
-                <a:spcPts val="1600"/>
-              </a:spcBef>
-              <a:spcAft>
-                <a:spcPts val="0"/>
-              </a:spcAft>
-              <a:buSzPts val="2000"/>
-              <a:buNone/>
-            </a:pPr>
-            <a:r>
-              <a:rPr lang="vi-VN" sz="2000"/>
-              <a:t>	- Số </a:t>
-            </a:r>
-            <a:r>
-              <a:rPr lang="vi-VN" sz="2000" dirty="0"/>
-              <a:t>x được cho</a:t>
-            </a:r>
-          </a:p>
-          <a:p>
-            <a:pPr marL="101600" lvl="0" indent="0" algn="l" rtl="0">
-              <a:spcBef>
-                <a:spcPts val="1600"/>
-              </a:spcBef>
-              <a:spcAft>
-                <a:spcPts val="0"/>
-              </a:spcAft>
-              <a:buSzPts val="2000"/>
-              <a:buNone/>
-            </a:pPr>
-            <a:r>
-              <a:rPr lang="vi-VN" sz="1800" b="1" dirty="0"/>
-              <a:t>Output:</a:t>
-            </a:r>
-            <a:r>
-              <a:rPr lang="vi-VN" sz="1800" dirty="0"/>
-              <a:t> </a:t>
-            </a:r>
-          </a:p>
-          <a:p>
-            <a:pPr marL="0" lvl="0" indent="0" algn="l" rtl="0">
-              <a:spcBef>
-                <a:spcPts val="1600"/>
-              </a:spcBef>
-              <a:spcAft>
-                <a:spcPts val="1600"/>
-              </a:spcAft>
-              <a:buNone/>
-            </a:pPr>
-            <a:r>
-              <a:rPr lang="vi-VN" sz="2000"/>
-              <a:t>	- Tìm </a:t>
-            </a:r>
-            <a:r>
-              <a:rPr lang="vi-VN" sz="2000" dirty="0"/>
-              <a:t>kiếm số </a:t>
-            </a:r>
-            <a:r>
-              <a:rPr lang="vi-VN" sz="2000" i="1" dirty="0"/>
-              <a:t>x </a:t>
-            </a:r>
-            <a:r>
-              <a:rPr lang="vi-VN" sz="2000" dirty="0"/>
-              <a:t>có trong dãy số hay không?</a:t>
-            </a:r>
-          </a:p>
-          <a:p>
-            <a:endParaRPr lang="en-US" sz="1800" dirty="0"/>
-          </a:p>
-        </p:txBody>
-      </p:sp>
-      <p:sp>
-        <p:nvSpPr>
-          <p:cNvPr id="3" name="Slide Number Placeholder 2">
-            <a:extLst>
-              <a:ext uri="{FF2B5EF4-FFF2-40B4-BE49-F238E27FC236}">
-                <a16:creationId xmlns:a16="http://schemas.microsoft.com/office/drawing/2014/main" id="{88B0D64F-7CF2-46F2-BD85-02DB2074180B}"/>
-              </a:ext>
-            </a:extLst>
-          </p:cNvPr>
-          <p:cNvSpPr>
-            <a:spLocks noGrp="1"/>
-          </p:cNvSpPr>
-          <p:nvPr>
-            <p:ph type="sldNum" idx="12"/>
-          </p:nvPr>
-        </p:nvSpPr>
-        <p:spPr/>
-        <p:txBody>
-          <a:bodyPr/>
-          <a:lstStyle/>
-          <a:p>
-            <a:pPr marL="0" lvl="0" indent="0" algn="r" rtl="0">
-              <a:spcBef>
-                <a:spcPts val="0"/>
-              </a:spcBef>
-              <a:spcAft>
-                <a:spcPts val="0"/>
-              </a:spcAft>
-              <a:buNone/>
-            </a:pPr>
-            <a:fld id="{00000000-1234-1234-1234-123412341234}" type="slidenum">
-              <a:rPr lang="en" smtClean="0"/>
-              <a:t>10</a:t>
-            </a:fld>
-            <a:endParaRPr lang="en"/>
-          </a:p>
-        </p:txBody>
-      </p:sp>
-    </p:spTree>
-    <p:extLst>
-      <p:ext uri="{BB962C8B-B14F-4D97-AF65-F5344CB8AC3E}">
-        <p14:creationId xmlns:p14="http://schemas.microsoft.com/office/powerpoint/2010/main" val="3867401442"/>
-      </p:ext>
-    </p:extLst>
-  </p:cSld>
-  <p:clrMapOvr>
-    <a:masterClrMapping/>
-  </p:clrMapOvr>
-  <p:timing>
-    <p:tnLst>
-      <p:par>
-        <p:cTn id="1" dur="indefinite" restart="never" nodeType="tmRoot">
-          <p:childTnLst>
-            <p:seq concurrent="1" nextAc="seek">
-              <p:cTn id="2" dur="indefinite" nodeType="mainSeq">
-                <p:childTnLst>
-                  <p:par>
-                    <p:cTn id="3" fill="hold">
-                      <p:stCondLst>
-                        <p:cond delay="indefinite"/>
-                      </p:stCondLst>
-                      <p:childTnLst>
-                        <p:par>
-                          <p:cTn id="4" fill="hold">
-                            <p:stCondLst>
-                              <p:cond delay="0"/>
-                            </p:stCondLst>
-                            <p:childTnLst>
-                              <p:par>
-                                <p:cTn id="5" presetID="10" presetClass="entr" presetSubtype="0" fill="hold" grpId="0" nodeType="clickEffect">
-                                  <p:stCondLst>
-                                    <p:cond delay="0"/>
-                                  </p:stCondLst>
-                                  <p:childTnLst>
-                                    <p:set>
-                                      <p:cBhvr>
-                                        <p:cTn id="6" dur="1" fill="hold">
-                                          <p:stCondLst>
-                                            <p:cond delay="0"/>
-                                          </p:stCondLst>
-                                        </p:cTn>
-                                        <p:tgtEl>
-                                          <p:spTgt spid="2"/>
-                                        </p:tgtEl>
-                                        <p:attrNameLst>
-                                          <p:attrName>style.visibility</p:attrName>
-                                        </p:attrNameLst>
-                                      </p:cBhvr>
-                                      <p:to>
-                                        <p:strVal val="visible"/>
-                                      </p:to>
-                                    </p:set>
-                                    <p:animEffect transition="in" filter="fade">
-                                      <p:cBhvr>
-                                        <p:cTn id="7" dur="500"/>
-                                        <p:tgtEl>
-                                          <p:spTgt spid="2"/>
-                                        </p:tgtEl>
-                                      </p:cBhvr>
-                                    </p:animEffect>
-                                  </p:childTnLst>
-                                </p:cTn>
-                              </p:par>
-                            </p:childTnLst>
-                          </p:cTn>
-                        </p:par>
-                      </p:childTnLst>
-                    </p:cTn>
-                  </p:par>
-                </p:childTnLst>
-              </p:cTn>
-              <p:prevCondLst>
-                <p:cond evt="onPrev" delay="0">
-                  <p:tgtEl>
-                    <p:sldTgt/>
-                  </p:tgtEl>
-                </p:cond>
-              </p:prevCondLst>
-              <p:nextCondLst>
-                <p:cond evt="onNext" delay="0">
-                  <p:tgtEl>
-                    <p:sldTgt/>
-                  </p:tgtEl>
-                </p:cond>
-              </p:nextCondLst>
-            </p:seq>
-          </p:childTnLst>
-        </p:cTn>
-      </p:par>
-    </p:tnLst>
-    <p:bldLst>
-      <p:bldP spid="2" grpId="0"/>
-    </p:bldLst>
-  </p:timing>
-</p:sld>
-</file>
-
-<file path=ppt/slides/slide11.xml><?xml version="1.0" encoding="utf-8"?>
-<p:sld xmlns:a="http://schemas.openxmlformats.org/drawingml/2006/main" xmlns:r="http://schemas.openxmlformats.org/officeDocument/2006/relationships" xmlns:p="http://schemas.openxmlformats.org/presentationml/2006/main">
-  <p:cSld>
-    <p:spTree>
-      <p:nvGrpSpPr>
-        <p:cNvPr id="1" name="Shape 107"/>
-        <p:cNvGrpSpPr/>
-        <p:nvPr/>
-      </p:nvGrpSpPr>
-      <p:grpSpPr>
-        <a:xfrm>
-          <a:off x="0" y="0"/>
-          <a:ext cx="0" cy="0"/>
-          <a:chOff x="0" y="0"/>
-          <a:chExt cx="0" cy="0"/>
-        </a:xfrm>
-      </p:grpSpPr>
-      <p:sp>
-        <p:nvSpPr>
-          <p:cNvPr id="108" name="Google Shape;108;p21"/>
-          <p:cNvSpPr txBox="1">
-            <a:spLocks noGrp="1"/>
-          </p:cNvSpPr>
-          <p:nvPr>
-            <p:ph type="title"/>
-          </p:nvPr>
-        </p:nvSpPr>
-        <p:spPr>
-          <a:xfrm>
-            <a:off x="311700" y="288567"/>
-            <a:ext cx="8520600" cy="763500"/>
-          </a:xfrm>
-          <a:prstGeom prst="rect">
-            <a:avLst/>
-          </a:prstGeom>
-        </p:spPr>
-        <p:txBody>
-          <a:bodyPr spcFirstLastPara="1" wrap="square" lIns="91425" tIns="91425" rIns="91425" bIns="91425" anchor="t" anchorCtr="0">
-            <a:noAutofit/>
-          </a:bodyPr>
-          <a:lstStyle/>
-          <a:p>
-            <a:pPr marL="0" lvl="0" indent="0" algn="l" rtl="0">
-              <a:spcBef>
-                <a:spcPts val="0"/>
-              </a:spcBef>
-              <a:spcAft>
-                <a:spcPts val="0"/>
-              </a:spcAft>
-              <a:buNone/>
-            </a:pPr>
-            <a:r>
-              <a:rPr lang="en"/>
-              <a:t>2. Các bài toán điển hình</a:t>
-            </a:r>
-            <a:endParaRPr/>
-          </a:p>
-        </p:txBody>
-      </p:sp>
-      <p:sp>
-        <p:nvSpPr>
-          <p:cNvPr id="109" name="Google Shape;109;p21"/>
-          <p:cNvSpPr txBox="1">
-            <a:spLocks noGrp="1"/>
-          </p:cNvSpPr>
-          <p:nvPr>
-            <p:ph type="body" idx="1"/>
-          </p:nvPr>
-        </p:nvSpPr>
-        <p:spPr>
-          <a:xfrm>
-            <a:off x="311700" y="1536633"/>
-            <a:ext cx="8520600" cy="4555200"/>
-          </a:xfrm>
-          <a:prstGeom prst="rect">
-            <a:avLst/>
-          </a:prstGeom>
-        </p:spPr>
-        <p:txBody>
-          <a:bodyPr spcFirstLastPara="1" wrap="square" lIns="91425" tIns="91425" rIns="91425" bIns="91425" anchor="t" anchorCtr="0">
-            <a:noAutofit/>
-          </a:bodyPr>
-          <a:lstStyle/>
-          <a:p>
-            <a:pPr marL="0" lvl="0" indent="457200" algn="l" rtl="0">
-              <a:spcBef>
-                <a:spcPts val="0"/>
-              </a:spcBef>
-              <a:spcAft>
-                <a:spcPts val="0"/>
-              </a:spcAft>
-              <a:buNone/>
-            </a:pPr>
-            <a:r>
-              <a:rPr lang="en" sz="2500" b="1" dirty="0"/>
-              <a:t>Binary Search</a:t>
-            </a:r>
-            <a:r>
-              <a:rPr lang="en" b="1" dirty="0"/>
-              <a:t> </a:t>
-            </a:r>
-            <a:endParaRPr dirty="0"/>
-          </a:p>
-          <a:p>
-            <a:pPr marL="457200" lvl="0" indent="-355600" algn="l" rtl="0">
-              <a:spcBef>
-                <a:spcPts val="1600"/>
-              </a:spcBef>
-              <a:spcAft>
-                <a:spcPts val="0"/>
-              </a:spcAft>
-              <a:buSzPts val="2000"/>
-              <a:buChar char="●"/>
-            </a:pPr>
-            <a:r>
-              <a:rPr lang="en" sz="2000" dirty="0"/>
-              <a:t>Ở mỗi bước, so sánh x với giá trị ở giữa dãy số. </a:t>
-            </a:r>
-            <a:endParaRPr sz="2000" dirty="0"/>
-          </a:p>
-          <a:p>
-            <a:pPr marL="457200" lvl="0" indent="0" algn="l" rtl="0">
-              <a:spcBef>
-                <a:spcPts val="1600"/>
-              </a:spcBef>
-              <a:spcAft>
-                <a:spcPts val="0"/>
-              </a:spcAft>
-              <a:buNone/>
-            </a:pPr>
-            <a:endParaRPr sz="2000" dirty="0"/>
-          </a:p>
-          <a:p>
-            <a:pPr marL="457200" lvl="0" indent="-355600" algn="l" rtl="0">
-              <a:spcBef>
-                <a:spcPts val="1600"/>
-              </a:spcBef>
-              <a:spcAft>
-                <a:spcPts val="0"/>
-              </a:spcAft>
-              <a:buSzPts val="2000"/>
-              <a:buChar char="●"/>
-            </a:pPr>
-            <a:r>
-              <a:rPr lang="en" sz="2000" dirty="0"/>
-              <a:t>Nếu giá trị trùng khớp thì trả về vị trí giữa đó.</a:t>
-            </a:r>
-            <a:endParaRPr sz="2000" dirty="0"/>
-          </a:p>
-          <a:p>
-            <a:pPr marL="457200" lvl="0" indent="0" algn="l" rtl="0">
-              <a:spcBef>
-                <a:spcPts val="1600"/>
-              </a:spcBef>
-              <a:spcAft>
-                <a:spcPts val="0"/>
-              </a:spcAft>
-              <a:buNone/>
-            </a:pPr>
-            <a:endParaRPr sz="2000" dirty="0"/>
-          </a:p>
-          <a:p>
-            <a:pPr marL="457200" lvl="0" indent="-355600" algn="l" rtl="0">
-              <a:spcBef>
-                <a:spcPts val="1600"/>
-              </a:spcBef>
-              <a:spcAft>
-                <a:spcPts val="0"/>
-              </a:spcAft>
-              <a:buSzPts val="2000"/>
-              <a:buChar char="●"/>
-            </a:pPr>
-            <a:r>
-              <a:rPr lang="en" sz="2000" dirty="0"/>
-              <a:t>Nếu x nhỏ hơn giá trị ở giữa, lặp lại thuật toán cho bên trái dãy số, ngược lại đệ quy cho bên phải của dãy số.</a:t>
-            </a:r>
-            <a:endParaRPr sz="2000" dirty="0"/>
-          </a:p>
-          <a:p>
-            <a:pPr marL="0" lvl="0" indent="0" algn="l" rtl="0">
-              <a:spcBef>
-                <a:spcPts val="1600"/>
-              </a:spcBef>
-              <a:spcAft>
-                <a:spcPts val="1600"/>
-              </a:spcAft>
-              <a:buNone/>
-            </a:pPr>
-            <a:endParaRPr dirty="0"/>
-          </a:p>
-        </p:txBody>
-      </p:sp>
-      <p:sp>
-        <p:nvSpPr>
-          <p:cNvPr id="2" name="Slide Number Placeholder 1">
-            <a:extLst>
-              <a:ext uri="{FF2B5EF4-FFF2-40B4-BE49-F238E27FC236}">
-                <a16:creationId xmlns:a16="http://schemas.microsoft.com/office/drawing/2014/main" id="{9B2EEC6F-EDD4-4981-8DC0-D5F29EDBD062}"/>
-              </a:ext>
-            </a:extLst>
-          </p:cNvPr>
-          <p:cNvSpPr>
-            <a:spLocks noGrp="1"/>
-          </p:cNvSpPr>
-          <p:nvPr>
-            <p:ph type="sldNum" idx="12"/>
-          </p:nvPr>
-        </p:nvSpPr>
-        <p:spPr/>
-        <p:txBody>
-          <a:bodyPr/>
-          <a:lstStyle/>
-          <a:p>
-            <a:pPr marL="0" lvl="0" indent="0" algn="r" rtl="0">
-              <a:spcBef>
-                <a:spcPts val="0"/>
-              </a:spcBef>
-              <a:spcAft>
-                <a:spcPts val="0"/>
-              </a:spcAft>
-              <a:buNone/>
-            </a:pPr>
-            <a:fld id="{00000000-1234-1234-1234-123412341234}" type="slidenum">
-              <a:rPr lang="en" smtClean="0"/>
-              <a:t>11</a:t>
-            </a:fld>
-            <a:endParaRPr lang="en"/>
-          </a:p>
-        </p:txBody>
-      </p:sp>
-    </p:spTree>
-  </p:cSld>
-  <p:clrMapOvr>
-    <a:masterClrMapping/>
-  </p:clrMapOvr>
-</p:sld>
-</file>
-
-<file path=ppt/slides/slide12.xml><?xml version="1.0" encoding="utf-8"?>
 <p:sld xmlns:a="http://schemas.openxmlformats.org/drawingml/2006/main" xmlns:r="http://schemas.openxmlformats.org/officeDocument/2006/relationships" xmlns:p="http://schemas.openxmlformats.org/presentationml/2006/main">
   <p:cSld>
     <p:spTree>
@@ -9475,7 +8690,7 @@
             </a:pPr>
             <a:fld id="{00000000-1234-1234-1234-123412341234}" type="slidenum">
               <a:rPr lang="en" smtClean="0"/>
-              <a:t>12</a:t>
+              <a:t>10</a:t>
             </a:fld>
             <a:endParaRPr lang="en"/>
           </a:p>
@@ -9489,312 +8704,7 @@
 </p:sld>
 </file>
 
-<file path=ppt/slides/slide13.xml><?xml version="1.0" encoding="utf-8"?>
-<p:sld xmlns:a="http://schemas.openxmlformats.org/drawingml/2006/main" xmlns:r="http://schemas.openxmlformats.org/officeDocument/2006/relationships" xmlns:p="http://schemas.openxmlformats.org/presentationml/2006/main">
-  <p:cSld>
-    <p:spTree>
-      <p:nvGrpSpPr>
-        <p:cNvPr id="1" name="Shape 121"/>
-        <p:cNvGrpSpPr/>
-        <p:nvPr/>
-      </p:nvGrpSpPr>
-      <p:grpSpPr>
-        <a:xfrm>
-          <a:off x="0" y="0"/>
-          <a:ext cx="0" cy="0"/>
-          <a:chOff x="0" y="0"/>
-          <a:chExt cx="0" cy="0"/>
-        </a:xfrm>
-      </p:grpSpPr>
-      <p:sp>
-        <p:nvSpPr>
-          <p:cNvPr id="122" name="Google Shape;122;p23"/>
-          <p:cNvSpPr txBox="1">
-            <a:spLocks noGrp="1"/>
-          </p:cNvSpPr>
-          <p:nvPr>
-            <p:ph type="title"/>
-          </p:nvPr>
-        </p:nvSpPr>
-        <p:spPr>
-          <a:xfrm>
-            <a:off x="311700" y="288567"/>
-            <a:ext cx="8520600" cy="763500"/>
-          </a:xfrm>
-          <a:prstGeom prst="rect">
-            <a:avLst/>
-          </a:prstGeom>
-        </p:spPr>
-        <p:txBody>
-          <a:bodyPr spcFirstLastPara="1" wrap="square" lIns="91425" tIns="91425" rIns="91425" bIns="91425" anchor="t" anchorCtr="0">
-            <a:noAutofit/>
-          </a:bodyPr>
-          <a:lstStyle/>
-          <a:p>
-            <a:pPr marL="0" lvl="0" indent="0" algn="l" rtl="0">
-              <a:spcBef>
-                <a:spcPts val="0"/>
-              </a:spcBef>
-              <a:spcAft>
-                <a:spcPts val="0"/>
-              </a:spcAft>
-              <a:buNone/>
-            </a:pPr>
-            <a:r>
-              <a:rPr lang="en"/>
-              <a:t>2. Các bài toán điển hình</a:t>
-            </a:r>
-            <a:endParaRPr/>
-          </a:p>
-        </p:txBody>
-      </p:sp>
-      <p:sp>
-        <p:nvSpPr>
-          <p:cNvPr id="123" name="Google Shape;123;p23"/>
-          <p:cNvSpPr txBox="1">
-            <a:spLocks noGrp="1"/>
-          </p:cNvSpPr>
-          <p:nvPr>
-            <p:ph type="body" idx="1"/>
-          </p:nvPr>
-        </p:nvSpPr>
-        <p:spPr>
-          <a:xfrm>
-            <a:off x="311700" y="1371383"/>
-            <a:ext cx="8520600" cy="4555200"/>
-          </a:xfrm>
-          <a:prstGeom prst="rect">
-            <a:avLst/>
-          </a:prstGeom>
-        </p:spPr>
-        <p:txBody>
-          <a:bodyPr spcFirstLastPara="1" wrap="square" lIns="91425" tIns="91425" rIns="91425" bIns="91425" anchor="t" anchorCtr="0">
-            <a:noAutofit/>
-          </a:bodyPr>
-          <a:lstStyle/>
-          <a:p>
-            <a:pPr marL="0" lvl="0" indent="457200" algn="l" rtl="0">
-              <a:spcBef>
-                <a:spcPts val="0"/>
-              </a:spcBef>
-              <a:spcAft>
-                <a:spcPts val="0"/>
-              </a:spcAft>
-              <a:buNone/>
-            </a:pPr>
-            <a:r>
-              <a:rPr lang="en" sz="2500" b="1" dirty="0"/>
-              <a:t>Merge Sort</a:t>
-            </a:r>
-            <a:endParaRPr sz="2500" b="1" dirty="0"/>
-          </a:p>
-          <a:p>
-            <a:pPr marL="457200" lvl="0" indent="-355600" algn="l" rtl="0">
-              <a:spcBef>
-                <a:spcPts val="1600"/>
-              </a:spcBef>
-              <a:spcAft>
-                <a:spcPts val="0"/>
-              </a:spcAft>
-              <a:buSzPts val="2000"/>
-              <a:buChar char="●"/>
-            </a:pPr>
-            <a:r>
-              <a:rPr lang="en" sz="2000" dirty="0">
-                <a:solidFill>
-                  <a:srgbClr val="222222"/>
-                </a:solidFill>
-                <a:highlight>
-                  <a:srgbClr val="FFFFFF"/>
-                </a:highlight>
-              </a:rPr>
-              <a:t>Chia mảng cần sắp xếp thành hai nửa</a:t>
-            </a:r>
-            <a:r>
-              <a:rPr lang="en" sz="2000">
-                <a:solidFill>
-                  <a:srgbClr val="222222"/>
-                </a:solidFill>
-                <a:highlight>
-                  <a:srgbClr val="FFFFFF"/>
-                </a:highlight>
-              </a:rPr>
-              <a:t>. </a:t>
-            </a:r>
-            <a:endParaRPr lang="vi-VN" sz="2000">
-              <a:solidFill>
-                <a:srgbClr val="222222"/>
-              </a:solidFill>
-              <a:highlight>
-                <a:srgbClr val="FFFFFF"/>
-              </a:highlight>
-            </a:endParaRPr>
-          </a:p>
-          <a:p>
-            <a:pPr marL="914400" lvl="0" indent="0" algn="l" rtl="0">
-              <a:spcBef>
-                <a:spcPts val="1600"/>
-              </a:spcBef>
-              <a:spcAft>
-                <a:spcPts val="0"/>
-              </a:spcAft>
-              <a:buNone/>
-            </a:pPr>
-            <a:endParaRPr lang="vi-VN" sz="2000">
-              <a:solidFill>
-                <a:srgbClr val="222222"/>
-              </a:solidFill>
-              <a:highlight>
-                <a:srgbClr val="FFFFFF"/>
-              </a:highlight>
-            </a:endParaRPr>
-          </a:p>
-          <a:p>
-            <a:pPr marL="457200" lvl="0" indent="-355600" algn="l" rtl="0">
-              <a:spcBef>
-                <a:spcPts val="1600"/>
-              </a:spcBef>
-              <a:spcAft>
-                <a:spcPts val="0"/>
-              </a:spcAft>
-              <a:buSzPts val="2000"/>
-              <a:buChar char="●"/>
-            </a:pPr>
-            <a:r>
-              <a:rPr lang="en" sz="2000">
-                <a:solidFill>
-                  <a:srgbClr val="222222"/>
-                </a:solidFill>
-                <a:highlight>
-                  <a:srgbClr val="FFFFFF"/>
-                </a:highlight>
-              </a:rPr>
-              <a:t>Tiếp </a:t>
-            </a:r>
-            <a:r>
-              <a:rPr lang="en" sz="2000" dirty="0">
-                <a:solidFill>
-                  <a:srgbClr val="222222"/>
-                </a:solidFill>
-                <a:highlight>
-                  <a:srgbClr val="FFFFFF"/>
-                </a:highlight>
-              </a:rPr>
-              <a:t>tục lặp lại việc này ở các nửa mảng đã chia cho đến khi không thể chia được nữa. </a:t>
-            </a:r>
-            <a:endParaRPr sz="2000" dirty="0">
-              <a:solidFill>
-                <a:srgbClr val="222222"/>
-              </a:solidFill>
-              <a:highlight>
-                <a:srgbClr val="FFFFFF"/>
-              </a:highlight>
-            </a:endParaRPr>
-          </a:p>
-          <a:p>
-            <a:pPr marL="914400" lvl="0" indent="0" algn="l" rtl="0">
-              <a:spcBef>
-                <a:spcPts val="1600"/>
-              </a:spcBef>
-              <a:spcAft>
-                <a:spcPts val="0"/>
-              </a:spcAft>
-              <a:buNone/>
-            </a:pPr>
-            <a:endParaRPr sz="2000" dirty="0">
-              <a:solidFill>
-                <a:srgbClr val="222222"/>
-              </a:solidFill>
-              <a:highlight>
-                <a:srgbClr val="FFFFFF"/>
-              </a:highlight>
-            </a:endParaRPr>
-          </a:p>
-          <a:p>
-            <a:pPr marL="457200" lvl="0" indent="-355600" algn="l" rtl="0">
-              <a:spcBef>
-                <a:spcPts val="1600"/>
-              </a:spcBef>
-              <a:spcAft>
-                <a:spcPts val="0"/>
-              </a:spcAft>
-              <a:buSzPts val="2000"/>
-              <a:buChar char="●"/>
-            </a:pPr>
-            <a:r>
-              <a:rPr lang="en" sz="2000" dirty="0">
-                <a:solidFill>
-                  <a:srgbClr val="222222"/>
-                </a:solidFill>
-                <a:highlight>
-                  <a:srgbClr val="FFFFFF"/>
-                </a:highlight>
-              </a:rPr>
-              <a:t>Sau cùng gộp các nửa đó thành mảng đã sắp xếp. </a:t>
-            </a:r>
-            <a:endParaRPr sz="2000" dirty="0"/>
-          </a:p>
-          <a:p>
-            <a:pPr marL="0" lvl="0" indent="0" algn="l" rtl="0">
-              <a:spcBef>
-                <a:spcPts val="1600"/>
-              </a:spcBef>
-              <a:spcAft>
-                <a:spcPts val="1600"/>
-              </a:spcAft>
-              <a:buNone/>
-            </a:pPr>
-            <a:endParaRPr dirty="0"/>
-          </a:p>
-        </p:txBody>
-      </p:sp>
-      <p:sp>
-        <p:nvSpPr>
-          <p:cNvPr id="2" name="Slide Number Placeholder 1">
-            <a:extLst>
-              <a:ext uri="{FF2B5EF4-FFF2-40B4-BE49-F238E27FC236}">
-                <a16:creationId xmlns:a16="http://schemas.microsoft.com/office/drawing/2014/main" id="{06FB14A5-3E23-474A-B40D-2214E1916F3A}"/>
-              </a:ext>
-            </a:extLst>
-          </p:cNvPr>
-          <p:cNvSpPr>
-            <a:spLocks noGrp="1"/>
-          </p:cNvSpPr>
-          <p:nvPr>
-            <p:ph type="sldNum" idx="12"/>
-          </p:nvPr>
-        </p:nvSpPr>
-        <p:spPr/>
-        <p:txBody>
-          <a:bodyPr/>
-          <a:lstStyle/>
-          <a:p>
-            <a:pPr marL="0" lvl="0" indent="0" algn="r" rtl="0">
-              <a:spcBef>
-                <a:spcPts val="0"/>
-              </a:spcBef>
-              <a:spcAft>
-                <a:spcPts val="0"/>
-              </a:spcAft>
-              <a:buNone/>
-            </a:pPr>
-            <a:fld id="{00000000-1234-1234-1234-123412341234}" type="slidenum">
-              <a:rPr lang="en" smtClean="0"/>
-              <a:t>13</a:t>
-            </a:fld>
-            <a:endParaRPr lang="en"/>
-          </a:p>
-        </p:txBody>
-      </p:sp>
-    </p:spTree>
-  </p:cSld>
-  <p:clrMapOvr>
-    <a:masterClrMapping/>
-  </p:clrMapOvr>
-</p:sld>
-</file>
-
-<file path=ppt/slides/slide14.xml><?xml version="1.0" encoding="utf-8"?>
+<file path=ppt/slides/slide11.xml><?xml version="1.0" encoding="utf-8"?>
 <p:sld xmlns:a="http://schemas.openxmlformats.org/drawingml/2006/main" xmlns:r="http://schemas.openxmlformats.org/officeDocument/2006/relationships" xmlns:p="http://schemas.openxmlformats.org/presentationml/2006/main">
   <p:cSld>
     <p:spTree>
@@ -9869,8 +8779,8 @@
         </p:blipFill>
         <p:spPr>
           <a:xfrm>
-            <a:off x="1884563" y="1359762"/>
-            <a:ext cx="5374874" cy="5173326"/>
+            <a:off x="2247299" y="1843868"/>
+            <a:ext cx="4649402" cy="4247965"/>
           </a:xfrm>
           <a:prstGeom prst="rect">
             <a:avLst/>
@@ -9893,8 +8803,8 @@
         </p:nvSpPr>
         <p:spPr>
           <a:xfrm>
-            <a:off x="311700" y="1536633"/>
-            <a:ext cx="8520600" cy="4555200"/>
+            <a:off x="311700" y="1536632"/>
+            <a:ext cx="8520600" cy="5205689"/>
           </a:xfrm>
           <a:prstGeom prst="rect">
             <a:avLst/>
@@ -9923,7 +8833,91 @@
               <a:rPr lang="en" sz="2500" b="1"/>
               <a:t>Merge Sort</a:t>
             </a:r>
-            <a:endParaRPr sz="2500" b="1"/>
+            <a:endParaRPr lang="vi-VN" sz="2500" b="1"/>
+          </a:p>
+          <a:p>
+            <a:pPr marL="0" lvl="0" indent="0" algn="l" rtl="0">
+              <a:spcBef>
+                <a:spcPts val="0"/>
+              </a:spcBef>
+              <a:spcAft>
+                <a:spcPts val="1600"/>
+              </a:spcAft>
+              <a:buNone/>
+            </a:pPr>
+            <a:endParaRPr lang="vi-VN" sz="2500" b="1"/>
+          </a:p>
+          <a:p>
+            <a:pPr marL="0" lvl="0" indent="0" algn="l" rtl="0">
+              <a:spcBef>
+                <a:spcPts val="0"/>
+              </a:spcBef>
+              <a:spcAft>
+                <a:spcPts val="1600"/>
+              </a:spcAft>
+              <a:buNone/>
+            </a:pPr>
+            <a:endParaRPr lang="vi-VN" sz="2500" b="1"/>
+          </a:p>
+          <a:p>
+            <a:pPr marL="0" lvl="0" indent="0" algn="l" rtl="0">
+              <a:spcBef>
+                <a:spcPts val="0"/>
+              </a:spcBef>
+              <a:spcAft>
+                <a:spcPts val="1600"/>
+              </a:spcAft>
+              <a:buNone/>
+            </a:pPr>
+            <a:endParaRPr lang="vi-VN" sz="2500" b="1"/>
+          </a:p>
+          <a:p>
+            <a:pPr marL="0" lvl="0" indent="0" algn="l" rtl="0">
+              <a:spcBef>
+                <a:spcPts val="0"/>
+              </a:spcBef>
+              <a:spcAft>
+                <a:spcPts val="1600"/>
+              </a:spcAft>
+              <a:buNone/>
+            </a:pPr>
+            <a:endParaRPr lang="vi-VN" sz="2500" b="1"/>
+          </a:p>
+          <a:p>
+            <a:pPr marL="0" lvl="0" indent="0" algn="l" rtl="0">
+              <a:spcBef>
+                <a:spcPts val="0"/>
+              </a:spcBef>
+              <a:spcAft>
+                <a:spcPts val="1600"/>
+              </a:spcAft>
+              <a:buNone/>
+            </a:pPr>
+            <a:endParaRPr lang="vi-VN" sz="2500" b="1"/>
+          </a:p>
+          <a:p>
+            <a:pPr marL="0" lvl="0" indent="0" algn="l" rtl="0">
+              <a:spcBef>
+                <a:spcPts val="0"/>
+              </a:spcBef>
+              <a:spcAft>
+                <a:spcPts val="1600"/>
+              </a:spcAft>
+              <a:buNone/>
+            </a:pPr>
+            <a:r>
+              <a:rPr lang="en-US" sz="2000"/>
+              <a:t>	</a:t>
+            </a:r>
+            <a:r>
+              <a:rPr lang="vi-VN" sz="2000"/>
+              <a:t>Độ phức tạp</a:t>
+            </a:r>
+            <a:r>
+              <a:rPr lang="en-US" sz="2000"/>
+              <a:t> O(nlogn)</a:t>
+            </a:r>
+            <a:endParaRPr sz="2000"/>
           </a:p>
         </p:txBody>
       </p:sp>
@@ -9959,13 +8953,1011 @@
             </a:pPr>
             <a:fld id="{00000000-1234-1234-1234-123412341234}" type="slidenum">
               <a:rPr lang="en" smtClean="0"/>
+              <a:t>11</a:t>
+            </a:fld>
+            <a:endParaRPr lang="en"/>
+          </a:p>
+        </p:txBody>
+      </p:sp>
+    </p:spTree>
+  </p:cSld>
+  <p:clrMapOvr>
+    <a:masterClrMapping/>
+  </p:clrMapOvr>
+</p:sld>
+</file>
+
+<file path=ppt/slides/slide12.xml><?xml version="1.0" encoding="utf-8"?>
+<p:sld xmlns:a="http://schemas.openxmlformats.org/drawingml/2006/main" xmlns:r="http://schemas.openxmlformats.org/officeDocument/2006/relationships" xmlns:p="http://schemas.openxmlformats.org/presentationml/2006/main">
+  <p:cSld>
+    <p:spTree>
+      <p:nvGrpSpPr>
+        <p:cNvPr id="1" name="Shape 134"/>
+        <p:cNvGrpSpPr/>
+        <p:nvPr/>
+      </p:nvGrpSpPr>
+      <p:grpSpPr>
+        <a:xfrm>
+          <a:off x="0" y="0"/>
+          <a:ext cx="0" cy="0"/>
+          <a:chOff x="0" y="0"/>
+          <a:chExt cx="0" cy="0"/>
+        </a:xfrm>
+      </p:grpSpPr>
+      <p:sp>
+        <p:nvSpPr>
+          <p:cNvPr id="135" name="Google Shape;135;p25"/>
+          <p:cNvSpPr txBox="1">
+            <a:spLocks noGrp="1"/>
+          </p:cNvSpPr>
+          <p:nvPr>
+            <p:ph type="title"/>
+          </p:nvPr>
+        </p:nvSpPr>
+        <p:spPr>
+          <a:xfrm>
+            <a:off x="311700" y="288567"/>
+            <a:ext cx="8520600" cy="763500"/>
+          </a:xfrm>
+          <a:prstGeom prst="rect">
+            <a:avLst/>
+          </a:prstGeom>
+        </p:spPr>
+        <p:txBody>
+          <a:bodyPr spcFirstLastPara="1" wrap="square" lIns="91425" tIns="91425" rIns="91425" bIns="91425" anchor="t" anchorCtr="0">
+            <a:noAutofit/>
+          </a:bodyPr>
+          <a:lstStyle/>
+          <a:p>
+            <a:pPr marL="0" lvl="0" indent="0" algn="l" rtl="0">
+              <a:spcBef>
+                <a:spcPts val="0"/>
+              </a:spcBef>
+              <a:spcAft>
+                <a:spcPts val="0"/>
+              </a:spcAft>
+              <a:buNone/>
+            </a:pPr>
+            <a:r>
+              <a:rPr lang="en"/>
+              <a:t>2. Các bài toán điển hình</a:t>
+            </a:r>
+            <a:endParaRPr/>
+          </a:p>
+        </p:txBody>
+      </p:sp>
+      <p:sp>
+        <p:nvSpPr>
+          <p:cNvPr id="136" name="Google Shape;136;p25"/>
+          <p:cNvSpPr txBox="1">
+            <a:spLocks noGrp="1"/>
+          </p:cNvSpPr>
+          <p:nvPr>
+            <p:ph type="body" idx="1"/>
+          </p:nvPr>
+        </p:nvSpPr>
+        <p:spPr>
+          <a:xfrm>
+            <a:off x="311700" y="1536633"/>
+            <a:ext cx="8520600" cy="4555200"/>
+          </a:xfrm>
+          <a:prstGeom prst="rect">
+            <a:avLst/>
+          </a:prstGeom>
+        </p:spPr>
+        <p:txBody>
+          <a:bodyPr spcFirstLastPara="1" wrap="square" lIns="91425" tIns="91425" rIns="91425" bIns="91425" anchor="t" anchorCtr="0">
+            <a:noAutofit/>
+          </a:bodyPr>
+          <a:lstStyle/>
+          <a:p>
+            <a:pPr marL="0" lvl="0" indent="457200" algn="l" rtl="0">
+              <a:spcBef>
+                <a:spcPts val="0"/>
+              </a:spcBef>
+              <a:spcAft>
+                <a:spcPts val="1600"/>
+              </a:spcAft>
+              <a:buNone/>
+            </a:pPr>
+            <a:r>
+              <a:rPr lang="en" sz="2500" b="1"/>
+              <a:t>Closest pair of points</a:t>
+            </a:r>
+            <a:endParaRPr sz="2500" b="1"/>
+          </a:p>
+        </p:txBody>
+      </p:sp>
+      <p:pic>
+        <p:nvPicPr>
+          <p:cNvPr id="137" name="Google Shape;137;p25"/>
+          <p:cNvPicPr preferRelativeResize="0"/>
+          <p:nvPr/>
+        </p:nvPicPr>
+        <p:blipFill>
+          <a:blip r:embed="rId3">
+            <a:alphaModFix/>
+          </a:blip>
+          <a:stretch>
+            <a:fillRect/>
+          </a:stretch>
+        </p:blipFill>
+        <p:spPr>
+          <a:xfrm>
+            <a:off x="4009219" y="1741215"/>
+            <a:ext cx="4494258" cy="4555200"/>
+          </a:xfrm>
+          <a:prstGeom prst="rect">
+            <a:avLst/>
+          </a:prstGeom>
+          <a:noFill/>
+          <a:ln>
+            <a:noFill/>
+          </a:ln>
+        </p:spPr>
+      </p:pic>
+      <p:sp>
+        <p:nvSpPr>
+          <p:cNvPr id="138" name="Google Shape;138;p25"/>
+          <p:cNvSpPr txBox="1"/>
+          <p:nvPr/>
+        </p:nvSpPr>
+        <p:spPr>
+          <a:xfrm>
+            <a:off x="826250" y="2644050"/>
+            <a:ext cx="3057300" cy="2892000"/>
+          </a:xfrm>
+          <a:prstGeom prst="rect">
+            <a:avLst/>
+          </a:prstGeom>
+          <a:noFill/>
+          <a:ln>
+            <a:noFill/>
+          </a:ln>
+        </p:spPr>
+        <p:txBody>
+          <a:bodyPr spcFirstLastPara="1" wrap="square" lIns="91425" tIns="91425" rIns="91425" bIns="91425" anchor="t" anchorCtr="0">
+            <a:noAutofit/>
+          </a:bodyPr>
+          <a:lstStyle/>
+          <a:p>
+            <a:pPr marL="0" lvl="0" indent="0" algn="l" rtl="0">
+              <a:lnSpc>
+                <a:spcPct val="150000"/>
+              </a:lnSpc>
+              <a:spcBef>
+                <a:spcPts val="0"/>
+              </a:spcBef>
+              <a:spcAft>
+                <a:spcPts val="0"/>
+              </a:spcAft>
+              <a:buNone/>
+            </a:pPr>
+            <a:r>
+              <a:rPr lang="en" sz="2000" dirty="0"/>
+              <a:t>Cho n điểm trên hệ trục tọa độ Oxy</a:t>
+            </a:r>
+            <a:r>
+              <a:rPr lang="en" sz="2000"/>
+              <a:t>. </a:t>
+            </a:r>
+            <a:endParaRPr lang="vi-VN" sz="2000"/>
+          </a:p>
+          <a:p>
+            <a:pPr marL="0" lvl="0" indent="0" algn="l" rtl="0">
+              <a:lnSpc>
+                <a:spcPct val="150000"/>
+              </a:lnSpc>
+              <a:spcBef>
+                <a:spcPts val="0"/>
+              </a:spcBef>
+              <a:spcAft>
+                <a:spcPts val="0"/>
+              </a:spcAft>
+              <a:buNone/>
+            </a:pPr>
+            <a:endParaRPr lang="vi-VN" sz="2000"/>
+          </a:p>
+          <a:p>
+            <a:pPr marL="0" lvl="0" indent="0" algn="l" rtl="0">
+              <a:lnSpc>
+                <a:spcPct val="150000"/>
+              </a:lnSpc>
+              <a:spcBef>
+                <a:spcPts val="0"/>
+              </a:spcBef>
+              <a:spcAft>
+                <a:spcPts val="0"/>
+              </a:spcAft>
+              <a:buNone/>
+            </a:pPr>
+            <a:r>
+              <a:rPr lang="vi-VN" sz="2000"/>
+              <a:t>T</a:t>
+            </a:r>
+            <a:r>
+              <a:rPr lang="en" sz="2000"/>
+              <a:t>ìm </a:t>
+            </a:r>
+            <a:r>
+              <a:rPr lang="en" sz="2000" dirty="0"/>
+              <a:t>cặp điểm có khoảng cách </a:t>
+            </a:r>
+            <a:r>
+              <a:rPr lang="en" sz="2000"/>
+              <a:t>ngắn </a:t>
+            </a:r>
+            <a:r>
+              <a:rPr lang="vi-VN" sz="2000"/>
+              <a:t>nhất.</a:t>
+            </a:r>
+            <a:endParaRPr sz="2000" dirty="0"/>
+          </a:p>
+        </p:txBody>
+      </p:sp>
+      <p:sp>
+        <p:nvSpPr>
+          <p:cNvPr id="2" name="Slide Number Placeholder 1">
+            <a:extLst>
+              <a:ext uri="{FF2B5EF4-FFF2-40B4-BE49-F238E27FC236}">
+                <a16:creationId xmlns:a16="http://schemas.microsoft.com/office/drawing/2014/main" id="{BC2898DD-1888-4E32-A6A3-C69DCBE6159E}"/>
+              </a:ext>
+            </a:extLst>
+          </p:cNvPr>
+          <p:cNvSpPr>
+            <a:spLocks noGrp="1"/>
+          </p:cNvSpPr>
+          <p:nvPr>
+            <p:ph type="sldNum" idx="12"/>
+          </p:nvPr>
+        </p:nvSpPr>
+        <p:spPr/>
+        <p:txBody>
+          <a:bodyPr/>
+          <a:lstStyle/>
+          <a:p>
+            <a:pPr marL="0" lvl="0" indent="0" algn="r" rtl="0">
+              <a:spcBef>
+                <a:spcPts val="0"/>
+              </a:spcBef>
+              <a:spcAft>
+                <a:spcPts val="0"/>
+              </a:spcAft>
+              <a:buNone/>
+            </a:pPr>
+            <a:fld id="{00000000-1234-1234-1234-123412341234}" type="slidenum">
+              <a:rPr lang="en" smtClean="0"/>
+              <a:t>12</a:t>
+            </a:fld>
+            <a:endParaRPr lang="en"/>
+          </a:p>
+        </p:txBody>
+      </p:sp>
+    </p:spTree>
+  </p:cSld>
+  <p:clrMapOvr>
+    <a:masterClrMapping/>
+  </p:clrMapOvr>
+</p:sld>
+</file>
+
+<file path=ppt/slides/slide13.xml><?xml version="1.0" encoding="utf-8"?>
+<p:sld xmlns:a="http://schemas.openxmlformats.org/drawingml/2006/main" xmlns:r="http://schemas.openxmlformats.org/officeDocument/2006/relationships" xmlns:p="http://schemas.openxmlformats.org/presentationml/2006/main">
+  <p:cSld>
+    <p:spTree>
+      <p:nvGrpSpPr>
+        <p:cNvPr id="1" name="Shape 134"/>
+        <p:cNvGrpSpPr/>
+        <p:nvPr/>
+      </p:nvGrpSpPr>
+      <p:grpSpPr>
+        <a:xfrm>
+          <a:off x="0" y="0"/>
+          <a:ext cx="0" cy="0"/>
+          <a:chOff x="0" y="0"/>
+          <a:chExt cx="0" cy="0"/>
+        </a:xfrm>
+      </p:grpSpPr>
+      <p:sp>
+        <p:nvSpPr>
+          <p:cNvPr id="135" name="Google Shape;135;p25"/>
+          <p:cNvSpPr txBox="1">
+            <a:spLocks noGrp="1"/>
+          </p:cNvSpPr>
+          <p:nvPr>
+            <p:ph type="title"/>
+          </p:nvPr>
+        </p:nvSpPr>
+        <p:spPr>
+          <a:xfrm>
+            <a:off x="311700" y="288567"/>
+            <a:ext cx="8520600" cy="763500"/>
+          </a:xfrm>
+          <a:prstGeom prst="rect">
+            <a:avLst/>
+          </a:prstGeom>
+        </p:spPr>
+        <p:txBody>
+          <a:bodyPr spcFirstLastPara="1" wrap="square" lIns="91425" tIns="91425" rIns="91425" bIns="91425" anchor="t" anchorCtr="0">
+            <a:noAutofit/>
+          </a:bodyPr>
+          <a:lstStyle/>
+          <a:p>
+            <a:pPr marL="0" lvl="0" indent="0" algn="l" rtl="0">
+              <a:spcBef>
+                <a:spcPts val="0"/>
+              </a:spcBef>
+              <a:spcAft>
+                <a:spcPts val="0"/>
+              </a:spcAft>
+              <a:buNone/>
+            </a:pPr>
+            <a:r>
+              <a:rPr lang="en"/>
+              <a:t>2. Các bài toán điển hình</a:t>
+            </a:r>
+            <a:endParaRPr/>
+          </a:p>
+        </p:txBody>
+      </p:sp>
+      <p:sp>
+        <p:nvSpPr>
+          <p:cNvPr id="136" name="Google Shape;136;p25"/>
+          <p:cNvSpPr txBox="1">
+            <a:spLocks noGrp="1"/>
+          </p:cNvSpPr>
+          <p:nvPr>
+            <p:ph type="body" idx="1"/>
+          </p:nvPr>
+        </p:nvSpPr>
+        <p:spPr>
+          <a:xfrm>
+            <a:off x="311700" y="1536633"/>
+            <a:ext cx="8520600" cy="4555200"/>
+          </a:xfrm>
+          <a:prstGeom prst="rect">
+            <a:avLst/>
+          </a:prstGeom>
+        </p:spPr>
+        <p:txBody>
+          <a:bodyPr spcFirstLastPara="1" wrap="square" lIns="91425" tIns="91425" rIns="91425" bIns="91425" anchor="t" anchorCtr="0">
+            <a:noAutofit/>
+          </a:bodyPr>
+          <a:lstStyle/>
+          <a:p>
+            <a:pPr marL="0" lvl="0" indent="457200" algn="l" rtl="0">
+              <a:spcBef>
+                <a:spcPts val="0"/>
+              </a:spcBef>
+              <a:spcAft>
+                <a:spcPts val="1600"/>
+              </a:spcAft>
+              <a:buNone/>
+            </a:pPr>
+            <a:r>
+              <a:rPr lang="en" sz="2500" b="1"/>
+              <a:t>Closest pair of points</a:t>
+            </a:r>
+            <a:endParaRPr sz="2500" b="1"/>
+          </a:p>
+        </p:txBody>
+      </p:sp>
+      <p:sp>
+        <p:nvSpPr>
+          <p:cNvPr id="138" name="Google Shape;138;p25"/>
+          <p:cNvSpPr txBox="1"/>
+          <p:nvPr/>
+        </p:nvSpPr>
+        <p:spPr>
+          <a:xfrm>
+            <a:off x="311700" y="2368233"/>
+            <a:ext cx="3616239" cy="2892000"/>
+          </a:xfrm>
+          <a:prstGeom prst="rect">
+            <a:avLst/>
+          </a:prstGeom>
+          <a:noFill/>
+          <a:ln>
+            <a:noFill/>
+          </a:ln>
+        </p:spPr>
+        <p:txBody>
+          <a:bodyPr spcFirstLastPara="1" wrap="square" lIns="91425" tIns="91425" rIns="91425" bIns="91425" anchor="t" anchorCtr="0">
+            <a:noAutofit/>
+          </a:bodyPr>
+          <a:lstStyle/>
+          <a:p>
+            <a:pPr marL="457200" lvl="0" indent="-457200" algn="l" rtl="0">
+              <a:lnSpc>
+                <a:spcPct val="150000"/>
+              </a:lnSpc>
+              <a:spcBef>
+                <a:spcPts val="0"/>
+              </a:spcBef>
+              <a:spcAft>
+                <a:spcPts val="0"/>
+              </a:spcAft>
+              <a:buFont typeface="+mj-lt"/>
+              <a:buAutoNum type="arabicPeriod"/>
+            </a:pPr>
+            <a:r>
+              <a:rPr lang="vi-VN" sz="2000">
+                <a:solidFill>
+                  <a:schemeClr val="dk1"/>
+                </a:solidFill>
+                <a:highlight>
+                  <a:srgbClr val="FFFFFF"/>
+                </a:highlight>
+              </a:rPr>
+              <a:t>Sắp xếp các điểm theo trục x.</a:t>
+            </a:r>
+          </a:p>
+          <a:p>
+            <a:pPr marL="457200" lvl="0" indent="-457200" algn="l" rtl="0">
+              <a:lnSpc>
+                <a:spcPct val="150000"/>
+              </a:lnSpc>
+              <a:spcBef>
+                <a:spcPts val="0"/>
+              </a:spcBef>
+              <a:spcAft>
+                <a:spcPts val="0"/>
+              </a:spcAft>
+              <a:buFont typeface="+mj-lt"/>
+              <a:buAutoNum type="arabicPeriod"/>
+            </a:pPr>
+            <a:r>
+              <a:rPr lang="vi-VN" sz="2000">
+                <a:solidFill>
+                  <a:schemeClr val="dk1"/>
+                </a:solidFill>
+                <a:highlight>
+                  <a:srgbClr val="FFFFFF"/>
+                </a:highlight>
+              </a:rPr>
+              <a:t>Đặt mid là vị trí là tọa độ điểm ở giữa.</a:t>
+            </a:r>
+          </a:p>
+          <a:p>
+            <a:pPr marL="457200" lvl="0" indent="-457200" algn="l" rtl="0">
+              <a:lnSpc>
+                <a:spcPct val="150000"/>
+              </a:lnSpc>
+              <a:spcBef>
+                <a:spcPts val="0"/>
+              </a:spcBef>
+              <a:spcAft>
+                <a:spcPts val="0"/>
+              </a:spcAft>
+              <a:buFont typeface="+mj-lt"/>
+              <a:buAutoNum type="arabicPeriod"/>
+            </a:pPr>
+            <a:r>
+              <a:rPr lang="vi-VN" sz="2000">
+                <a:solidFill>
+                  <a:schemeClr val="dk1"/>
+                </a:solidFill>
+                <a:highlight>
+                  <a:srgbClr val="FFFFFF"/>
+                </a:highlight>
+              </a:rPr>
+              <a:t>Chia dãy được cho thành 2 phần tại mid.</a:t>
+            </a:r>
+          </a:p>
+          <a:p>
+            <a:pPr marL="457200" lvl="0" indent="-457200" algn="l" rtl="0">
+              <a:lnSpc>
+                <a:spcPct val="150000"/>
+              </a:lnSpc>
+              <a:spcBef>
+                <a:spcPts val="0"/>
+              </a:spcBef>
+              <a:spcAft>
+                <a:spcPts val="0"/>
+              </a:spcAft>
+              <a:buFont typeface="+mj-lt"/>
+              <a:buAutoNum type="arabicPeriod"/>
+            </a:pPr>
+            <a:r>
+              <a:rPr lang="vi-VN" sz="2000">
+                <a:solidFill>
+                  <a:schemeClr val="dk1"/>
+                </a:solidFill>
+                <a:highlight>
+                  <a:srgbClr val="FFFFFF"/>
+                </a:highlight>
+              </a:rPr>
+              <a:t>Tìm khoảng cách nhỏ nhất ở 2 phần (dl, dr).</a:t>
+            </a:r>
+          </a:p>
+          <a:p>
+            <a:pPr marL="457200" lvl="0" indent="-457200" algn="l" rtl="0">
+              <a:lnSpc>
+                <a:spcPct val="150000"/>
+              </a:lnSpc>
+              <a:spcBef>
+                <a:spcPts val="0"/>
+              </a:spcBef>
+              <a:spcAft>
+                <a:spcPts val="0"/>
+              </a:spcAft>
+              <a:buFont typeface="+mj-lt"/>
+              <a:buAutoNum type="arabicPeriod"/>
+            </a:pPr>
+            <a:r>
+              <a:rPr lang="vi-VN" sz="2000">
+                <a:solidFill>
+                  <a:schemeClr val="dk1"/>
+                </a:solidFill>
+                <a:highlight>
+                  <a:srgbClr val="FFFFFF"/>
+                </a:highlight>
+              </a:rPr>
+              <a:t>Đặt d = min(dl, dr).</a:t>
+            </a:r>
+            <a:endParaRPr sz="2000" dirty="0"/>
+          </a:p>
+        </p:txBody>
+      </p:sp>
+      <p:sp>
+        <p:nvSpPr>
+          <p:cNvPr id="2" name="Slide Number Placeholder 1">
+            <a:extLst>
+              <a:ext uri="{FF2B5EF4-FFF2-40B4-BE49-F238E27FC236}">
+                <a16:creationId xmlns:a16="http://schemas.microsoft.com/office/drawing/2014/main" id="{BC2898DD-1888-4E32-A6A3-C69DCBE6159E}"/>
+              </a:ext>
+            </a:extLst>
+          </p:cNvPr>
+          <p:cNvSpPr>
+            <a:spLocks noGrp="1"/>
+          </p:cNvSpPr>
+          <p:nvPr>
+            <p:ph type="sldNum" idx="12"/>
+          </p:nvPr>
+        </p:nvSpPr>
+        <p:spPr/>
+        <p:txBody>
+          <a:bodyPr/>
+          <a:lstStyle/>
+          <a:p>
+            <a:pPr marL="0" lvl="0" indent="0" algn="r" rtl="0">
+              <a:spcBef>
+                <a:spcPts val="0"/>
+              </a:spcBef>
+              <a:spcAft>
+                <a:spcPts val="0"/>
+              </a:spcAft>
+              <a:buNone/>
+            </a:pPr>
+            <a:fld id="{00000000-1234-1234-1234-123412341234}" type="slidenum">
+              <a:rPr lang="en" smtClean="0"/>
+              <a:t>13</a:t>
+            </a:fld>
+            <a:endParaRPr lang="en"/>
+          </a:p>
+        </p:txBody>
+      </p:sp>
+      <p:pic>
+        <p:nvPicPr>
+          <p:cNvPr id="4" name="Picture 3">
+            <a:extLst>
+              <a:ext uri="{FF2B5EF4-FFF2-40B4-BE49-F238E27FC236}">
+                <a16:creationId xmlns:a16="http://schemas.microsoft.com/office/drawing/2014/main" id="{CEC2D7C5-5B26-4858-AF66-A6E00EA8139B}"/>
+              </a:ext>
+            </a:extLst>
+          </p:cNvPr>
+          <p:cNvPicPr>
+            <a:picLocks noChangeAspect="1"/>
+          </p:cNvPicPr>
+          <p:nvPr/>
+        </p:nvPicPr>
+        <p:blipFill>
+          <a:blip r:embed="rId3"/>
+          <a:stretch>
+            <a:fillRect/>
+          </a:stretch>
+        </p:blipFill>
+        <p:spPr>
+          <a:xfrm>
+            <a:off x="4266785" y="2201662"/>
+            <a:ext cx="4565515" cy="3657601"/>
+          </a:xfrm>
+          <a:prstGeom prst="rect">
+            <a:avLst/>
+          </a:prstGeom>
+        </p:spPr>
+      </p:pic>
+    </p:spTree>
+    <p:extLst>
+      <p:ext uri="{BB962C8B-B14F-4D97-AF65-F5344CB8AC3E}">
+        <p14:creationId xmlns:p14="http://schemas.microsoft.com/office/powerpoint/2010/main" val="3146672637"/>
+      </p:ext>
+    </p:extLst>
+  </p:cSld>
+  <p:clrMapOvr>
+    <a:masterClrMapping/>
+  </p:clrMapOvr>
+</p:sld>
+</file>
+
+<file path=ppt/slides/slide14.xml><?xml version="1.0" encoding="utf-8"?>
+<p:sld xmlns:a="http://schemas.openxmlformats.org/drawingml/2006/main" xmlns:r="http://schemas.openxmlformats.org/officeDocument/2006/relationships" xmlns:p="http://schemas.openxmlformats.org/presentationml/2006/main">
+  <p:cSld>
+    <p:spTree>
+      <p:nvGrpSpPr>
+        <p:cNvPr id="1" name="Shape 134"/>
+        <p:cNvGrpSpPr/>
+        <p:nvPr/>
+      </p:nvGrpSpPr>
+      <p:grpSpPr>
+        <a:xfrm>
+          <a:off x="0" y="0"/>
+          <a:ext cx="0" cy="0"/>
+          <a:chOff x="0" y="0"/>
+          <a:chExt cx="0" cy="0"/>
+        </a:xfrm>
+      </p:grpSpPr>
+      <p:sp>
+        <p:nvSpPr>
+          <p:cNvPr id="135" name="Google Shape;135;p25"/>
+          <p:cNvSpPr txBox="1">
+            <a:spLocks noGrp="1"/>
+          </p:cNvSpPr>
+          <p:nvPr>
+            <p:ph type="title"/>
+          </p:nvPr>
+        </p:nvSpPr>
+        <p:spPr>
+          <a:xfrm>
+            <a:off x="311700" y="288567"/>
+            <a:ext cx="8520600" cy="763500"/>
+          </a:xfrm>
+          <a:prstGeom prst="rect">
+            <a:avLst/>
+          </a:prstGeom>
+        </p:spPr>
+        <p:txBody>
+          <a:bodyPr spcFirstLastPara="1" wrap="square" lIns="91425" tIns="91425" rIns="91425" bIns="91425" anchor="t" anchorCtr="0">
+            <a:noAutofit/>
+          </a:bodyPr>
+          <a:lstStyle/>
+          <a:p>
+            <a:pPr marL="0" lvl="0" indent="0" algn="l" rtl="0">
+              <a:spcBef>
+                <a:spcPts val="0"/>
+              </a:spcBef>
+              <a:spcAft>
+                <a:spcPts val="0"/>
+              </a:spcAft>
+              <a:buNone/>
+            </a:pPr>
+            <a:r>
+              <a:rPr lang="en"/>
+              <a:t>2. Các bài toán điển hình</a:t>
+            </a:r>
+            <a:endParaRPr/>
+          </a:p>
+        </p:txBody>
+      </p:sp>
+      <p:sp>
+        <p:nvSpPr>
+          <p:cNvPr id="136" name="Google Shape;136;p25"/>
+          <p:cNvSpPr txBox="1">
+            <a:spLocks noGrp="1"/>
+          </p:cNvSpPr>
+          <p:nvPr>
+            <p:ph type="body" idx="1"/>
+          </p:nvPr>
+        </p:nvSpPr>
+        <p:spPr>
+          <a:xfrm>
+            <a:off x="311700" y="1536633"/>
+            <a:ext cx="8520600" cy="4555200"/>
+          </a:xfrm>
+          <a:prstGeom prst="rect">
+            <a:avLst/>
+          </a:prstGeom>
+        </p:spPr>
+        <p:txBody>
+          <a:bodyPr spcFirstLastPara="1" wrap="square" lIns="91425" tIns="91425" rIns="91425" bIns="91425" anchor="t" anchorCtr="0">
+            <a:noAutofit/>
+          </a:bodyPr>
+          <a:lstStyle/>
+          <a:p>
+            <a:pPr marL="0" lvl="0" indent="457200" algn="l" rtl="0">
+              <a:spcBef>
+                <a:spcPts val="0"/>
+              </a:spcBef>
+              <a:spcAft>
+                <a:spcPts val="1600"/>
+              </a:spcAft>
+              <a:buNone/>
+            </a:pPr>
+            <a:r>
+              <a:rPr lang="en" sz="2500" b="1"/>
+              <a:t>Closest pair of points</a:t>
+            </a:r>
+            <a:endParaRPr sz="2500" b="1"/>
+          </a:p>
+        </p:txBody>
+      </p:sp>
+      <p:sp>
+        <p:nvSpPr>
+          <p:cNvPr id="138" name="Google Shape;138;p25"/>
+          <p:cNvSpPr txBox="1"/>
+          <p:nvPr/>
+        </p:nvSpPr>
+        <p:spPr>
+          <a:xfrm>
+            <a:off x="311700" y="2368233"/>
+            <a:ext cx="3616239" cy="3455518"/>
+          </a:xfrm>
+          <a:prstGeom prst="rect">
+            <a:avLst/>
+          </a:prstGeom>
+          <a:noFill/>
+          <a:ln>
+            <a:noFill/>
+          </a:ln>
+        </p:spPr>
+        <p:txBody>
+          <a:bodyPr spcFirstLastPara="1" wrap="square" lIns="91425" tIns="91425" rIns="91425" bIns="91425" anchor="t" anchorCtr="0">
+            <a:noAutofit/>
+          </a:bodyPr>
+          <a:lstStyle/>
+          <a:p>
+            <a:pPr marL="457200" lvl="0" indent="-457200" algn="l" rtl="0">
+              <a:lnSpc>
+                <a:spcPct val="150000"/>
+              </a:lnSpc>
+              <a:spcBef>
+                <a:spcPts val="0"/>
+              </a:spcBef>
+              <a:spcAft>
+                <a:spcPts val="0"/>
+              </a:spcAft>
+              <a:buFont typeface="+mj-lt"/>
+              <a:buAutoNum type="arabicPeriod" startAt="6"/>
+            </a:pPr>
+            <a:r>
+              <a:rPr lang="vi-VN" sz="2000">
+                <a:solidFill>
+                  <a:schemeClr val="dk1"/>
+                </a:solidFill>
+                <a:highlight>
+                  <a:srgbClr val="FFFFFF"/>
+                </a:highlight>
+                <a:latin typeface="+mn-lt"/>
+                <a:ea typeface="Roboto"/>
+                <a:cs typeface="Roboto"/>
+                <a:sym typeface="Roboto"/>
+              </a:rPr>
+              <a:t>Đặt đường thẳng</a:t>
+            </a:r>
+            <a:r>
+              <a:rPr lang="en-US" sz="2000">
+                <a:solidFill>
+                  <a:schemeClr val="dk1"/>
+                </a:solidFill>
+                <a:highlight>
+                  <a:srgbClr val="FFFFFF"/>
+                </a:highlight>
+                <a:latin typeface="+mn-lt"/>
+                <a:ea typeface="Roboto"/>
+                <a:cs typeface="Roboto"/>
+                <a:sym typeface="Roboto"/>
+              </a:rPr>
+              <a:t> P</a:t>
+            </a:r>
+            <a:r>
+              <a:rPr lang="vi-VN" sz="2000">
+                <a:solidFill>
+                  <a:schemeClr val="dk1"/>
+                </a:solidFill>
+                <a:highlight>
+                  <a:srgbClr val="FFFFFF"/>
+                </a:highlight>
+                <a:latin typeface="+mn-lt"/>
+                <a:ea typeface="Roboto"/>
+                <a:cs typeface="Roboto"/>
+                <a:sym typeface="Roboto"/>
+              </a:rPr>
+              <a:t> tại mid.</a:t>
+            </a:r>
+          </a:p>
+          <a:p>
+            <a:pPr marL="457200" lvl="0" indent="-457200" algn="l" rtl="0">
+              <a:lnSpc>
+                <a:spcPct val="150000"/>
+              </a:lnSpc>
+              <a:spcBef>
+                <a:spcPts val="0"/>
+              </a:spcBef>
+              <a:spcAft>
+                <a:spcPts val="0"/>
+              </a:spcAft>
+              <a:buFont typeface="+mj-lt"/>
+              <a:buAutoNum type="arabicPeriod" startAt="6"/>
+            </a:pPr>
+            <a:r>
+              <a:rPr lang="vi-VN" sz="2000">
+                <a:solidFill>
+                  <a:schemeClr val="dk1"/>
+                </a:solidFill>
+                <a:highlight>
+                  <a:srgbClr val="FFFFFF"/>
+                </a:highlight>
+                <a:latin typeface="+mn-lt"/>
+                <a:ea typeface="Roboto"/>
+                <a:cs typeface="Roboto"/>
+                <a:sym typeface="Roboto"/>
+              </a:rPr>
+              <a:t>Đặt strip[] gồm các điểm có khoảng cách (x, mid.x) nhỏ hơn d.</a:t>
+            </a:r>
+          </a:p>
+          <a:p>
+            <a:pPr marL="457200" lvl="0" indent="-457200" algn="l" rtl="0">
+              <a:lnSpc>
+                <a:spcPct val="150000"/>
+              </a:lnSpc>
+              <a:spcBef>
+                <a:spcPts val="0"/>
+              </a:spcBef>
+              <a:spcAft>
+                <a:spcPts val="0"/>
+              </a:spcAft>
+              <a:buFont typeface="+mj-lt"/>
+              <a:buAutoNum type="arabicPeriod" startAt="6"/>
+            </a:pPr>
+            <a:r>
+              <a:rPr lang="vi-VN" sz="2000">
+                <a:solidFill>
+                  <a:schemeClr val="dk1"/>
+                </a:solidFill>
+                <a:highlight>
+                  <a:srgbClr val="FFFFFF"/>
+                </a:highlight>
+                <a:latin typeface="+mn-lt"/>
+                <a:ea typeface="Roboto"/>
+                <a:cs typeface="Roboto"/>
+                <a:sym typeface="Roboto"/>
+              </a:rPr>
+              <a:t>Sắp xếp strip theo y.</a:t>
+            </a:r>
+          </a:p>
+          <a:p>
+            <a:pPr marL="457200" lvl="0" indent="-457200" algn="l" rtl="0">
+              <a:lnSpc>
+                <a:spcPct val="150000"/>
+              </a:lnSpc>
+              <a:spcBef>
+                <a:spcPts val="0"/>
+              </a:spcBef>
+              <a:spcAft>
+                <a:spcPts val="0"/>
+              </a:spcAft>
+              <a:buFont typeface="+mj-lt"/>
+              <a:buAutoNum type="arabicPeriod" startAt="6"/>
+            </a:pPr>
+            <a:r>
+              <a:rPr lang="vi-VN" sz="2000">
+                <a:solidFill>
+                  <a:schemeClr val="dk1"/>
+                </a:solidFill>
+                <a:highlight>
+                  <a:srgbClr val="FFFFFF"/>
+                </a:highlight>
+                <a:latin typeface="+mn-lt"/>
+                <a:ea typeface="Roboto"/>
+                <a:cs typeface="Roboto"/>
+                <a:sym typeface="Roboto"/>
+              </a:rPr>
+              <a:t>Tìm khoảng cách nhỏ nhất của các điểm trong strip</a:t>
+            </a:r>
+            <a:r>
+              <a:rPr lang="en-US" sz="2000">
+                <a:solidFill>
+                  <a:schemeClr val="dk1"/>
+                </a:solidFill>
+                <a:highlight>
+                  <a:srgbClr val="FFFFFF"/>
+                </a:highlight>
+                <a:latin typeface="+mn-lt"/>
+                <a:ea typeface="Roboto"/>
+                <a:cs typeface="Roboto"/>
+                <a:sym typeface="Roboto"/>
+              </a:rPr>
+              <a:t>.</a:t>
+            </a:r>
+            <a:endParaRPr lang="vi-VN" sz="2000" dirty="0">
+              <a:solidFill>
+                <a:schemeClr val="dk1"/>
+              </a:solidFill>
+              <a:highlight>
+                <a:srgbClr val="FFFFFF"/>
+              </a:highlight>
+              <a:latin typeface="+mn-lt"/>
+              <a:ea typeface="Roboto"/>
+              <a:cs typeface="Roboto"/>
+              <a:sym typeface="Roboto"/>
+            </a:endParaRPr>
+          </a:p>
+        </p:txBody>
+      </p:sp>
+      <p:sp>
+        <p:nvSpPr>
+          <p:cNvPr id="2" name="Slide Number Placeholder 1">
+            <a:extLst>
+              <a:ext uri="{FF2B5EF4-FFF2-40B4-BE49-F238E27FC236}">
+                <a16:creationId xmlns:a16="http://schemas.microsoft.com/office/drawing/2014/main" id="{BC2898DD-1888-4E32-A6A3-C69DCBE6159E}"/>
+              </a:ext>
+            </a:extLst>
+          </p:cNvPr>
+          <p:cNvSpPr>
+            <a:spLocks noGrp="1"/>
+          </p:cNvSpPr>
+          <p:nvPr>
+            <p:ph type="sldNum" idx="12"/>
+          </p:nvPr>
+        </p:nvSpPr>
+        <p:spPr/>
+        <p:txBody>
+          <a:bodyPr/>
+          <a:lstStyle/>
+          <a:p>
+            <a:pPr marL="0" lvl="0" indent="0" algn="r" rtl="0">
+              <a:spcBef>
+                <a:spcPts val="0"/>
+              </a:spcBef>
+              <a:spcAft>
+                <a:spcPts val="0"/>
+              </a:spcAft>
+              <a:buNone/>
+            </a:pPr>
+            <a:fld id="{00000000-1234-1234-1234-123412341234}" type="slidenum">
+              <a:rPr lang="en" smtClean="0"/>
               <a:t>14</a:t>
             </a:fld>
             <a:endParaRPr lang="en"/>
           </a:p>
         </p:txBody>
       </p:sp>
+      <p:pic>
+        <p:nvPicPr>
+          <p:cNvPr id="3" name="Picture 2">
+            <a:extLst>
+              <a:ext uri="{FF2B5EF4-FFF2-40B4-BE49-F238E27FC236}">
+                <a16:creationId xmlns:a16="http://schemas.microsoft.com/office/drawing/2014/main" id="{C462E391-3B62-4844-81D4-736D52B8AFD6}"/>
+              </a:ext>
+            </a:extLst>
+          </p:cNvPr>
+          <p:cNvPicPr>
+            <a:picLocks noChangeAspect="1"/>
+          </p:cNvPicPr>
+          <p:nvPr/>
+        </p:nvPicPr>
+        <p:blipFill>
+          <a:blip r:embed="rId3"/>
+          <a:stretch>
+            <a:fillRect/>
+          </a:stretch>
+        </p:blipFill>
+        <p:spPr>
+          <a:xfrm>
+            <a:off x="4355651" y="1947420"/>
+            <a:ext cx="4476649" cy="4270202"/>
+          </a:xfrm>
+          <a:prstGeom prst="rect">
+            <a:avLst/>
+          </a:prstGeom>
+        </p:spPr>
+      </p:pic>
     </p:spTree>
+    <p:extLst>
+      <p:ext uri="{BB962C8B-B14F-4D97-AF65-F5344CB8AC3E}">
+        <p14:creationId xmlns:p14="http://schemas.microsoft.com/office/powerpoint/2010/main" val="2473482237"/>
+      </p:ext>
+    </p:extLst>
   </p:cSld>
   <p:clrMapOvr>
     <a:masterClrMapping/>
@@ -10074,34 +10066,6 @@
           </a:p>
         </p:txBody>
       </p:sp>
-      <p:pic>
-        <p:nvPicPr>
-          <p:cNvPr id="137" name="Google Shape;137;p25"/>
-          <p:cNvPicPr preferRelativeResize="0"/>
-          <p:nvPr/>
-        </p:nvPicPr>
-        <p:blipFill>
-          <a:blip r:embed="rId3">
-            <a:alphaModFix/>
-          </a:blip>
-          <a:stretch>
-            <a:fillRect/>
-          </a:stretch>
-        </p:blipFill>
-        <p:spPr>
-          <a:xfrm>
-            <a:off x="3978200" y="1375950"/>
-            <a:ext cx="5035875" cy="5035875"/>
-          </a:xfrm>
-          <a:prstGeom prst="rect">
-            <a:avLst/>
-          </a:prstGeom>
-          <a:noFill/>
-          <a:ln>
-            <a:noFill/>
-          </a:ln>
-        </p:spPr>
-      </p:pic>
       <p:sp>
         <p:nvSpPr>
           <p:cNvPr id="138" name="Google Shape;138;p25"/>
@@ -10110,8 +10074,8 @@
         </p:nvSpPr>
         <p:spPr>
           <a:xfrm>
-            <a:off x="826250" y="2644050"/>
-            <a:ext cx="3057300" cy="2892000"/>
+            <a:off x="870012" y="2403743"/>
+            <a:ext cx="7602445" cy="3455518"/>
           </a:xfrm>
           <a:prstGeom prst="rect">
             <a:avLst/>
@@ -10127,7 +10091,7 @@
           </a:bodyPr>
           <a:lstStyle/>
           <a:p>
-            <a:pPr marL="0" lvl="0" indent="0" algn="l" rtl="0">
+            <a:pPr lvl="0" algn="l" rtl="0">
               <a:lnSpc>
                 <a:spcPct val="150000"/>
               </a:lnSpc>
@@ -10137,13 +10101,160 @@
               <a:spcAft>
                 <a:spcPts val="0"/>
               </a:spcAft>
-              <a:buNone/>
             </a:pPr>
             <a:r>
-              <a:rPr lang="en" sz="2000" dirty="0"/>
-              <a:t>Cho n điểm trên hệ trục tọa độ Oxy. Hãy tìm cặp điểm có khoảng cách ngắn nhất trong các điểm đã được cho.</a:t>
+              <a:rPr lang="vi-VN" sz="2000">
+                <a:solidFill>
+                  <a:schemeClr val="dk1"/>
+                </a:solidFill>
+                <a:highlight>
+                  <a:srgbClr val="FFFFFF"/>
+                </a:highlight>
+                <a:latin typeface="+mn-lt"/>
+                <a:ea typeface="Roboto"/>
+                <a:cs typeface="Roboto"/>
+                <a:sym typeface="Roboto"/>
+              </a:rPr>
+              <a:t>Độ phức tạp</a:t>
             </a:r>
-            <a:endParaRPr sz="2000" dirty="0"/>
+            <a:r>
+              <a:rPr lang="en-US" sz="2000">
+                <a:solidFill>
+                  <a:schemeClr val="dk1"/>
+                </a:solidFill>
+                <a:highlight>
+                  <a:srgbClr val="FFFFFF"/>
+                </a:highlight>
+                <a:latin typeface="+mn-lt"/>
+                <a:ea typeface="Roboto"/>
+                <a:cs typeface="Roboto"/>
+                <a:sym typeface="Roboto"/>
+              </a:rPr>
+              <a:t>:</a:t>
+            </a:r>
+            <a:endParaRPr lang="vi-VN" sz="2000">
+              <a:solidFill>
+                <a:schemeClr val="dk1"/>
+              </a:solidFill>
+              <a:highlight>
+                <a:srgbClr val="FFFFFF"/>
+              </a:highlight>
+              <a:latin typeface="+mn-lt"/>
+              <a:ea typeface="Roboto"/>
+              <a:cs typeface="Roboto"/>
+              <a:sym typeface="Roboto"/>
+            </a:endParaRPr>
+          </a:p>
+          <a:p>
+            <a:pPr lvl="0" algn="l" rtl="0">
+              <a:lnSpc>
+                <a:spcPct val="150000"/>
+              </a:lnSpc>
+              <a:spcBef>
+                <a:spcPts val="0"/>
+              </a:spcBef>
+              <a:spcAft>
+                <a:spcPts val="0"/>
+              </a:spcAft>
+            </a:pPr>
+            <a:r>
+              <a:rPr lang="vi-VN" sz="2000">
+                <a:solidFill>
+                  <a:schemeClr val="dk1"/>
+                </a:solidFill>
+                <a:highlight>
+                  <a:srgbClr val="FFFFFF"/>
+                </a:highlight>
+                <a:latin typeface="+mn-lt"/>
+                <a:ea typeface="Roboto"/>
+                <a:cs typeface="Roboto"/>
+                <a:sym typeface="Roboto"/>
+              </a:rPr>
+              <a:t>	Sắp xếp: </a:t>
+            </a:r>
+            <a:r>
+              <a:rPr lang="vi-VN" sz="2000" i="1">
+                <a:solidFill>
+                  <a:schemeClr val="dk1"/>
+                </a:solidFill>
+                <a:highlight>
+                  <a:srgbClr val="FFFFFF"/>
+                </a:highlight>
+                <a:latin typeface="+mn-lt"/>
+                <a:ea typeface="Roboto"/>
+                <a:cs typeface="Roboto"/>
+                <a:sym typeface="Roboto"/>
+              </a:rPr>
+              <a:t>O(nlogn)</a:t>
+            </a:r>
+          </a:p>
+          <a:p>
+            <a:pPr lvl="0" algn="l" rtl="0">
+              <a:lnSpc>
+                <a:spcPct val="150000"/>
+              </a:lnSpc>
+              <a:spcBef>
+                <a:spcPts val="0"/>
+              </a:spcBef>
+              <a:spcAft>
+                <a:spcPts val="0"/>
+              </a:spcAft>
+            </a:pPr>
+            <a:r>
+              <a:rPr lang="vi-VN" sz="2000">
+                <a:solidFill>
+                  <a:schemeClr val="dk1"/>
+                </a:solidFill>
+                <a:highlight>
+                  <a:srgbClr val="FFFFFF"/>
+                </a:highlight>
+                <a:latin typeface="+mn-lt"/>
+                <a:ea typeface="Roboto"/>
+                <a:cs typeface="Roboto"/>
+                <a:sym typeface="Roboto"/>
+              </a:rPr>
+              <a:t>	Xây dựng và tìm kiếm trong strip: </a:t>
+            </a:r>
+            <a:r>
+              <a:rPr lang="vi-VN" sz="2000" i="1">
+                <a:solidFill>
+                  <a:schemeClr val="dk1"/>
+                </a:solidFill>
+                <a:highlight>
+                  <a:srgbClr val="FFFFFF"/>
+                </a:highlight>
+                <a:latin typeface="+mn-lt"/>
+                <a:ea typeface="Roboto"/>
+                <a:cs typeface="Roboto"/>
+                <a:sym typeface="Roboto"/>
+              </a:rPr>
+              <a:t>O(n)</a:t>
+            </a:r>
+          </a:p>
+          <a:p>
+            <a:pPr lvl="0" algn="l" rtl="0">
+              <a:lnSpc>
+                <a:spcPct val="150000"/>
+              </a:lnSpc>
+              <a:spcBef>
+                <a:spcPts val="0"/>
+              </a:spcBef>
+              <a:spcAft>
+                <a:spcPts val="0"/>
+              </a:spcAft>
+            </a:pPr>
+            <a:endParaRPr lang="vi-VN" sz="2000">
+              <a:solidFill>
+                <a:schemeClr val="dk1"/>
+              </a:solidFill>
+              <a:highlight>
+                <a:srgbClr val="FFFFFF"/>
+              </a:highlight>
+              <a:latin typeface="+mn-lt"/>
+              <a:ea typeface="Roboto"/>
+              <a:cs typeface="Roboto"/>
+              <a:sym typeface="Roboto"/>
+            </a:endParaRPr>
           </a:p>
         </p:txBody>
       </p:sp>
@@ -10185,7 +10296,42 @@
           </a:p>
         </p:txBody>
       </p:sp>
+      <p:pic>
+        <p:nvPicPr>
+          <p:cNvPr id="5" name="Picture 4" descr="Graphical user interface, text, application&#10;&#10;Description automatically generated">
+            <a:extLst>
+              <a:ext uri="{FF2B5EF4-FFF2-40B4-BE49-F238E27FC236}">
+                <a16:creationId xmlns:a16="http://schemas.microsoft.com/office/drawing/2014/main" id="{1133F253-4463-46CE-83DF-1EA6B285951C}"/>
+              </a:ext>
+            </a:extLst>
+          </p:cNvPr>
+          <p:cNvPicPr>
+            <a:picLocks noChangeAspect="1"/>
+          </p:cNvPicPr>
+          <p:nvPr/>
+        </p:nvPicPr>
+        <p:blipFill>
+          <a:blip r:embed="rId3"/>
+          <a:stretch>
+            <a:fillRect/>
+          </a:stretch>
+        </p:blipFill>
+        <p:spPr>
+          <a:xfrm>
+            <a:off x="2118652" y="4251031"/>
+            <a:ext cx="5105163" cy="1377410"/>
+          </a:xfrm>
+          <a:prstGeom prst="rect">
+            <a:avLst/>
+          </a:prstGeom>
+        </p:spPr>
+      </p:pic>
     </p:spTree>
+    <p:extLst>
+      <p:ext uri="{BB962C8B-B14F-4D97-AF65-F5344CB8AC3E}">
+        <p14:creationId xmlns:p14="http://schemas.microsoft.com/office/powerpoint/2010/main" val="2880374874"/>
+      </p:ext>
+    </p:extLst>
   </p:cSld>
   <p:clrMapOvr>
     <a:masterClrMapping/>
@@ -10198,7 +10344,7 @@
   <p:cSld>
     <p:spTree>
       <p:nvGrpSpPr>
-        <p:cNvPr id="1" name="Shape 142"/>
+        <p:cNvPr id="1" name="Shape 158"/>
         <p:cNvGrpSpPr/>
         <p:nvPr/>
       </p:nvGrpSpPr>
@@ -10212,7 +10358,7 @@
       </p:grpSpPr>
       <p:sp>
         <p:nvSpPr>
-          <p:cNvPr id="143" name="Google Shape;143;p26"/>
+          <p:cNvPr id="159" name="Google Shape;159;p28"/>
           <p:cNvSpPr txBox="1">
             <a:spLocks noGrp="1"/>
           </p:cNvSpPr>
@@ -10263,6 +10409,40 @@
               <a:spcAft>
                 <a:spcPts val="0"/>
               </a:spcAft>
+              <a:buClr>
+                <a:schemeClr val="dk1"/>
+              </a:buClr>
+              <a:buSzPts val="1100"/>
+              <a:buFont typeface="Arial"/>
+              <a:buNone/>
+            </a:pPr>
+            <a:endParaRPr/>
+          </a:p>
+          <a:p>
+            <a:pPr marL="0" lvl="0" indent="0" algn="l" rtl="0">
+              <a:spcBef>
+                <a:spcPts val="0"/>
+              </a:spcBef>
+              <a:spcAft>
+                <a:spcPts val="0"/>
+              </a:spcAft>
+              <a:buClr>
+                <a:schemeClr val="dk1"/>
+              </a:buClr>
+              <a:buSzPts val="1100"/>
+              <a:buFont typeface="Arial"/>
+              <a:buNone/>
+            </a:pPr>
+            <a:endParaRPr/>
+          </a:p>
+          <a:p>
+            <a:pPr marL="0" lvl="0" indent="0" algn="l" rtl="0">
+              <a:spcBef>
+                <a:spcPts val="0"/>
+              </a:spcBef>
+              <a:spcAft>
+                <a:spcPts val="0"/>
+              </a:spcAft>
               <a:buNone/>
             </a:pPr>
             <a:endParaRPr/>
@@ -10271,7 +10451,7 @@
       </p:sp>
       <p:sp>
         <p:nvSpPr>
-          <p:cNvPr id="144" name="Google Shape;144;p26"/>
+          <p:cNvPr id="160" name="Google Shape;160;p28"/>
           <p:cNvSpPr txBox="1">
             <a:spLocks noGrp="1"/>
           </p:cNvSpPr>
@@ -10281,7 +10461,7 @@
         </p:nvSpPr>
         <p:spPr>
           <a:xfrm>
-            <a:off x="311700" y="1255708"/>
+            <a:off x="311700" y="1536633"/>
             <a:ext cx="8520600" cy="4555200"/>
           </a:xfrm>
           <a:prstGeom prst="rect">
@@ -10294,7 +10474,7 @@
           </a:bodyPr>
           <a:lstStyle/>
           <a:p>
-            <a:pPr marL="0" lvl="0" indent="0" algn="l" rtl="0">
+            <a:pPr marL="0" lvl="0" indent="457200" algn="l" rtl="0">
               <a:spcBef>
                 <a:spcPts val="0"/>
               </a:spcBef>
@@ -10304,14 +10484,14 @@
               <a:buNone/>
             </a:pPr>
             <a:r>
-              <a:rPr lang="en" sz="2000" b="1">
+              <a:rPr lang="en" sz="2500" b="1">
                 <a:solidFill>
                   <a:schemeClr val="dk1"/>
                 </a:solidFill>
               </a:rPr>
-              <a:t>	Closest pair of points</a:t>
+              <a:t>Karatsuba’s algorithm</a:t>
             </a:r>
-            <a:endParaRPr sz="2000" b="1">
+            <a:endParaRPr sz="2500" b="1">
               <a:solidFill>
                 <a:schemeClr val="dk1"/>
               </a:solidFill>
@@ -10323,152 +10503,51 @@
                 <a:spcPts val="1600"/>
               </a:spcBef>
               <a:spcAft>
-                <a:spcPts val="1600"/>
-              </a:spcAft>
-              <a:buNone/>
-            </a:pPr>
-            <a:endParaRPr/>
-          </a:p>
-        </p:txBody>
-      </p:sp>
-      <p:pic>
-        <p:nvPicPr>
-          <p:cNvPr id="145" name="Google Shape;145;p26"/>
-          <p:cNvPicPr preferRelativeResize="0"/>
-          <p:nvPr/>
-        </p:nvPicPr>
-        <p:blipFill>
-          <a:blip r:embed="rId3">
-            <a:alphaModFix/>
-          </a:blip>
-          <a:stretch>
-            <a:fillRect/>
-          </a:stretch>
-        </p:blipFill>
-        <p:spPr>
-          <a:xfrm>
-            <a:off x="311700" y="1786400"/>
-            <a:ext cx="5366250" cy="4294901"/>
-          </a:xfrm>
-          <a:prstGeom prst="rect">
-            <a:avLst/>
-          </a:prstGeom>
-          <a:noFill/>
-          <a:ln>
-            <a:noFill/>
-          </a:ln>
-        </p:spPr>
-      </p:pic>
-      <p:sp>
-        <p:nvSpPr>
-          <p:cNvPr id="146" name="Google Shape;146;p26"/>
-          <p:cNvSpPr txBox="1"/>
-          <p:nvPr/>
-        </p:nvSpPr>
-        <p:spPr>
-          <a:xfrm>
-            <a:off x="5843400" y="2224300"/>
-            <a:ext cx="3300600" cy="3419100"/>
-          </a:xfrm>
-          <a:prstGeom prst="rect">
-            <a:avLst/>
-          </a:prstGeom>
-          <a:noFill/>
-          <a:ln>
-            <a:noFill/>
-          </a:ln>
-        </p:spPr>
-        <p:txBody>
-          <a:bodyPr spcFirstLastPara="1" wrap="square" lIns="91425" tIns="91425" rIns="91425" bIns="91425" anchor="t" anchorCtr="0">
-            <a:noAutofit/>
-          </a:bodyPr>
-          <a:lstStyle/>
-          <a:p>
-            <a:pPr marL="0" lvl="0" indent="0" algn="l" rtl="0">
-              <a:lnSpc>
-                <a:spcPct val="150000"/>
-              </a:lnSpc>
-              <a:spcBef>
-                <a:spcPts val="0"/>
-              </a:spcBef>
-              <a:spcAft>
                 <a:spcPts val="0"/>
               </a:spcAft>
               <a:buNone/>
             </a:pPr>
             <a:r>
-              <a:rPr lang="en" sz="1800">
+              <a:rPr lang="en" sz="2000">
                 <a:solidFill>
                   <a:schemeClr val="dk1"/>
                 </a:solidFill>
-                <a:highlight>
-                  <a:srgbClr val="FFFFFF"/>
-                </a:highlight>
               </a:rPr>
-              <a:t>Đặt mid là vị trí mà tọa độ giữa của dãy điểm đã được sắp xếp theo trục x</a:t>
+              <a:t>Cho 2 số nguyên a và b. Trong đó a có n chữ số và b có m chữ số.</a:t>
             </a:r>
-            <a:endParaRPr sz="1800">
+            <a:endParaRPr sz="2000">
               <a:solidFill>
                 <a:schemeClr val="dk1"/>
               </a:solidFill>
-              <a:highlight>
-                <a:srgbClr val="FFFFFF"/>
-              </a:highlight>
             </a:endParaRPr>
           </a:p>
           <a:p>
             <a:pPr marL="0" lvl="0" indent="0" algn="l" rtl="0">
-              <a:lnSpc>
-                <a:spcPct val="150000"/>
-              </a:lnSpc>
-              <a:spcBef>
-                <a:spcPts val="0"/>
-              </a:spcBef>
-              <a:spcAft>
-                <a:spcPts val="0"/>
-              </a:spcAft>
+              <a:spcBef>
+                <a:spcPts val="1600"/>
+              </a:spcBef>
+              <a:spcAft>
+                <a:spcPts val="1600"/>
+              </a:spcAft>
+              <a:buClr>
+                <a:schemeClr val="dk1"/>
+              </a:buClr>
+              <a:buSzPts val="1100"/>
+              <a:buFont typeface="Arial"/>
               <a:buNone/>
             </a:pPr>
-            <a:endParaRPr sz="1800">
+            <a:r>
+              <a:rPr lang="en" sz="2000">
+                <a:solidFill>
+                  <a:schemeClr val="dk1"/>
+                </a:solidFill>
+              </a:rPr>
+              <a:t>Tính độ phức tạp của khi tính tích a và b.</a:t>
+            </a:r>
+            <a:endParaRPr sz="2000">
               <a:solidFill>
                 <a:schemeClr val="dk1"/>
               </a:solidFill>
-              <a:highlight>
-                <a:srgbClr val="FFFFFF"/>
-              </a:highlight>
-            </a:endParaRPr>
-          </a:p>
-          <a:p>
-            <a:pPr marL="0" lvl="0" indent="0" algn="l" rtl="0">
-              <a:lnSpc>
-                <a:spcPct val="150000"/>
-              </a:lnSpc>
-              <a:spcBef>
-                <a:spcPts val="0"/>
-              </a:spcBef>
-              <a:spcAft>
-                <a:spcPts val="0"/>
-              </a:spcAft>
-              <a:buNone/>
-            </a:pPr>
-            <a:r>
-              <a:rPr lang="en" sz="1800">
-                <a:solidFill>
-                  <a:schemeClr val="dk1"/>
-                </a:solidFill>
-                <a:highlight>
-                  <a:srgbClr val="FFFFFF"/>
-                </a:highlight>
-              </a:rPr>
-              <a:t>Chia dãy được cho thành 2 phần, phần bên trái từ [0 tới n/2], phần bên phải là [n/2+1, n]</a:t>
-            </a:r>
-            <a:endParaRPr sz="1800">
-              <a:solidFill>
-                <a:schemeClr val="dk1"/>
-              </a:solidFill>
-              <a:highlight>
-                <a:srgbClr val="FFFFFF"/>
-              </a:highlight>
             </a:endParaRPr>
           </a:p>
         </p:txBody>
@@ -10478,7 +10557,7 @@
           <p:cNvPr id="2" name="Slide Number Placeholder 1">
             <a:extLst>
               <a:ext uri="{FF2B5EF4-FFF2-40B4-BE49-F238E27FC236}">
-                <a16:creationId xmlns:a16="http://schemas.microsoft.com/office/drawing/2014/main" id="{320DF876-56A7-4EF9-B071-1CC2EF517472}"/>
+                <a16:creationId xmlns:a16="http://schemas.microsoft.com/office/drawing/2014/main" id="{650D315D-83CB-4722-B42F-45483F06D272}"/>
               </a:ext>
             </a:extLst>
           </p:cNvPr>
@@ -10524,7 +10603,7 @@
   <p:cSld>
     <p:spTree>
       <p:nvGrpSpPr>
-        <p:cNvPr id="1" name="Shape 150"/>
+        <p:cNvPr id="1" name="Shape 158"/>
         <p:cNvGrpSpPr/>
         <p:nvPr/>
       </p:nvGrpSpPr>
@@ -10538,7 +10617,7 @@
       </p:grpSpPr>
       <p:sp>
         <p:nvSpPr>
-          <p:cNvPr id="151" name="Google Shape;151;p27"/>
+          <p:cNvPr id="159" name="Google Shape;159;p28"/>
           <p:cNvSpPr txBox="1">
             <a:spLocks noGrp="1"/>
           </p:cNvSpPr>
@@ -10606,258 +10685,324 @@
               <a:spcAft>
                 <a:spcPts val="0"/>
               </a:spcAft>
+              <a:buClr>
+                <a:schemeClr val="dk1"/>
+              </a:buClr>
+              <a:buSzPts val="1100"/>
+              <a:buFont typeface="Arial"/>
               <a:buNone/>
             </a:pPr>
             <a:endParaRPr/>
           </a:p>
+          <a:p>
+            <a:pPr marL="0" lvl="0" indent="0" algn="l" rtl="0">
+              <a:spcBef>
+                <a:spcPts val="0"/>
+              </a:spcBef>
+              <a:spcAft>
+                <a:spcPts val="0"/>
+              </a:spcAft>
+              <a:buNone/>
+            </a:pPr>
+            <a:endParaRPr/>
+          </a:p>
         </p:txBody>
       </p:sp>
-      <p:pic>
-        <p:nvPicPr>
-          <p:cNvPr id="153" name="Google Shape;153;p27"/>
-          <p:cNvPicPr preferRelativeResize="0"/>
-          <p:nvPr/>
-        </p:nvPicPr>
-        <p:blipFill>
-          <a:blip r:embed="rId3">
-            <a:alphaModFix/>
-          </a:blip>
-          <a:stretch>
-            <a:fillRect/>
-          </a:stretch>
-        </p:blipFill>
-        <p:spPr>
-          <a:xfrm>
-            <a:off x="245525" y="2066925"/>
-            <a:ext cx="5019675" cy="4791075"/>
-          </a:xfrm>
-          <a:prstGeom prst="rect">
-            <a:avLst/>
-          </a:prstGeom>
-          <a:noFill/>
-          <a:ln>
-            <a:noFill/>
-          </a:ln>
-        </p:spPr>
-      </p:pic>
-      <p:sp>
-        <p:nvSpPr>
-          <p:cNvPr id="152" name="Google Shape;152;p27"/>
-          <p:cNvSpPr txBox="1">
-            <a:spLocks noGrp="1"/>
-          </p:cNvSpPr>
-          <p:nvPr>
-            <p:ph type="body" idx="1"/>
-          </p:nvPr>
-        </p:nvSpPr>
-        <p:spPr>
-          <a:xfrm>
-            <a:off x="311700" y="1288758"/>
-            <a:ext cx="8520600" cy="4555200"/>
-          </a:xfrm>
-          <a:prstGeom prst="rect">
-            <a:avLst/>
-          </a:prstGeom>
-        </p:spPr>
-        <p:txBody>
-          <a:bodyPr spcFirstLastPara="1" wrap="square" lIns="91425" tIns="91425" rIns="91425" bIns="91425" anchor="t" anchorCtr="0">
-            <a:noAutofit/>
-          </a:bodyPr>
-          <a:lstStyle/>
-          <a:p>
-            <a:pPr marL="0" lvl="0" indent="0" algn="l" rtl="0">
-              <a:spcBef>
-                <a:spcPts val="0"/>
-              </a:spcBef>
-              <a:spcAft>
-                <a:spcPts val="0"/>
-              </a:spcAft>
-              <a:buNone/>
-            </a:pPr>
-            <a:r>
-              <a:rPr lang="en" sz="2000" b="1" dirty="0">
-                <a:solidFill>
-                  <a:schemeClr val="dk1"/>
-                </a:solidFill>
-              </a:rPr>
-              <a:t>	Closest pair of points</a:t>
-            </a:r>
-            <a:endParaRPr sz="2000" b="1" dirty="0">
-              <a:solidFill>
-                <a:schemeClr val="dk1"/>
-              </a:solidFill>
-            </a:endParaRPr>
-          </a:p>
-          <a:p>
-            <a:pPr marL="0" lvl="0" indent="0" algn="l" rtl="0">
-              <a:spcBef>
-                <a:spcPts val="1600"/>
-              </a:spcBef>
-              <a:spcAft>
-                <a:spcPts val="0"/>
-              </a:spcAft>
-              <a:buNone/>
-            </a:pPr>
-            <a:endParaRPr dirty="0">
-              <a:solidFill>
-                <a:schemeClr val="dk1"/>
-              </a:solidFill>
-            </a:endParaRPr>
-          </a:p>
-          <a:p>
-            <a:pPr marL="0" lvl="0" indent="0" algn="l" rtl="0">
-              <a:spcBef>
-                <a:spcPts val="1600"/>
-              </a:spcBef>
-              <a:spcAft>
-                <a:spcPts val="1600"/>
-              </a:spcAft>
-              <a:buNone/>
-            </a:pPr>
-            <a:endParaRPr dirty="0"/>
-          </a:p>
-        </p:txBody>
-      </p:sp>
-      <p:sp>
-        <p:nvSpPr>
-          <p:cNvPr id="154" name="Google Shape;154;p27"/>
-          <p:cNvSpPr txBox="1"/>
-          <p:nvPr/>
-        </p:nvSpPr>
-        <p:spPr>
-          <a:xfrm>
-            <a:off x="5585575" y="2066350"/>
-            <a:ext cx="3312900" cy="3502892"/>
-          </a:xfrm>
-          <a:prstGeom prst="rect">
-            <a:avLst/>
-          </a:prstGeom>
-          <a:noFill/>
-          <a:ln>
-            <a:noFill/>
-          </a:ln>
-        </p:spPr>
-        <p:txBody>
-          <a:bodyPr spcFirstLastPara="1" wrap="square" lIns="91425" tIns="91425" rIns="91425" bIns="91425" anchor="t" anchorCtr="0">
-            <a:noAutofit/>
-          </a:bodyPr>
-          <a:lstStyle/>
-          <a:p>
-            <a:pPr marL="0" lvl="0" indent="0" algn="l" rtl="0">
-              <a:lnSpc>
-                <a:spcPct val="150000"/>
-              </a:lnSpc>
-              <a:spcBef>
-                <a:spcPts val="0"/>
-              </a:spcBef>
-              <a:spcAft>
-                <a:spcPts val="0"/>
-              </a:spcAft>
-              <a:buNone/>
-            </a:pPr>
-            <a:r>
-              <a:rPr lang="en" sz="1800" dirty="0">
-                <a:solidFill>
-                  <a:schemeClr val="dk1"/>
-                </a:solidFill>
-                <a:highlight>
-                  <a:srgbClr val="FFFFFF"/>
-                </a:highlight>
-                <a:latin typeface="+mj-lt"/>
-                <a:ea typeface="Roboto"/>
-                <a:cs typeface="Roboto"/>
-                <a:sym typeface="Roboto"/>
-              </a:rPr>
-              <a:t>Đặt đường thẳng mid là P[n/2] và tìm tất cả các điểm có khoảng cách của x và mid.x ngắn hơn d. Lưu tất cả các điểm đó vào strip</a:t>
-            </a:r>
-            <a:endParaRPr sz="1800" dirty="0">
-              <a:solidFill>
-                <a:schemeClr val="dk1"/>
-              </a:solidFill>
-              <a:highlight>
-                <a:srgbClr val="FFFFFF"/>
-              </a:highlight>
-              <a:latin typeface="+mj-lt"/>
-              <a:ea typeface="Roboto"/>
-              <a:cs typeface="Roboto"/>
-              <a:sym typeface="Roboto"/>
-            </a:endParaRPr>
-          </a:p>
-          <a:p>
-            <a:pPr marL="0" lvl="0" indent="0" algn="l" rtl="0">
-              <a:lnSpc>
-                <a:spcPct val="150000"/>
-              </a:lnSpc>
-              <a:spcBef>
-                <a:spcPts val="0"/>
-              </a:spcBef>
-              <a:spcAft>
-                <a:spcPts val="0"/>
-              </a:spcAft>
-              <a:buNone/>
-            </a:pPr>
-            <a:endParaRPr sz="1800" dirty="0">
-              <a:solidFill>
-                <a:schemeClr val="dk1"/>
-              </a:solidFill>
-              <a:highlight>
-                <a:srgbClr val="FFFFFF"/>
-              </a:highlight>
-              <a:latin typeface="+mj-lt"/>
-              <a:ea typeface="Roboto"/>
-              <a:cs typeface="Roboto"/>
-              <a:sym typeface="Roboto"/>
-            </a:endParaRPr>
-          </a:p>
-          <a:p>
-            <a:pPr marL="0" lvl="0" indent="0" algn="l" rtl="0">
-              <a:lnSpc>
-                <a:spcPct val="150000"/>
-              </a:lnSpc>
-              <a:spcBef>
-                <a:spcPts val="0"/>
-              </a:spcBef>
-              <a:spcAft>
-                <a:spcPts val="0"/>
-              </a:spcAft>
-              <a:buNone/>
-            </a:pPr>
-            <a:r>
-              <a:rPr lang="en" sz="1800" dirty="0">
-                <a:solidFill>
-                  <a:schemeClr val="dk1"/>
-                </a:solidFill>
-                <a:highlight>
-                  <a:srgbClr val="FFFFFF"/>
-                </a:highlight>
-                <a:latin typeface="+mj-lt"/>
-                <a:ea typeface="Roboto"/>
-                <a:cs typeface="Roboto"/>
-                <a:sym typeface="Roboto"/>
-              </a:rPr>
-              <a:t>Tìm cặp điểm có khoảng cách ngắn nhất trong dãy strip.</a:t>
-            </a:r>
-            <a:endParaRPr sz="1800" dirty="0">
-              <a:solidFill>
-                <a:schemeClr val="dk1"/>
-              </a:solidFill>
-              <a:highlight>
-                <a:srgbClr val="FFFFFF"/>
-              </a:highlight>
-              <a:latin typeface="+mj-lt"/>
-              <a:ea typeface="Roboto"/>
-              <a:cs typeface="Roboto"/>
-              <a:sym typeface="Roboto"/>
-            </a:endParaRPr>
-          </a:p>
-        </p:txBody>
-      </p:sp>
+      <mc:AlternateContent xmlns:mc="http://schemas.openxmlformats.org/markup-compatibility/2006">
+        <mc:Choice xmlns:a14="http://schemas.microsoft.com/office/drawing/2010/main" Requires="a14">
+          <p:sp>
+            <p:nvSpPr>
+              <p:cNvPr id="160" name="Google Shape;160;p28"/>
+              <p:cNvSpPr txBox="1">
+                <a:spLocks noGrp="1"/>
+              </p:cNvSpPr>
+              <p:nvPr>
+                <p:ph type="body" idx="1"/>
+              </p:nvPr>
+            </p:nvSpPr>
+            <p:spPr>
+              <a:xfrm>
+                <a:off x="311700" y="1536633"/>
+                <a:ext cx="8520600" cy="4555200"/>
+              </a:xfrm>
+              <a:prstGeom prst="rect">
+                <a:avLst/>
+              </a:prstGeom>
+            </p:spPr>
+            <p:txBody>
+              <a:bodyPr spcFirstLastPara="1" wrap="square" lIns="91425" tIns="91425" rIns="91425" bIns="91425" anchor="t" anchorCtr="0">
+                <a:noAutofit/>
+              </a:bodyPr>
+              <a:lstStyle/>
+              <a:p>
+                <a:pPr marL="0" lvl="0" indent="457200" algn="l" rtl="0">
+                  <a:spcBef>
+                    <a:spcPts val="0"/>
+                  </a:spcBef>
+                  <a:spcAft>
+                    <a:spcPts val="0"/>
+                  </a:spcAft>
+                  <a:buNone/>
+                </a:pPr>
+                <a:r>
+                  <a:rPr lang="en" sz="2500" b="1">
+                    <a:solidFill>
+                      <a:schemeClr val="dk1"/>
+                    </a:solidFill>
+                  </a:rPr>
+                  <a:t>Karatsuba’s algorithm</a:t>
+                </a:r>
+                <a:endParaRPr lang="vi-VN" sz="2500" b="1">
+                  <a:solidFill>
+                    <a:schemeClr val="dk1"/>
+                  </a:solidFill>
+                </a:endParaRPr>
+              </a:p>
+              <a:p>
+                <a:pPr marL="0" marR="0" lvl="0" indent="0" algn="l" defTabSz="914400" rtl="0" eaLnBrk="1" fontAlgn="auto" latinLnBrk="0" hangingPunct="1">
+                  <a:lnSpc>
+                    <a:spcPct val="150000"/>
+                  </a:lnSpc>
+                  <a:spcBef>
+                    <a:spcPts val="1600"/>
+                  </a:spcBef>
+                  <a:spcAft>
+                    <a:spcPts val="0"/>
+                  </a:spcAft>
+                  <a:buClr>
+                    <a:srgbClr val="000000"/>
+                  </a:buClr>
+                  <a:buSzPts val="1800"/>
+                  <a:buFont typeface="Arial"/>
+                  <a:buNone/>
+                  <a:tabLst/>
+                  <a:defRPr/>
+                </a:pPr>
+                <a:r>
+                  <a:rPr kumimoji="0" lang="vi-VN" sz="2000" b="0" i="0" u="none" strike="noStrike" kern="0" cap="none" spc="0" normalizeH="0" baseline="0" noProof="0" dirty="0">
+                    <a:ln>
+                      <a:noFill/>
+                    </a:ln>
+                    <a:solidFill>
+                      <a:srgbClr val="000000"/>
+                    </a:solidFill>
+                    <a:effectLst/>
+                    <a:uLnTx/>
+                    <a:uFillTx/>
+                    <a:latin typeface="Arial"/>
+                    <a:cs typeface="Arial"/>
+                    <a:sym typeface="Arial"/>
+                  </a:rPr>
+                  <a:t>Công thức nhân hai số lớn X và Y sử dụng ba phép nhân các số nhỏ hơn.</a:t>
+                </a:r>
+              </a:p>
+              <a:p>
+                <a:pPr marL="0" marR="0" lvl="0" indent="0" algn="l" defTabSz="914400" rtl="0" eaLnBrk="1" fontAlgn="auto" latinLnBrk="0" hangingPunct="1">
+                  <a:lnSpc>
+                    <a:spcPct val="150000"/>
+                  </a:lnSpc>
+                  <a:spcBef>
+                    <a:spcPts val="1600"/>
+                  </a:spcBef>
+                  <a:spcAft>
+                    <a:spcPts val="0"/>
+                  </a:spcAft>
+                  <a:buClr>
+                    <a:srgbClr val="000000"/>
+                  </a:buClr>
+                  <a:buSzPts val="1800"/>
+                  <a:buFont typeface="Arial"/>
+                  <a:buNone/>
+                  <a:tabLst/>
+                  <a:defRPr/>
+                </a:pPr>
+                <a:r>
+                  <a:rPr kumimoji="0" lang="vi-VN" sz="2000" b="0" i="0" u="none" strike="noStrike" kern="0" cap="none" spc="0" normalizeH="0" baseline="0" noProof="0" dirty="0">
+                    <a:ln>
+                      <a:noFill/>
+                    </a:ln>
+                    <a:solidFill>
+                      <a:srgbClr val="000000"/>
+                    </a:solidFill>
+                    <a:effectLst/>
+                    <a:uLnTx/>
+                    <a:uFillTx/>
+                    <a:latin typeface="Arial"/>
+                    <a:cs typeface="Arial"/>
+                    <a:sym typeface="Arial"/>
+                  </a:rPr>
+                  <a:t>	Cho x và y là hai số </a:t>
+                </a:r>
+                <a:r>
+                  <a:rPr kumimoji="0" lang="vi-VN" sz="2000" b="1" i="0" u="none" strike="noStrike" kern="0" cap="none" spc="0" normalizeH="0" baseline="0" noProof="0" dirty="0">
+                    <a:ln>
+                      <a:noFill/>
+                    </a:ln>
+                    <a:solidFill>
+                      <a:srgbClr val="000000"/>
+                    </a:solidFill>
+                    <a:effectLst/>
+                    <a:uLnTx/>
+                    <a:uFillTx/>
+                    <a:latin typeface="Arial"/>
+                    <a:cs typeface="Arial"/>
+                    <a:sym typeface="Arial"/>
+                  </a:rPr>
+                  <a:t>n</a:t>
+                </a:r>
+                <a:r>
+                  <a:rPr kumimoji="0" lang="vi-VN" sz="2000" b="0" i="0" u="none" strike="noStrike" kern="0" cap="none" spc="0" normalizeH="0" baseline="0" noProof="0" dirty="0">
+                    <a:ln>
+                      <a:noFill/>
+                    </a:ln>
+                    <a:solidFill>
+                      <a:srgbClr val="000000"/>
+                    </a:solidFill>
+                    <a:effectLst/>
+                    <a:uLnTx/>
+                    <a:uFillTx/>
+                    <a:latin typeface="Arial"/>
+                    <a:cs typeface="Arial"/>
+                    <a:sym typeface="Arial"/>
+                  </a:rPr>
+                  <a:t> bit trong hệ số B và </a:t>
+                </a:r>
+                <a14:m>
+                  <m:oMath xmlns:m="http://schemas.openxmlformats.org/officeDocument/2006/math">
+                    <m:r>
+                      <a:rPr kumimoji="0" lang="vi-VN" sz="2000" b="0" i="1" u="none" strike="noStrike" kern="0" cap="none" spc="0" normalizeH="0" baseline="0" noProof="0" dirty="0" smtClean="0">
+                        <a:ln>
+                          <a:noFill/>
+                        </a:ln>
+                        <a:solidFill>
+                          <a:srgbClr val="000000"/>
+                        </a:solidFill>
+                        <a:effectLst/>
+                        <a:uLnTx/>
+                        <a:uFillTx/>
+                        <a:latin typeface="Cambria Math" panose="02040503050406030204" pitchFamily="18" charset="0"/>
+                        <a:sym typeface="Arial"/>
+                      </a:rPr>
+                      <m:t>𝑚</m:t>
+                    </m:r>
+                    <m:r>
+                      <a:rPr kumimoji="0" lang="vi-VN" sz="2000" b="0" i="1" u="none" strike="noStrike" kern="0" cap="none" spc="0" normalizeH="0" baseline="0" noProof="0" dirty="0" smtClean="0">
+                        <a:ln>
+                          <a:noFill/>
+                        </a:ln>
+                        <a:solidFill>
+                          <a:srgbClr val="000000"/>
+                        </a:solidFill>
+                        <a:effectLst/>
+                        <a:uLnTx/>
+                        <a:uFillTx/>
+                        <a:latin typeface="Cambria Math" panose="02040503050406030204" pitchFamily="18" charset="0"/>
+                        <a:sym typeface="Arial"/>
+                      </a:rPr>
+                      <m:t> &lt; </m:t>
+                    </m:r>
+                    <m:r>
+                      <a:rPr kumimoji="0" lang="vi-VN" sz="2000" b="1" i="1" u="none" strike="noStrike" kern="0" cap="none" spc="0" normalizeH="0" baseline="0" noProof="0" dirty="0" smtClean="0">
+                        <a:ln>
+                          <a:noFill/>
+                        </a:ln>
+                        <a:solidFill>
+                          <a:srgbClr val="000000"/>
+                        </a:solidFill>
+                        <a:effectLst/>
+                        <a:uLnTx/>
+                        <a:uFillTx/>
+                        <a:latin typeface="Cambria Math" panose="02040503050406030204" pitchFamily="18" charset="0"/>
+                        <a:sym typeface="Arial"/>
+                      </a:rPr>
+                      <m:t>𝒏</m:t>
+                    </m:r>
+                  </m:oMath>
+                </a14:m>
+                <a:r>
+                  <a:rPr kumimoji="0" lang="vi-VN" sz="2000" b="0" i="0" u="none" strike="noStrike" kern="0" cap="none" spc="0" normalizeH="0" baseline="0" noProof="0" dirty="0">
+                    <a:ln>
+                      <a:noFill/>
+                    </a:ln>
+                    <a:solidFill>
+                      <a:srgbClr val="000000"/>
+                    </a:solidFill>
+                    <a:effectLst/>
+                    <a:uLnTx/>
+                    <a:uFillTx/>
+                    <a:latin typeface="Arial"/>
+                    <a:cs typeface="Arial"/>
+                    <a:sym typeface="Arial"/>
+                  </a:rPr>
+                  <a:t>, ta có</a:t>
+                </a:r>
+              </a:p>
+              <a:p>
+                <a:pPr marL="0" lvl="0" indent="457200" algn="l" rtl="0">
+                  <a:spcBef>
+                    <a:spcPts val="0"/>
+                  </a:spcBef>
+                  <a:spcAft>
+                    <a:spcPts val="0"/>
+                  </a:spcAft>
+                  <a:buNone/>
+                </a:pPr>
+                <a:endParaRPr lang="vi-VN" sz="2500" b="1">
+                  <a:solidFill>
+                    <a:schemeClr val="dk1"/>
+                  </a:solidFill>
+                </a:endParaRPr>
+              </a:p>
+            </p:txBody>
+          </p:sp>
+        </mc:Choice>
+        <mc:Fallback>
+          <p:sp>
+            <p:nvSpPr>
+              <p:cNvPr id="160" name="Google Shape;160;p28"/>
+              <p:cNvSpPr txBox="1">
+                <a:spLocks noGrp="1" noRot="1" noChangeAspect="1" noMove="1" noResize="1" noEditPoints="1" noAdjustHandles="1" noChangeArrowheads="1" noChangeShapeType="1" noTextEdit="1"/>
+              </p:cNvSpPr>
+              <p:nvPr>
+                <p:ph type="body" idx="1"/>
+              </p:nvPr>
+            </p:nvSpPr>
+            <p:spPr>
+              <a:xfrm>
+                <a:off x="311700" y="1536633"/>
+                <a:ext cx="8520600" cy="4555200"/>
+              </a:xfrm>
+              <a:prstGeom prst="rect">
+                <a:avLst/>
+              </a:prstGeom>
+              <a:blipFill>
+                <a:blip r:embed="rId3"/>
+                <a:stretch>
+                  <a:fillRect l="-715" r="-787"/>
+                </a:stretch>
+              </a:blipFill>
+            </p:spPr>
+            <p:txBody>
+              <a:bodyPr/>
+              <a:lstStyle/>
+              <a:p>
+                <a:r>
+                  <a:rPr lang="en-GB">
+                    <a:noFill/>
+                  </a:rPr>
+                  <a:t> </a:t>
+                </a:r>
+              </a:p>
+            </p:txBody>
+          </p:sp>
+        </mc:Fallback>
+      </mc:AlternateContent>
       <p:sp>
         <p:nvSpPr>
           <p:cNvPr id="2" name="Slide Number Placeholder 1">
             <a:extLst>
               <a:ext uri="{FF2B5EF4-FFF2-40B4-BE49-F238E27FC236}">
-                <a16:creationId xmlns:a16="http://schemas.microsoft.com/office/drawing/2014/main" id="{ACCAE643-018B-4070-B77D-384BB5FC3690}"/>
+                <a16:creationId xmlns:a16="http://schemas.microsoft.com/office/drawing/2014/main" id="{650D315D-83CB-4722-B42F-45483F06D272}"/>
               </a:ext>
             </a:extLst>
           </p:cNvPr>
@@ -10890,7 +11035,80 @@
           </a:p>
         </p:txBody>
       </p:sp>
+      <p:pic>
+        <p:nvPicPr>
+          <p:cNvPr id="5" name="Google Shape;167;p29">
+            <a:extLst>
+              <a:ext uri="{FF2B5EF4-FFF2-40B4-BE49-F238E27FC236}">
+                <a16:creationId xmlns:a16="http://schemas.microsoft.com/office/drawing/2014/main" id="{222D17A0-9E5C-4018-ADC0-CC968ABD38E0}"/>
+              </a:ext>
+            </a:extLst>
+          </p:cNvPr>
+          <p:cNvPicPr preferRelativeResize="0"/>
+          <p:nvPr/>
+        </p:nvPicPr>
+        <p:blipFill>
+          <a:blip r:embed="rId4">
+            <a:alphaModFix/>
+          </a:blip>
+          <a:stretch>
+            <a:fillRect/>
+          </a:stretch>
+        </p:blipFill>
+        <p:spPr>
+          <a:xfrm>
+            <a:off x="1399750" y="3928646"/>
+            <a:ext cx="2009775" cy="276225"/>
+          </a:xfrm>
+          <a:prstGeom prst="rect">
+            <a:avLst/>
+          </a:prstGeom>
+          <a:noFill/>
+          <a:ln>
+            <a:noFill/>
+          </a:ln>
+        </p:spPr>
+      </p:pic>
+      <p:pic>
+        <p:nvPicPr>
+          <p:cNvPr id="6" name="Google Shape;168;p29">
+            <a:extLst>
+              <a:ext uri="{FF2B5EF4-FFF2-40B4-BE49-F238E27FC236}">
+                <a16:creationId xmlns:a16="http://schemas.microsoft.com/office/drawing/2014/main" id="{0FABB52C-3F60-4A42-86F3-2F6A395568C7}"/>
+              </a:ext>
+            </a:extLst>
+          </p:cNvPr>
+          <p:cNvPicPr preferRelativeResize="0"/>
+          <p:nvPr/>
+        </p:nvPicPr>
+        <p:blipFill>
+          <a:blip r:embed="rId5">
+            <a:alphaModFix/>
+          </a:blip>
+          <a:stretch>
+            <a:fillRect/>
+          </a:stretch>
+        </p:blipFill>
+        <p:spPr>
+          <a:xfrm>
+            <a:off x="1428325" y="4596175"/>
+            <a:ext cx="1952625" cy="295275"/>
+          </a:xfrm>
+          <a:prstGeom prst="rect">
+            <a:avLst/>
+          </a:prstGeom>
+          <a:noFill/>
+          <a:ln>
+            <a:noFill/>
+          </a:ln>
+        </p:spPr>
+      </p:pic>
     </p:spTree>
+    <p:extLst>
+      <p:ext uri="{BB962C8B-B14F-4D97-AF65-F5344CB8AC3E}">
+        <p14:creationId xmlns:p14="http://schemas.microsoft.com/office/powerpoint/2010/main" val="3670440452"/>
+      </p:ext>
+    </p:extLst>
   </p:cSld>
   <p:clrMapOvr>
     <a:masterClrMapping/>
@@ -11050,64 +11268,6 @@
               </a:rPr>
               <a:t>Karatsuba’s algorithm</a:t>
             </a:r>
-            <a:endParaRPr sz="2500" b="1">
-              <a:solidFill>
-                <a:schemeClr val="dk1"/>
-              </a:solidFill>
-            </a:endParaRPr>
-          </a:p>
-          <a:p>
-            <a:pPr marL="0" lvl="0" indent="0" algn="l" rtl="0">
-              <a:spcBef>
-                <a:spcPts val="1600"/>
-              </a:spcBef>
-              <a:spcAft>
-                <a:spcPts val="0"/>
-              </a:spcAft>
-              <a:buNone/>
-            </a:pPr>
-            <a:r>
-              <a:rPr lang="en" sz="2000">
-                <a:solidFill>
-                  <a:schemeClr val="dk1"/>
-                </a:solidFill>
-              </a:rPr>
-              <a:t>Cho 2 số nguyên a và b. Trong đó a có n chữ số và b có m chữ số.</a:t>
-            </a:r>
-            <a:endParaRPr sz="2000">
-              <a:solidFill>
-                <a:schemeClr val="dk1"/>
-              </a:solidFill>
-            </a:endParaRPr>
-          </a:p>
-          <a:p>
-            <a:pPr marL="0" lvl="0" indent="0" algn="l" rtl="0">
-              <a:spcBef>
-                <a:spcPts val="1600"/>
-              </a:spcBef>
-              <a:spcAft>
-                <a:spcPts val="1600"/>
-              </a:spcAft>
-              <a:buClr>
-                <a:schemeClr val="dk1"/>
-              </a:buClr>
-              <a:buSzPts val="1100"/>
-              <a:buFont typeface="Arial"/>
-              <a:buNone/>
-            </a:pPr>
-            <a:r>
-              <a:rPr lang="en" sz="2000">
-                <a:solidFill>
-                  <a:schemeClr val="dk1"/>
-                </a:solidFill>
-              </a:rPr>
-              <a:t>Tính độ phức tạp của khi tính tích a và b.</a:t>
-            </a:r>
-            <a:endParaRPr sz="2000">
-              <a:solidFill>
-                <a:schemeClr val="dk1"/>
-              </a:solidFill>
-            </a:endParaRPr>
           </a:p>
         </p:txBody>
       </p:sp>
@@ -11149,1121 +11309,14 @@
           </a:p>
         </p:txBody>
       </p:sp>
-    </p:spTree>
-  </p:cSld>
-  <p:clrMapOvr>
-    <a:masterClrMapping/>
-  </p:clrMapOvr>
-</p:sld>
-</file>
-
-<file path=ppt/slides/slide19.xml><?xml version="1.0" encoding="utf-8"?>
-<p:sld xmlns:a="http://schemas.openxmlformats.org/drawingml/2006/main" xmlns:r="http://schemas.openxmlformats.org/officeDocument/2006/relationships" xmlns:p="http://schemas.openxmlformats.org/presentationml/2006/main" show="0">
-  <p:cSld>
-    <p:spTree>
-      <p:nvGrpSpPr>
-        <p:cNvPr id="1" name="Shape 164"/>
-        <p:cNvGrpSpPr/>
-        <p:nvPr/>
-      </p:nvGrpSpPr>
-      <p:grpSpPr>
-        <a:xfrm>
-          <a:off x="0" y="0"/>
-          <a:ext cx="0" cy="0"/>
-          <a:chOff x="0" y="0"/>
-          <a:chExt cx="0" cy="0"/>
-        </a:xfrm>
-      </p:grpSpPr>
-      <p:sp>
-        <p:nvSpPr>
-          <p:cNvPr id="165" name="Google Shape;165;p29"/>
-          <p:cNvSpPr txBox="1">
-            <a:spLocks noGrp="1"/>
-          </p:cNvSpPr>
-          <p:nvPr>
-            <p:ph type="title"/>
-          </p:nvPr>
-        </p:nvSpPr>
-        <p:spPr>
-          <a:xfrm>
-            <a:off x="311700" y="288567"/>
-            <a:ext cx="8520600" cy="763500"/>
-          </a:xfrm>
-          <a:prstGeom prst="rect">
-            <a:avLst/>
-          </a:prstGeom>
-        </p:spPr>
-        <p:txBody>
-          <a:bodyPr spcFirstLastPara="1" wrap="square" lIns="91425" tIns="91425" rIns="91425" bIns="91425" anchor="t" anchorCtr="0">
-            <a:noAutofit/>
-          </a:bodyPr>
-          <a:lstStyle/>
-          <a:p>
-            <a:pPr marL="0" lvl="0" indent="0" algn="l" rtl="0">
-              <a:spcBef>
-                <a:spcPts val="0"/>
-              </a:spcBef>
-              <a:spcAft>
-                <a:spcPts val="0"/>
-              </a:spcAft>
-              <a:buNone/>
-            </a:pPr>
-            <a:r>
-              <a:rPr lang="en"/>
-              <a:t>2. Các bài toán điển hình</a:t>
-            </a:r>
-            <a:endParaRPr/>
-          </a:p>
-        </p:txBody>
-      </p:sp>
       <mc:AlternateContent xmlns:mc="http://schemas.openxmlformats.org/markup-compatibility/2006" xmlns:a14="http://schemas.microsoft.com/office/drawing/2010/main">
         <mc:Choice Requires="a14">
           <p:sp>
             <p:nvSpPr>
-              <p:cNvPr id="166" name="Google Shape;166;p29"/>
-              <p:cNvSpPr txBox="1">
-                <a:spLocks noGrp="1"/>
-              </p:cNvSpPr>
-              <p:nvPr>
-                <p:ph type="body" idx="1"/>
-              </p:nvPr>
-            </p:nvSpPr>
-            <p:spPr>
-              <a:xfrm>
-                <a:off x="311700" y="1536625"/>
-                <a:ext cx="8593200" cy="4555200"/>
-              </a:xfrm>
-              <a:prstGeom prst="rect">
-                <a:avLst/>
-              </a:prstGeom>
-            </p:spPr>
-            <p:txBody>
-              <a:bodyPr spcFirstLastPara="1" wrap="square" lIns="91425" tIns="91425" rIns="91425" bIns="91425" anchor="t" anchorCtr="0">
-                <a:noAutofit/>
-              </a:bodyPr>
-              <a:lstStyle/>
-              <a:p>
-                <a:pPr marL="0" lvl="0" indent="0" algn="l" rtl="0">
-                  <a:spcBef>
-                    <a:spcPts val="0"/>
-                  </a:spcBef>
-                  <a:spcAft>
-                    <a:spcPts val="0"/>
-                  </a:spcAft>
-                  <a:buNone/>
-                </a:pPr>
-                <a:r>
-                  <a:rPr lang="en" dirty="0"/>
-                  <a:t>	</a:t>
-                </a:r>
-                <a:r>
-                  <a:rPr lang="en" sz="2500" b="1" dirty="0"/>
-                  <a:t>Karatsuba’s algorithm</a:t>
-                </a:r>
-                <a:endParaRPr sz="2500" b="1" dirty="0"/>
-              </a:p>
-              <a:p>
-                <a:pPr marL="0" lvl="0" indent="0" algn="l" rtl="0">
-                  <a:spcBef>
-                    <a:spcPts val="1600"/>
-                  </a:spcBef>
-                  <a:spcAft>
-                    <a:spcPts val="0"/>
-                  </a:spcAft>
-                  <a:buNone/>
-                </a:pPr>
-                <a:r>
-                  <a:rPr lang="en" sz="2000" dirty="0"/>
-                  <a:t>Công thức nhân hai số lớn X và Y sử dụng ba phép nhân các số nhỏ hơn.</a:t>
-                </a:r>
-                <a:endParaRPr sz="2000" dirty="0"/>
-              </a:p>
-              <a:p>
-                <a:pPr marL="0" lvl="0" indent="0" algn="l" rtl="0">
-                  <a:spcBef>
-                    <a:spcPts val="1600"/>
-                  </a:spcBef>
-                  <a:spcAft>
-                    <a:spcPts val="0"/>
-                  </a:spcAft>
-                  <a:buNone/>
-                </a:pPr>
-                <a:r>
-                  <a:rPr lang="en" sz="2000" dirty="0"/>
-                  <a:t>	Cho x và y là hai số n bit trong hệ số B và </a:t>
-                </a:r>
-                <a14:m>
-                  <m:oMath xmlns:m="http://schemas.openxmlformats.org/officeDocument/2006/math">
-                    <m:r>
-                      <a:rPr lang="en" sz="2000" i="1" dirty="0" smtClean="0">
-                        <a:latin typeface="Cambria Math" panose="02040503050406030204" pitchFamily="18" charset="0"/>
-                      </a:rPr>
-                      <m:t>𝑚</m:t>
-                    </m:r>
-                    <m:r>
-                      <a:rPr lang="en" sz="2000" i="1" dirty="0" smtClean="0">
-                        <a:latin typeface="Cambria Math" panose="02040503050406030204" pitchFamily="18" charset="0"/>
-                      </a:rPr>
-                      <m:t> &lt; </m:t>
-                    </m:r>
-                    <m:r>
-                      <a:rPr lang="en" sz="2000" i="1" dirty="0" smtClean="0">
-                        <a:latin typeface="Cambria Math" panose="02040503050406030204" pitchFamily="18" charset="0"/>
-                      </a:rPr>
-                      <m:t>𝑛</m:t>
-                    </m:r>
-                  </m:oMath>
-                </a14:m>
-                <a:r>
-                  <a:rPr lang="en" sz="2000" dirty="0"/>
-                  <a:t>, ta có</a:t>
-                </a:r>
-                <a:endParaRPr sz="2000" dirty="0"/>
-              </a:p>
-              <a:p>
-                <a:pPr marL="0" lvl="0" indent="0" algn="l" rtl="0">
-                  <a:spcBef>
-                    <a:spcPts val="1600"/>
-                  </a:spcBef>
-                  <a:spcAft>
-                    <a:spcPts val="0"/>
-                  </a:spcAft>
-                  <a:buNone/>
-                </a:pPr>
-                <a:endParaRPr sz="2000" dirty="0"/>
-              </a:p>
-              <a:p>
-                <a:pPr marL="0" lvl="0" indent="0" algn="l" rtl="0">
-                  <a:spcBef>
-                    <a:spcPts val="1600"/>
-                  </a:spcBef>
-                  <a:spcAft>
-                    <a:spcPts val="1600"/>
-                  </a:spcAft>
-                  <a:buNone/>
-                </a:pPr>
-                <a:endParaRPr sz="2000" dirty="0"/>
-              </a:p>
-            </p:txBody>
-          </p:sp>
-        </mc:Choice>
-        <mc:Fallback xmlns="">
-          <p:sp>
-            <p:nvSpPr>
-              <p:cNvPr id="166" name="Google Shape;166;p29"/>
-              <p:cNvSpPr txBox="1">
-                <a:spLocks noGrp="1" noRot="1" noChangeAspect="1" noMove="1" noResize="1" noEditPoints="1" noAdjustHandles="1" noChangeArrowheads="1" noChangeShapeType="1" noTextEdit="1"/>
-              </p:cNvSpPr>
-              <p:nvPr>
-                <p:ph type="body" idx="1"/>
-              </p:nvPr>
-            </p:nvSpPr>
-            <p:spPr>
-              <a:xfrm>
-                <a:off x="311700" y="1536625"/>
-                <a:ext cx="8593200" cy="4555200"/>
-              </a:xfrm>
-              <a:prstGeom prst="rect">
-                <a:avLst/>
-              </a:prstGeom>
-              <a:blipFill>
-                <a:blip r:embed="rId3"/>
-                <a:stretch>
-                  <a:fillRect l="-709"/>
-                </a:stretch>
-              </a:blipFill>
-            </p:spPr>
-            <p:txBody>
-              <a:bodyPr/>
-              <a:lstStyle/>
-              <a:p>
-                <a:r>
-                  <a:rPr lang="vi-VN">
-                    <a:noFill/>
-                  </a:rPr>
-                  <a:t> </a:t>
-                </a:r>
-              </a:p>
-            </p:txBody>
-          </p:sp>
-        </mc:Fallback>
-      </mc:AlternateContent>
-      <p:pic>
-        <p:nvPicPr>
-          <p:cNvPr id="167" name="Google Shape;167;p29"/>
-          <p:cNvPicPr preferRelativeResize="0"/>
-          <p:nvPr/>
-        </p:nvPicPr>
-        <p:blipFill>
-          <a:blip r:embed="rId4">
-            <a:alphaModFix/>
-          </a:blip>
-          <a:stretch>
-            <a:fillRect/>
-          </a:stretch>
-        </p:blipFill>
-        <p:spPr>
-          <a:xfrm>
-            <a:off x="1399750" y="3928646"/>
-            <a:ext cx="2009775" cy="276225"/>
-          </a:xfrm>
-          <a:prstGeom prst="rect">
-            <a:avLst/>
-          </a:prstGeom>
-          <a:noFill/>
-          <a:ln>
-            <a:noFill/>
-          </a:ln>
-        </p:spPr>
-      </p:pic>
-      <p:pic>
-        <p:nvPicPr>
-          <p:cNvPr id="168" name="Google Shape;168;p29"/>
-          <p:cNvPicPr preferRelativeResize="0"/>
-          <p:nvPr/>
-        </p:nvPicPr>
-        <p:blipFill>
-          <a:blip r:embed="rId5">
-            <a:alphaModFix/>
-          </a:blip>
-          <a:stretch>
-            <a:fillRect/>
-          </a:stretch>
-        </p:blipFill>
-        <p:spPr>
-          <a:xfrm>
-            <a:off x="1428325" y="4596175"/>
-            <a:ext cx="1952625" cy="295275"/>
-          </a:xfrm>
-          <a:prstGeom prst="rect">
-            <a:avLst/>
-          </a:prstGeom>
-          <a:noFill/>
-          <a:ln>
-            <a:noFill/>
-          </a:ln>
-        </p:spPr>
-      </p:pic>
-      <p:sp>
-        <p:nvSpPr>
-          <p:cNvPr id="2" name="Slide Number Placeholder 1">
-            <a:extLst>
-              <a:ext uri="{FF2B5EF4-FFF2-40B4-BE49-F238E27FC236}">
-                <a16:creationId xmlns:a16="http://schemas.microsoft.com/office/drawing/2014/main" id="{A1E223D7-672A-4CEC-8FA3-5B37DE48AE36}"/>
-              </a:ext>
-            </a:extLst>
-          </p:cNvPr>
-          <p:cNvSpPr>
-            <a:spLocks noGrp="1"/>
-          </p:cNvSpPr>
-          <p:nvPr>
-            <p:ph type="sldNum" idx="12"/>
-          </p:nvPr>
-        </p:nvSpPr>
-        <p:spPr/>
-        <p:txBody>
-          <a:bodyPr/>
-          <a:lstStyle/>
-          <a:p>
-            <a:pPr marL="0" lvl="0" indent="0" algn="r" rtl="0">
-              <a:spcBef>
-                <a:spcPts val="0"/>
-              </a:spcBef>
-              <a:spcAft>
-                <a:spcPts val="0"/>
-              </a:spcAft>
-              <a:buNone/>
-            </a:pPr>
-            <a:fld id="{00000000-1234-1234-1234-123412341234}" type="slidenum">
-              <a:rPr lang="en" smtClean="0"/>
-              <a:t>19</a:t>
-            </a:fld>
-            <a:endParaRPr lang="en"/>
-          </a:p>
-        </p:txBody>
-      </p:sp>
-    </p:spTree>
-  </p:cSld>
-  <p:clrMapOvr>
-    <a:masterClrMapping/>
-  </p:clrMapOvr>
-</p:sld>
-</file>
-
-<file path=ppt/slides/slide2.xml><?xml version="1.0" encoding="utf-8"?>
-<p:sld xmlns:a="http://schemas.openxmlformats.org/drawingml/2006/main" xmlns:r="http://schemas.openxmlformats.org/officeDocument/2006/relationships" xmlns:p="http://schemas.openxmlformats.org/presentationml/2006/main">
-  <p:cSld>
-    <p:spTree>
-      <p:nvGrpSpPr>
-        <p:cNvPr id="1" name="Shape 64"/>
-        <p:cNvGrpSpPr/>
-        <p:nvPr/>
-      </p:nvGrpSpPr>
-      <p:grpSpPr>
-        <a:xfrm>
-          <a:off x="0" y="0"/>
-          <a:ext cx="0" cy="0"/>
-          <a:chOff x="0" y="0"/>
-          <a:chExt cx="0" cy="0"/>
-        </a:xfrm>
-      </p:grpSpPr>
-      <p:sp>
-        <p:nvSpPr>
-          <p:cNvPr id="65" name="Google Shape;65;p14"/>
-          <p:cNvSpPr txBox="1">
-            <a:spLocks noGrp="1"/>
-          </p:cNvSpPr>
-          <p:nvPr>
-            <p:ph type="title"/>
-          </p:nvPr>
-        </p:nvSpPr>
-        <p:spPr>
-          <a:xfrm>
-            <a:off x="311700" y="288567"/>
-            <a:ext cx="8520600" cy="763500"/>
-          </a:xfrm>
-          <a:prstGeom prst="rect">
-            <a:avLst/>
-          </a:prstGeom>
-        </p:spPr>
-        <p:txBody>
-          <a:bodyPr spcFirstLastPara="1" wrap="square" lIns="91425" tIns="91425" rIns="91425" bIns="91425" anchor="t" anchorCtr="0">
-            <a:noAutofit/>
-          </a:bodyPr>
-          <a:lstStyle/>
-          <a:p>
-            <a:pPr marL="0" lvl="0" indent="0" algn="l" rtl="0">
-              <a:spcBef>
-                <a:spcPts val="0"/>
-              </a:spcBef>
-              <a:spcAft>
-                <a:spcPts val="0"/>
-              </a:spcAft>
-              <a:buNone/>
-            </a:pPr>
-            <a:r>
-              <a:rPr lang="en"/>
-              <a:t>Thông tin nhóm</a:t>
-            </a:r>
-            <a:endParaRPr/>
-          </a:p>
-        </p:txBody>
-      </p:sp>
-      <p:sp>
-        <p:nvSpPr>
-          <p:cNvPr id="66" name="Google Shape;66;p14"/>
-          <p:cNvSpPr txBox="1">
-            <a:spLocks noGrp="1"/>
-          </p:cNvSpPr>
-          <p:nvPr>
-            <p:ph type="body" idx="1"/>
-          </p:nvPr>
-        </p:nvSpPr>
-        <p:spPr>
-          <a:xfrm>
-            <a:off x="311700" y="1536633"/>
-            <a:ext cx="8520600" cy="4555200"/>
-          </a:xfrm>
-          <a:prstGeom prst="rect">
-            <a:avLst/>
-          </a:prstGeom>
-        </p:spPr>
-        <p:txBody>
-          <a:bodyPr spcFirstLastPara="1" wrap="square" lIns="91425" tIns="91425" rIns="91425" bIns="91425" anchor="t" anchorCtr="0">
-            <a:noAutofit/>
-          </a:bodyPr>
-          <a:lstStyle/>
-          <a:p>
-            <a:pPr marL="457200" lvl="0" indent="-355600" algn="l" rtl="0">
-              <a:spcBef>
-                <a:spcPts val="0"/>
-              </a:spcBef>
-              <a:spcAft>
-                <a:spcPts val="0"/>
-              </a:spcAft>
-              <a:buSzPts val="2000"/>
-              <a:buAutoNum type="arabicPeriod"/>
-            </a:pPr>
-            <a:r>
-              <a:rPr lang="en" sz="2000"/>
-              <a:t>Nguyễn Phú Quốc</a:t>
-            </a:r>
-            <a:endParaRPr sz="2000"/>
-          </a:p>
-          <a:p>
-            <a:pPr marL="914400" lvl="0" indent="0" algn="l" rtl="0">
-              <a:spcBef>
-                <a:spcPts val="1600"/>
-              </a:spcBef>
-              <a:spcAft>
-                <a:spcPts val="0"/>
-              </a:spcAft>
-              <a:buNone/>
-            </a:pPr>
-            <a:r>
-              <a:rPr lang="en" sz="2000" i="1">
-                <a:solidFill>
-                  <a:srgbClr val="434343"/>
-                </a:solidFill>
-              </a:rPr>
-              <a:t>18520343 - KHTN2018</a:t>
-            </a:r>
-            <a:endParaRPr sz="2000" i="1">
-              <a:solidFill>
-                <a:srgbClr val="434343"/>
-              </a:solidFill>
-            </a:endParaRPr>
-          </a:p>
-          <a:p>
-            <a:pPr marL="457200" lvl="0" indent="-355600" algn="l" rtl="0">
-              <a:spcBef>
-                <a:spcPts val="1600"/>
-              </a:spcBef>
-              <a:spcAft>
-                <a:spcPts val="0"/>
-              </a:spcAft>
-              <a:buSzPts val="2000"/>
-              <a:buAutoNum type="arabicPeriod"/>
-            </a:pPr>
-            <a:r>
-              <a:rPr lang="en" sz="2000"/>
-              <a:t>Trần Trung Anh</a:t>
-            </a:r>
-            <a:endParaRPr sz="2000"/>
-          </a:p>
-          <a:p>
-            <a:pPr marL="914400" lvl="0" indent="0" algn="l" rtl="0">
-              <a:spcBef>
-                <a:spcPts val="1600"/>
-              </a:spcBef>
-              <a:spcAft>
-                <a:spcPts val="0"/>
-              </a:spcAft>
-              <a:buNone/>
-            </a:pPr>
-            <a:r>
-              <a:rPr lang="en" sz="2000" i="1">
-                <a:solidFill>
-                  <a:srgbClr val="434343"/>
-                </a:solidFill>
-              </a:rPr>
-              <a:t>18520473 - KHTN2018</a:t>
-            </a:r>
-            <a:endParaRPr sz="2000" i="1">
-              <a:solidFill>
-                <a:srgbClr val="434343"/>
-              </a:solidFill>
-            </a:endParaRPr>
-          </a:p>
-          <a:p>
-            <a:pPr marL="457200" lvl="0" indent="-355600" algn="l" rtl="0">
-              <a:spcBef>
-                <a:spcPts val="1600"/>
-              </a:spcBef>
-              <a:spcAft>
-                <a:spcPts val="0"/>
-              </a:spcAft>
-              <a:buSzPts val="2000"/>
-              <a:buAutoNum type="arabicPeriod"/>
-            </a:pPr>
-            <a:r>
-              <a:rPr lang="en" sz="2000"/>
-              <a:t>Nguyễn Văn Tiến</a:t>
-            </a:r>
-            <a:endParaRPr sz="2000"/>
-          </a:p>
-          <a:p>
-            <a:pPr marL="914400" lvl="0" indent="0" algn="l" rtl="0">
-              <a:spcBef>
-                <a:spcPts val="1600"/>
-              </a:spcBef>
-              <a:spcAft>
-                <a:spcPts val="1600"/>
-              </a:spcAft>
-              <a:buNone/>
-            </a:pPr>
-            <a:r>
-              <a:rPr lang="en" sz="2000" i="1">
-                <a:solidFill>
-                  <a:srgbClr val="434343"/>
-                </a:solidFill>
-              </a:rPr>
-              <a:t>18521489 - KHTN2018</a:t>
-            </a:r>
-            <a:endParaRPr sz="2000" i="1">
-              <a:solidFill>
-                <a:srgbClr val="434343"/>
-              </a:solidFill>
-            </a:endParaRPr>
-          </a:p>
-        </p:txBody>
-      </p:sp>
-      <p:sp>
-        <p:nvSpPr>
-          <p:cNvPr id="2" name="Slide Number Placeholder 1">
-            <a:extLst>
-              <a:ext uri="{FF2B5EF4-FFF2-40B4-BE49-F238E27FC236}">
-                <a16:creationId xmlns:a16="http://schemas.microsoft.com/office/drawing/2014/main" id="{2E777B5E-6540-4E96-A562-459C1DA42421}"/>
-              </a:ext>
-            </a:extLst>
-          </p:cNvPr>
-          <p:cNvSpPr>
-            <a:spLocks noGrp="1"/>
-          </p:cNvSpPr>
-          <p:nvPr>
-            <p:ph type="sldNum" idx="12"/>
-          </p:nvPr>
-        </p:nvSpPr>
-        <p:spPr/>
-        <p:txBody>
-          <a:bodyPr/>
-          <a:lstStyle/>
-          <a:p>
-            <a:pPr marL="0" lvl="0" indent="0" algn="r" rtl="0">
-              <a:spcBef>
-                <a:spcPts val="0"/>
-              </a:spcBef>
-              <a:spcAft>
-                <a:spcPts val="0"/>
-              </a:spcAft>
-              <a:buNone/>
-            </a:pPr>
-            <a:fld id="{00000000-1234-1234-1234-123412341234}" type="slidenum">
-              <a:rPr lang="en" smtClean="0"/>
-              <a:t>2</a:t>
-            </a:fld>
-            <a:endParaRPr lang="en"/>
-          </a:p>
-        </p:txBody>
-      </p:sp>
-      <p:sp>
-        <p:nvSpPr>
-          <p:cNvPr id="3" name="Hộp Văn bản 2">
-            <a:extLst>
-              <a:ext uri="{FF2B5EF4-FFF2-40B4-BE49-F238E27FC236}">
-                <a16:creationId xmlns:a16="http://schemas.microsoft.com/office/drawing/2014/main" id="{DCBEF49B-8ADB-4CD3-A713-E494B62D0F31}"/>
-              </a:ext>
-            </a:extLst>
-          </p:cNvPr>
-          <p:cNvSpPr txBox="1"/>
-          <p:nvPr/>
-        </p:nvSpPr>
-        <p:spPr>
-          <a:xfrm>
-            <a:off x="1342103" y="5954673"/>
-            <a:ext cx="6459794" cy="400110"/>
-          </a:xfrm>
-          <a:prstGeom prst="rect">
-            <a:avLst/>
-          </a:prstGeom>
-          <a:noFill/>
-        </p:spPr>
-        <p:txBody>
-          <a:bodyPr wrap="square" rtlCol="0">
-            <a:spAutoFit/>
-          </a:bodyPr>
-          <a:lstStyle/>
-          <a:p>
-            <a:r>
-              <a:rPr lang="vi-VN" sz="2000" b="1"/>
-              <a:t>https://github.com/tiennvuit/CS112.L11.KHTN</a:t>
-            </a:r>
-          </a:p>
-        </p:txBody>
-      </p:sp>
-    </p:spTree>
-  </p:cSld>
-  <p:clrMapOvr>
-    <a:masterClrMapping/>
-  </p:clrMapOvr>
-</p:sld>
-</file>
-
-<file path=ppt/slides/slide20.xml><?xml version="1.0" encoding="utf-8"?>
-<p:sld xmlns:a="http://schemas.openxmlformats.org/drawingml/2006/main" xmlns:r="http://schemas.openxmlformats.org/officeDocument/2006/relationships" xmlns:p="http://schemas.openxmlformats.org/presentationml/2006/main" show="0">
-  <p:cSld>
-    <p:spTree>
-      <p:nvGrpSpPr>
-        <p:cNvPr id="1" name="Shape 164"/>
-        <p:cNvGrpSpPr/>
-        <p:nvPr/>
-      </p:nvGrpSpPr>
-      <p:grpSpPr>
-        <a:xfrm>
-          <a:off x="0" y="0"/>
-          <a:ext cx="0" cy="0"/>
-          <a:chOff x="0" y="0"/>
-          <a:chExt cx="0" cy="0"/>
-        </a:xfrm>
-      </p:grpSpPr>
-      <p:sp>
-        <p:nvSpPr>
-          <p:cNvPr id="165" name="Google Shape;165;p29"/>
-          <p:cNvSpPr txBox="1">
-            <a:spLocks noGrp="1"/>
-          </p:cNvSpPr>
-          <p:nvPr>
-            <p:ph type="title"/>
-          </p:nvPr>
-        </p:nvSpPr>
-        <p:spPr>
-          <a:xfrm>
-            <a:off x="311700" y="288567"/>
-            <a:ext cx="8520600" cy="763500"/>
-          </a:xfrm>
-          <a:prstGeom prst="rect">
-            <a:avLst/>
-          </a:prstGeom>
-        </p:spPr>
-        <p:txBody>
-          <a:bodyPr spcFirstLastPara="1" wrap="square" lIns="91425" tIns="91425" rIns="91425" bIns="91425" anchor="t" anchorCtr="0">
-            <a:noAutofit/>
-          </a:bodyPr>
-          <a:lstStyle/>
-          <a:p>
-            <a:pPr marL="0" lvl="0" indent="0" algn="l" rtl="0">
-              <a:spcBef>
-                <a:spcPts val="0"/>
-              </a:spcBef>
-              <a:spcAft>
-                <a:spcPts val="0"/>
-              </a:spcAft>
-              <a:buNone/>
-            </a:pPr>
-            <a:r>
-              <a:rPr lang="en"/>
-              <a:t>2. Các bài toán điển hình</a:t>
-            </a:r>
-            <a:endParaRPr/>
-          </a:p>
-        </p:txBody>
-      </p:sp>
-      <p:sp>
-        <p:nvSpPr>
-          <p:cNvPr id="166" name="Google Shape;166;p29"/>
-          <p:cNvSpPr txBox="1">
-            <a:spLocks noGrp="1"/>
-          </p:cNvSpPr>
-          <p:nvPr>
-            <p:ph type="body" idx="1"/>
-          </p:nvPr>
-        </p:nvSpPr>
-        <p:spPr>
-          <a:xfrm>
-            <a:off x="311700" y="1440438"/>
-            <a:ext cx="8593200" cy="763500"/>
-          </a:xfrm>
-          <a:prstGeom prst="rect">
-            <a:avLst/>
-          </a:prstGeom>
-        </p:spPr>
-        <p:txBody>
-          <a:bodyPr spcFirstLastPara="1" wrap="square" lIns="91425" tIns="91425" rIns="91425" bIns="91425" anchor="t" anchorCtr="0">
-            <a:noAutofit/>
-          </a:bodyPr>
-          <a:lstStyle/>
-          <a:p>
-            <a:pPr marL="0" lvl="0" indent="0" algn="l" rtl="0">
-              <a:spcBef>
-                <a:spcPts val="0"/>
-              </a:spcBef>
-              <a:spcAft>
-                <a:spcPts val="0"/>
-              </a:spcAft>
-              <a:buNone/>
-            </a:pPr>
-            <a:r>
-              <a:rPr lang="en" dirty="0"/>
-              <a:t>	</a:t>
-            </a:r>
-            <a:r>
-              <a:rPr lang="en" sz="2500" b="1" dirty="0"/>
-              <a:t>Karatsuba’s algorithm</a:t>
-            </a:r>
-            <a:endParaRPr sz="2500" b="1" dirty="0"/>
-          </a:p>
-          <a:p>
-            <a:pPr marL="0" lvl="0" indent="0" algn="l" rtl="0">
-              <a:spcBef>
-                <a:spcPts val="1600"/>
-              </a:spcBef>
-              <a:spcAft>
-                <a:spcPts val="0"/>
-              </a:spcAft>
-              <a:buNone/>
-            </a:pPr>
-            <a:endParaRPr sz="2000" dirty="0"/>
-          </a:p>
-          <a:p>
-            <a:pPr marL="0" lvl="0" indent="0" algn="l" rtl="0">
-              <a:spcBef>
-                <a:spcPts val="1600"/>
-              </a:spcBef>
-              <a:spcAft>
-                <a:spcPts val="1600"/>
-              </a:spcAft>
-              <a:buNone/>
-            </a:pPr>
-            <a:endParaRPr sz="2000" dirty="0"/>
-          </a:p>
-        </p:txBody>
-      </p:sp>
-      <p:sp>
-        <p:nvSpPr>
-          <p:cNvPr id="2" name="Slide Number Placeholder 1">
-            <a:extLst>
-              <a:ext uri="{FF2B5EF4-FFF2-40B4-BE49-F238E27FC236}">
-                <a16:creationId xmlns:a16="http://schemas.microsoft.com/office/drawing/2014/main" id="{A1E223D7-672A-4CEC-8FA3-5B37DE48AE36}"/>
-              </a:ext>
-            </a:extLst>
-          </p:cNvPr>
-          <p:cNvSpPr>
-            <a:spLocks noGrp="1"/>
-          </p:cNvSpPr>
-          <p:nvPr>
-            <p:ph type="sldNum" idx="12"/>
-          </p:nvPr>
-        </p:nvSpPr>
-        <p:spPr/>
-        <p:txBody>
-          <a:bodyPr/>
-          <a:lstStyle/>
-          <a:p>
-            <a:pPr marL="0" lvl="0" indent="0" algn="r" rtl="0">
-              <a:spcBef>
-                <a:spcPts val="0"/>
-              </a:spcBef>
-              <a:spcAft>
-                <a:spcPts val="0"/>
-              </a:spcAft>
-              <a:buNone/>
-            </a:pPr>
-            <a:fld id="{00000000-1234-1234-1234-123412341234}" type="slidenum">
-              <a:rPr lang="en" smtClean="0"/>
-              <a:t>20</a:t>
-            </a:fld>
-            <a:endParaRPr lang="en"/>
-          </a:p>
-        </p:txBody>
-      </p:sp>
-      <p:pic>
-        <p:nvPicPr>
-          <p:cNvPr id="1028" name="Picture 4" descr="Karatsuba Multiplication Algorithm – Python Code | LaptrinhX">
-            <a:extLst>
-              <a:ext uri="{FF2B5EF4-FFF2-40B4-BE49-F238E27FC236}">
-                <a16:creationId xmlns:a16="http://schemas.microsoft.com/office/drawing/2014/main" id="{934EA5B2-E708-43D3-AD25-74738366534F}"/>
-              </a:ext>
-            </a:extLst>
-          </p:cNvPr>
-          <p:cNvPicPr>
-            <a:picLocks noChangeAspect="1" noChangeArrowheads="1"/>
-          </p:cNvPicPr>
-          <p:nvPr/>
-        </p:nvPicPr>
-        <p:blipFill rotWithShape="1">
-          <a:blip r:embed="rId3">
-            <a:extLst>
-              <a:ext uri="{28A0092B-C50C-407E-A947-70E740481C1C}">
-                <a14:useLocalDpi xmlns:a14="http://schemas.microsoft.com/office/drawing/2010/main" val="0"/>
-              </a:ext>
-            </a:extLst>
-          </a:blip>
-          <a:srcRect l="1272" t="6077" r="2687"/>
-          <a:stretch/>
-        </p:blipFill>
-        <p:spPr bwMode="auto">
-          <a:xfrm>
-            <a:off x="610614" y="2084538"/>
-            <a:ext cx="7995371" cy="4395434"/>
-          </a:xfrm>
-          <a:prstGeom prst="rect">
-            <a:avLst/>
-          </a:prstGeom>
-          <a:noFill/>
-          <a:extLst>
-            <a:ext uri="{909E8E84-426E-40DD-AFC4-6F175D3DCCD1}">
-              <a14:hiddenFill xmlns:a14="http://schemas.microsoft.com/office/drawing/2010/main">
-                <a:solidFill>
-                  <a:srgbClr val="FFFFFF"/>
-                </a:solidFill>
-              </a14:hiddenFill>
-            </a:ext>
-          </a:extLst>
-        </p:spPr>
-      </p:pic>
-    </p:spTree>
-    <p:extLst>
-      <p:ext uri="{BB962C8B-B14F-4D97-AF65-F5344CB8AC3E}">
-        <p14:creationId xmlns:p14="http://schemas.microsoft.com/office/powerpoint/2010/main" val="2758194400"/>
-      </p:ext>
-    </p:extLst>
-  </p:cSld>
-  <p:clrMapOvr>
-    <a:masterClrMapping/>
-  </p:clrMapOvr>
-</p:sld>
-</file>
-
-<file path=ppt/slides/slide21.xml><?xml version="1.0" encoding="utf-8"?>
-<p:sld xmlns:a="http://schemas.openxmlformats.org/drawingml/2006/main" xmlns:r="http://schemas.openxmlformats.org/officeDocument/2006/relationships" xmlns:p="http://schemas.openxmlformats.org/presentationml/2006/main" show="0">
-  <p:cSld>
-    <p:spTree>
-      <p:nvGrpSpPr>
-        <p:cNvPr id="1" name="Shape 172"/>
-        <p:cNvGrpSpPr/>
-        <p:nvPr/>
-      </p:nvGrpSpPr>
-      <p:grpSpPr>
-        <a:xfrm>
-          <a:off x="0" y="0"/>
-          <a:ext cx="0" cy="0"/>
-          <a:chOff x="0" y="0"/>
-          <a:chExt cx="0" cy="0"/>
-        </a:xfrm>
-      </p:grpSpPr>
-      <p:sp>
-        <p:nvSpPr>
-          <p:cNvPr id="173" name="Google Shape;173;p30"/>
-          <p:cNvSpPr txBox="1">
-            <a:spLocks noGrp="1"/>
-          </p:cNvSpPr>
-          <p:nvPr>
-            <p:ph type="title"/>
-          </p:nvPr>
-        </p:nvSpPr>
-        <p:spPr>
-          <a:xfrm>
-            <a:off x="311700" y="288567"/>
-            <a:ext cx="8520600" cy="763500"/>
-          </a:xfrm>
-          <a:prstGeom prst="rect">
-            <a:avLst/>
-          </a:prstGeom>
-        </p:spPr>
-        <p:txBody>
-          <a:bodyPr spcFirstLastPara="1" wrap="square" lIns="91425" tIns="91425" rIns="91425" bIns="91425" anchor="t" anchorCtr="0">
-            <a:noAutofit/>
-          </a:bodyPr>
-          <a:lstStyle/>
-          <a:p>
-            <a:pPr marL="0" lvl="0" indent="0" algn="l" rtl="0">
-              <a:spcBef>
-                <a:spcPts val="0"/>
-              </a:spcBef>
-              <a:spcAft>
-                <a:spcPts val="0"/>
-              </a:spcAft>
-              <a:buNone/>
-            </a:pPr>
-            <a:r>
-              <a:rPr lang="en"/>
-              <a:t>2. Các bài toán điển hình</a:t>
-            </a:r>
-            <a:endParaRPr/>
-          </a:p>
-        </p:txBody>
-      </p:sp>
-      <p:pic>
-        <p:nvPicPr>
-          <p:cNvPr id="174" name="Google Shape;174;p30"/>
-          <p:cNvPicPr preferRelativeResize="0"/>
-          <p:nvPr/>
-        </p:nvPicPr>
-        <p:blipFill>
-          <a:blip r:embed="rId3">
-            <a:alphaModFix/>
-          </a:blip>
-          <a:stretch>
-            <a:fillRect/>
-          </a:stretch>
-        </p:blipFill>
-        <p:spPr>
-          <a:xfrm>
-            <a:off x="1135925" y="1935467"/>
-            <a:ext cx="4429125" cy="314325"/>
-          </a:xfrm>
-          <a:prstGeom prst="rect">
-            <a:avLst/>
-          </a:prstGeom>
-          <a:noFill/>
-          <a:ln>
-            <a:noFill/>
-          </a:ln>
-        </p:spPr>
-      </p:pic>
-      <p:grpSp>
-        <p:nvGrpSpPr>
-          <p:cNvPr id="181" name="Google Shape;181;p30"/>
-          <p:cNvGrpSpPr/>
-          <p:nvPr/>
-        </p:nvGrpSpPr>
-        <p:grpSpPr>
-          <a:xfrm>
-            <a:off x="4142147" y="3237820"/>
-            <a:ext cx="4200525" cy="800390"/>
-            <a:chOff x="4317050" y="3357563"/>
-            <a:chExt cx="4200525" cy="800390"/>
-          </a:xfrm>
-        </p:grpSpPr>
-        <p:pic>
-          <p:nvPicPr>
-            <p:cNvPr id="182" name="Google Shape;182;p30"/>
-            <p:cNvPicPr preferRelativeResize="0"/>
-            <p:nvPr/>
-          </p:nvPicPr>
-          <p:blipFill>
-            <a:blip r:embed="rId4">
-              <a:alphaModFix/>
-            </a:blip>
-            <a:stretch>
-              <a:fillRect/>
-            </a:stretch>
-          </p:blipFill>
-          <p:spPr>
-            <a:xfrm>
-              <a:off x="4317050" y="3815052"/>
-              <a:ext cx="4200525" cy="342900"/>
-            </a:xfrm>
-            <a:prstGeom prst="rect">
-              <a:avLst/>
-            </a:prstGeom>
-            <a:noFill/>
-            <a:ln>
-              <a:noFill/>
-            </a:ln>
-          </p:spPr>
-        </p:pic>
-        <p:sp>
-          <p:nvSpPr>
-            <p:cNvPr id="183" name="Google Shape;183;p30"/>
-            <p:cNvSpPr txBox="1"/>
-            <p:nvPr/>
-          </p:nvSpPr>
-          <p:spPr>
-            <a:xfrm>
-              <a:off x="4317050" y="3357563"/>
-              <a:ext cx="2724600" cy="342900"/>
-            </a:xfrm>
-            <a:prstGeom prst="rect">
-              <a:avLst/>
-            </a:prstGeom>
-            <a:noFill/>
-            <a:ln>
-              <a:noFill/>
-            </a:ln>
-          </p:spPr>
-          <p:txBody>
-            <a:bodyPr spcFirstLastPara="1" wrap="square" lIns="91425" tIns="91425" rIns="91425" bIns="91425" anchor="t" anchorCtr="0">
-              <a:noAutofit/>
-            </a:bodyPr>
-            <a:lstStyle/>
-            <a:p>
-              <a:pPr marL="0" lvl="0" indent="0" algn="l" rtl="0">
-                <a:spcBef>
-                  <a:spcPts val="0"/>
-                </a:spcBef>
-                <a:spcAft>
-                  <a:spcPts val="0"/>
-                </a:spcAft>
-                <a:buNone/>
-              </a:pPr>
-              <a:r>
-                <a:rPr lang="en" sz="2000"/>
-                <a:t>Ta thấy</a:t>
-              </a:r>
-              <a:endParaRPr sz="2000"/>
-            </a:p>
-          </p:txBody>
-        </p:sp>
-      </p:grpSp>
-      <p:sp>
-        <p:nvSpPr>
-          <p:cNvPr id="185" name="Google Shape;185;p30"/>
-          <p:cNvSpPr txBox="1"/>
-          <p:nvPr/>
-        </p:nvSpPr>
-        <p:spPr>
-          <a:xfrm>
-            <a:off x="2631550" y="5741575"/>
-            <a:ext cx="6951000" cy="465300"/>
-          </a:xfrm>
-          <a:prstGeom prst="rect">
-            <a:avLst/>
-          </a:prstGeom>
-          <a:noFill/>
-          <a:ln>
-            <a:noFill/>
-          </a:ln>
-        </p:spPr>
-        <p:txBody>
-          <a:bodyPr spcFirstLastPara="1" wrap="square" lIns="91425" tIns="91425" rIns="91425" bIns="91425" anchor="t" anchorCtr="0">
-            <a:noAutofit/>
-          </a:bodyPr>
-          <a:lstStyle/>
-          <a:p>
-            <a:pPr marL="0" lvl="0" indent="0" algn="l" rtl="0">
-              <a:spcBef>
-                <a:spcPts val="0"/>
-              </a:spcBef>
-              <a:spcAft>
-                <a:spcPts val="0"/>
-              </a:spcAft>
-              <a:buNone/>
-            </a:pPr>
-            <a:r>
-              <a:rPr lang="en" sz="2000" b="1"/>
-              <a:t>Số phép nhân giảm từ 4 còn 3</a:t>
-            </a:r>
-            <a:endParaRPr sz="2000" b="1"/>
-          </a:p>
-        </p:txBody>
-      </p:sp>
-      <p:sp>
-        <p:nvSpPr>
-          <p:cNvPr id="2" name="Slide Number Placeholder 1">
-            <a:extLst>
-              <a:ext uri="{FF2B5EF4-FFF2-40B4-BE49-F238E27FC236}">
-                <a16:creationId xmlns:a16="http://schemas.microsoft.com/office/drawing/2014/main" id="{F43AFE32-F46D-4B01-B537-F3EBCE442750}"/>
-              </a:ext>
-            </a:extLst>
-          </p:cNvPr>
-          <p:cNvSpPr>
-            <a:spLocks noGrp="1"/>
-          </p:cNvSpPr>
-          <p:nvPr>
-            <p:ph type="sldNum" idx="12"/>
-          </p:nvPr>
-        </p:nvSpPr>
-        <p:spPr/>
-        <p:txBody>
-          <a:bodyPr/>
-          <a:lstStyle/>
-          <a:p>
-            <a:pPr marL="0" lvl="0" indent="0" algn="r" rtl="0">
-              <a:spcBef>
-                <a:spcPts val="0"/>
-              </a:spcBef>
-              <a:spcAft>
-                <a:spcPts val="0"/>
-              </a:spcAft>
-              <a:buNone/>
-            </a:pPr>
-            <a:fld id="{00000000-1234-1234-1234-123412341234}" type="slidenum">
-              <a:rPr lang="en" smtClean="0"/>
-              <a:t>21</a:t>
-            </a:fld>
-            <a:endParaRPr lang="en"/>
-          </a:p>
-        </p:txBody>
-      </p:sp>
-      <mc:AlternateContent xmlns:mc="http://schemas.openxmlformats.org/markup-compatibility/2006" xmlns:a14="http://schemas.microsoft.com/office/drawing/2010/main">
-        <mc:Choice Requires="a14">
-          <p:sp>
-            <p:nvSpPr>
-              <p:cNvPr id="4" name="TextBox 3">
+              <p:cNvPr id="10" name="TextBox 9">
                 <a:extLst>
                   <a:ext uri="{FF2B5EF4-FFF2-40B4-BE49-F238E27FC236}">
-                    <a16:creationId xmlns:a16="http://schemas.microsoft.com/office/drawing/2014/main" id="{DB1BCC9A-079C-4033-BB12-9A0737B89656}"/>
+                    <a16:creationId xmlns:a16="http://schemas.microsoft.com/office/drawing/2014/main" id="{C2F133C2-B51D-4D57-BCB5-69B2A1123D74}"/>
                   </a:ext>
                 </a:extLst>
               </p:cNvPr>
@@ -12272,7 +11325,7 @@
             </p:nvSpPr>
             <p:spPr>
               <a:xfrm>
-                <a:off x="1511691" y="2339394"/>
+                <a:off x="2001319" y="2863177"/>
                 <a:ext cx="4960332" cy="338554"/>
               </a:xfrm>
               <a:prstGeom prst="rect">
@@ -12609,10 +11662,10 @@
         <mc:Fallback xmlns="">
           <p:sp>
             <p:nvSpPr>
-              <p:cNvPr id="4" name="TextBox 3">
+              <p:cNvPr id="10" name="TextBox 9">
                 <a:extLst>
                   <a:ext uri="{FF2B5EF4-FFF2-40B4-BE49-F238E27FC236}">
-                    <a16:creationId xmlns:a16="http://schemas.microsoft.com/office/drawing/2014/main" id="{DB1BCC9A-079C-4033-BB12-9A0737B89656}"/>
+                    <a16:creationId xmlns:a16="http://schemas.microsoft.com/office/drawing/2014/main" id="{C2F133C2-B51D-4D57-BCB5-69B2A1123D74}"/>
                   </a:ext>
                 </a:extLst>
               </p:cNvPr>
@@ -12623,7 +11676,7 @@
             </p:nvSpPr>
             <p:spPr>
               <a:xfrm>
-                <a:off x="1511691" y="2339394"/>
+                <a:off x="2001319" y="2863177"/>
                 <a:ext cx="4960332" cy="338554"/>
               </a:xfrm>
               <a:prstGeom prst="rect">
@@ -12641,7 +11694,7 @@
               <a:lstStyle/>
               <a:p>
                 <a:r>
-                  <a:rPr lang="en-US">
+                  <a:rPr lang="en-GB">
                     <a:noFill/>
                   </a:rPr>
                   <a:t> </a:t>
@@ -12655,10 +11708,10 @@
         <mc:Choice Requires="a14">
           <p:sp>
             <p:nvSpPr>
-              <p:cNvPr id="18" name="TextBox 17">
+              <p:cNvPr id="11" name="TextBox 10">
                 <a:extLst>
                   <a:ext uri="{FF2B5EF4-FFF2-40B4-BE49-F238E27FC236}">
-                    <a16:creationId xmlns:a16="http://schemas.microsoft.com/office/drawing/2014/main" id="{CEB8CD1E-7143-41AF-B272-12105C326E36}"/>
+                    <a16:creationId xmlns:a16="http://schemas.microsoft.com/office/drawing/2014/main" id="{70963AFC-5A96-4052-A71A-2F5039F1238C}"/>
                   </a:ext>
                 </a:extLst>
               </p:cNvPr>
@@ -12667,7 +11720,7 @@
             </p:nvSpPr>
             <p:spPr>
               <a:xfrm>
-                <a:off x="1511691" y="2817073"/>
+                <a:off x="2001319" y="3340856"/>
                 <a:ext cx="4730719" cy="338554"/>
               </a:xfrm>
               <a:prstGeom prst="rect">
@@ -12991,10 +12044,10 @@
         <mc:Fallback xmlns="">
           <p:sp>
             <p:nvSpPr>
-              <p:cNvPr id="18" name="TextBox 17">
+              <p:cNvPr id="11" name="TextBox 10">
                 <a:extLst>
                   <a:ext uri="{FF2B5EF4-FFF2-40B4-BE49-F238E27FC236}">
-                    <a16:creationId xmlns:a16="http://schemas.microsoft.com/office/drawing/2014/main" id="{CEB8CD1E-7143-41AF-B272-12105C326E36}"/>
+                    <a16:creationId xmlns:a16="http://schemas.microsoft.com/office/drawing/2014/main" id="{70963AFC-5A96-4052-A71A-2F5039F1238C}"/>
                   </a:ext>
                 </a:extLst>
               </p:cNvPr>
@@ -13005,7 +12058,7 @@
             </p:nvSpPr>
             <p:spPr>
               <a:xfrm>
-                <a:off x="1511691" y="2817073"/>
+                <a:off x="2001319" y="3340856"/>
                 <a:ext cx="4730719" cy="338554"/>
               </a:xfrm>
               <a:prstGeom prst="rect">
@@ -13014,7 +12067,7 @@
               <a:blipFill>
                 <a:blip r:embed="rId6"/>
                 <a:stretch>
-                  <a:fillRect b="-37500"/>
+                  <a:fillRect r="-129" b="-37500"/>
                 </a:stretch>
               </a:blipFill>
             </p:spPr>
@@ -13023,7 +12076,7 @@
               <a:lstStyle/>
               <a:p>
                 <a:r>
-                  <a:rPr lang="en-US">
+                  <a:rPr lang="en-GB">
                     <a:noFill/>
                   </a:rPr>
                   <a:t> </a:t>
@@ -13033,14 +12086,14 @@
           </p:sp>
         </mc:Fallback>
       </mc:AlternateContent>
-      <mc:AlternateContent xmlns:mc="http://schemas.openxmlformats.org/markup-compatibility/2006" xmlns:a14="http://schemas.microsoft.com/office/drawing/2010/main">
-        <mc:Choice Requires="a14">
+      <mc:AlternateContent xmlns:mc="http://schemas.openxmlformats.org/markup-compatibility/2006">
+        <mc:Choice xmlns:a14="http://schemas.microsoft.com/office/drawing/2010/main" Requires="a14">
           <p:sp>
             <p:nvSpPr>
-              <p:cNvPr id="5" name="TextBox 4">
+              <p:cNvPr id="12" name="TextBox 11">
                 <a:extLst>
                   <a:ext uri="{FF2B5EF4-FFF2-40B4-BE49-F238E27FC236}">
-                    <a16:creationId xmlns:a16="http://schemas.microsoft.com/office/drawing/2014/main" id="{D4D5CBFF-F76F-4AF8-8254-091DBC71C5A2}"/>
+                    <a16:creationId xmlns:a16="http://schemas.microsoft.com/office/drawing/2014/main" id="{3851FC58-AFE9-41EC-B552-423E20FE6127}"/>
                   </a:ext>
                 </a:extLst>
               </p:cNvPr>
@@ -13049,8 +12102,8 @@
             </p:nvSpPr>
             <p:spPr>
               <a:xfrm>
-                <a:off x="529715" y="3410971"/>
-                <a:ext cx="2820772" cy="1080873"/>
+                <a:off x="1756036" y="4043709"/>
+                <a:ext cx="2815964" cy="1080873"/>
               </a:xfrm>
               <a:prstGeom prst="rect">
                 <a:avLst/>
@@ -13064,8 +12117,12 @@
               <a:lstStyle/>
               <a:p>
                 <a:r>
-                  <a:rPr lang="en-US" sz="2200" dirty="0"/>
-                  <a:t>Đặt  </a:t>
+                  <a:rPr lang="vi-VN" sz="2200"/>
+                  <a:t>Với</a:t>
+                </a:r>
+                <a:r>
+                  <a:rPr lang="en-US" sz="2200"/>
+                  <a:t>  </a:t>
                 </a:r>
                 <a14:m>
                   <m:oMath xmlns:m="http://schemas.openxmlformats.org/officeDocument/2006/math">
@@ -13403,13 +12460,13 @@
             </p:txBody>
           </p:sp>
         </mc:Choice>
-        <mc:Fallback xmlns="">
+        <mc:Fallback>
           <p:sp>
             <p:nvSpPr>
-              <p:cNvPr id="5" name="TextBox 4">
+              <p:cNvPr id="12" name="TextBox 11">
                 <a:extLst>
                   <a:ext uri="{FF2B5EF4-FFF2-40B4-BE49-F238E27FC236}">
-                    <a16:creationId xmlns:a16="http://schemas.microsoft.com/office/drawing/2014/main" id="{D4D5CBFF-F76F-4AF8-8254-091DBC71C5A2}"/>
+                    <a16:creationId xmlns:a16="http://schemas.microsoft.com/office/drawing/2014/main" id="{3851FC58-AFE9-41EC-B552-423E20FE6127}"/>
                   </a:ext>
                 </a:extLst>
               </p:cNvPr>
@@ -13420,8 +12477,8 @@
             </p:nvSpPr>
             <p:spPr>
               <a:xfrm>
-                <a:off x="529715" y="3410971"/>
-                <a:ext cx="2820772" cy="1080873"/>
+                <a:off x="1756036" y="4043709"/>
+                <a:ext cx="2815964" cy="1080873"/>
               </a:xfrm>
               <a:prstGeom prst="rect">
                 <a:avLst/>
@@ -13429,7 +12486,7 @@
               <a:blipFill>
                 <a:blip r:embed="rId7"/>
                 <a:stretch>
-                  <a:fillRect l="-6048"/>
+                  <a:fillRect l="-6061"/>
                 </a:stretch>
               </a:blipFill>
             </p:spPr>
@@ -13438,248 +12495,7 @@
               <a:lstStyle/>
               <a:p>
                 <a:r>
-                  <a:rPr lang="en-US">
-                    <a:noFill/>
-                  </a:rPr>
-                  <a:t> </a:t>
-                </a:r>
-              </a:p>
-            </p:txBody>
-          </p:sp>
-        </mc:Fallback>
-      </mc:AlternateContent>
-      <mc:AlternateContent xmlns:mc="http://schemas.openxmlformats.org/markup-compatibility/2006" xmlns:a14="http://schemas.microsoft.com/office/drawing/2010/main">
-        <mc:Choice Requires="a14">
-          <p:sp>
-            <p:nvSpPr>
-              <p:cNvPr id="20" name="TextBox 19">
-                <a:extLst>
-                  <a:ext uri="{FF2B5EF4-FFF2-40B4-BE49-F238E27FC236}">
-                    <a16:creationId xmlns:a16="http://schemas.microsoft.com/office/drawing/2014/main" id="{E378EFB6-ACD7-4277-8C48-175D666DCCBA}"/>
-                  </a:ext>
-                </a:extLst>
-              </p:cNvPr>
-              <p:cNvSpPr txBox="1"/>
-              <p:nvPr/>
-            </p:nvSpPr>
-            <p:spPr>
-              <a:xfrm>
-                <a:off x="1624231" y="4778155"/>
-                <a:ext cx="2668616" cy="338554"/>
-              </a:xfrm>
-              <a:prstGeom prst="rect">
-                <a:avLst/>
-              </a:prstGeom>
-              <a:noFill/>
-            </p:spPr>
-            <p:txBody>
-              <a:bodyPr wrap="none" lIns="0" tIns="0" rIns="0" bIns="0" rtlCol="0">
-                <a:spAutoFit/>
-              </a:bodyPr>
-              <a:lstStyle/>
-              <a:p>
-                <a14:m>
-                  <m:oMath xmlns:m="http://schemas.openxmlformats.org/officeDocument/2006/math">
-                    <m:r>
-                      <a:rPr lang="en-US" sz="2200" i="1" smtClean="0">
-                        <a:latin typeface="Cambria Math" panose="02040503050406030204" pitchFamily="18" charset="0"/>
-                      </a:rPr>
-                      <m:t>=</m:t>
-                    </m:r>
-                    <m:sSup>
-                      <m:sSupPr>
-                        <m:ctrlPr>
-                          <a:rPr lang="en-US" sz="2200" i="1" smtClean="0">
-                            <a:latin typeface="Cambria Math" panose="02040503050406030204" pitchFamily="18" charset="0"/>
-                          </a:rPr>
-                        </m:ctrlPr>
-                      </m:sSupPr>
-                      <m:e>
-                        <m:sSub>
-                          <m:sSubPr>
-                            <m:ctrlPr>
-                              <a:rPr lang="en-US" sz="2200" i="1">
-                                <a:latin typeface="Cambria Math" panose="02040503050406030204" pitchFamily="18" charset="0"/>
-                              </a:rPr>
-                            </m:ctrlPr>
-                          </m:sSubPr>
-                          <m:e>
-                            <m:r>
-                              <a:rPr lang="en-US" sz="2200" i="1">
-                                <a:latin typeface="Cambria Math" panose="02040503050406030204" pitchFamily="18" charset="0"/>
-                              </a:rPr>
-                              <m:t>𝑧</m:t>
-                            </m:r>
-                          </m:e>
-                          <m:sub>
-                            <m:r>
-                              <a:rPr lang="en-US" sz="2200" i="1">
-                                <a:latin typeface="Cambria Math" panose="02040503050406030204" pitchFamily="18" charset="0"/>
-                              </a:rPr>
-                              <m:t>2</m:t>
-                            </m:r>
-                          </m:sub>
-                        </m:sSub>
-                        <m:r>
-                          <a:rPr lang="en-US" sz="2200" b="0" i="1" smtClean="0">
-                            <a:latin typeface="Cambria Math" panose="02040503050406030204" pitchFamily="18" charset="0"/>
-                          </a:rPr>
-                          <m:t>𝐵</m:t>
-                        </m:r>
-                      </m:e>
-                      <m:sup>
-                        <m:r>
-                          <a:rPr lang="en-US" sz="2200" b="0" i="1" smtClean="0">
-                            <a:latin typeface="Cambria Math" panose="02040503050406030204" pitchFamily="18" charset="0"/>
-                          </a:rPr>
-                          <m:t>2</m:t>
-                        </m:r>
-                        <m:r>
-                          <a:rPr lang="en-US" sz="2200" b="0" i="1" smtClean="0">
-                            <a:latin typeface="Cambria Math" panose="02040503050406030204" pitchFamily="18" charset="0"/>
-                          </a:rPr>
-                          <m:t>𝑚</m:t>
-                        </m:r>
-                      </m:sup>
-                    </m:sSup>
-                    <m:r>
-                      <a:rPr lang="en-US" sz="2200" b="0" i="1" smtClean="0">
-                        <a:latin typeface="Cambria Math" panose="02040503050406030204" pitchFamily="18" charset="0"/>
-                      </a:rPr>
-                      <m:t>+</m:t>
-                    </m:r>
-                    <m:sSub>
-                      <m:sSubPr>
-                        <m:ctrlPr>
-                          <a:rPr lang="en-US" sz="2200" i="1">
-                            <a:latin typeface="Cambria Math" panose="02040503050406030204" pitchFamily="18" charset="0"/>
-                          </a:rPr>
-                        </m:ctrlPr>
-                      </m:sSubPr>
-                      <m:e>
-                        <m:r>
-                          <a:rPr lang="en-US" sz="2200" i="1">
-                            <a:latin typeface="Cambria Math" panose="02040503050406030204" pitchFamily="18" charset="0"/>
-                          </a:rPr>
-                          <m:t>𝑧</m:t>
-                        </m:r>
-                      </m:e>
-                      <m:sub>
-                        <m:r>
-                          <a:rPr lang="en-US" sz="2200" i="1">
-                            <a:latin typeface="Cambria Math" panose="02040503050406030204" pitchFamily="18" charset="0"/>
-                          </a:rPr>
-                          <m:t>1</m:t>
-                        </m:r>
-                      </m:sub>
-                    </m:sSub>
-                    <m:sSup>
-                      <m:sSupPr>
-                        <m:ctrlPr>
-                          <a:rPr lang="en-US" sz="2200" b="0" i="1" smtClean="0">
-                            <a:latin typeface="Cambria Math" panose="02040503050406030204" pitchFamily="18" charset="0"/>
-                          </a:rPr>
-                        </m:ctrlPr>
-                      </m:sSupPr>
-                      <m:e>
-                        <m:r>
-                          <a:rPr lang="en-US" sz="2200" b="0" i="1" smtClean="0">
-                            <a:latin typeface="Cambria Math" panose="02040503050406030204" pitchFamily="18" charset="0"/>
-                          </a:rPr>
-                          <m:t>𝐵</m:t>
-                        </m:r>
-                      </m:e>
-                      <m:sup>
-                        <m:r>
-                          <a:rPr lang="en-US" sz="2200" b="0" i="1" smtClean="0">
-                            <a:latin typeface="Cambria Math" panose="02040503050406030204" pitchFamily="18" charset="0"/>
-                          </a:rPr>
-                          <m:t>𝑚</m:t>
-                        </m:r>
-                      </m:sup>
-                    </m:sSup>
-                    <m:r>
-                      <a:rPr lang="en-US" sz="2200" b="0" i="1" smtClean="0">
-                        <a:latin typeface="Cambria Math" panose="02040503050406030204" pitchFamily="18" charset="0"/>
-                      </a:rPr>
-                      <m:t>+</m:t>
-                    </m:r>
-                  </m:oMath>
-                </a14:m>
-                <a:r>
-                  <a:rPr lang="en-US" sz="2200" dirty="0"/>
-                  <a:t> </a:t>
-                </a:r>
-                <a14:m>
-                  <m:oMath xmlns:m="http://schemas.openxmlformats.org/officeDocument/2006/math">
-                    <m:sSub>
-                      <m:sSubPr>
-                        <m:ctrlPr>
-                          <a:rPr lang="en-US" sz="2200" i="1">
-                            <a:latin typeface="Cambria Math" panose="02040503050406030204" pitchFamily="18" charset="0"/>
-                          </a:rPr>
-                        </m:ctrlPr>
-                      </m:sSubPr>
-                      <m:e>
-                        <m:r>
-                          <a:rPr lang="en-US" sz="2200" i="1">
-                            <a:latin typeface="Cambria Math" panose="02040503050406030204" pitchFamily="18" charset="0"/>
-                          </a:rPr>
-                          <m:t>𝑧</m:t>
-                        </m:r>
-                      </m:e>
-                      <m:sub>
-                        <m:r>
-                          <a:rPr lang="en-US" sz="2200" i="1">
-                            <a:latin typeface="Cambria Math" panose="02040503050406030204" pitchFamily="18" charset="0"/>
-                          </a:rPr>
-                          <m:t>0</m:t>
-                        </m:r>
-                      </m:sub>
-                    </m:sSub>
-                  </m:oMath>
-                </a14:m>
-                <a:endParaRPr lang="en-US" sz="2200" dirty="0"/>
-              </a:p>
-            </p:txBody>
-          </p:sp>
-        </mc:Choice>
-        <mc:Fallback xmlns="">
-          <p:sp>
-            <p:nvSpPr>
-              <p:cNvPr id="20" name="TextBox 19">
-                <a:extLst>
-                  <a:ext uri="{FF2B5EF4-FFF2-40B4-BE49-F238E27FC236}">
-                    <a16:creationId xmlns:a16="http://schemas.microsoft.com/office/drawing/2014/main" id="{E378EFB6-ACD7-4277-8C48-175D666DCCBA}"/>
-                  </a:ext>
-                </a:extLst>
-              </p:cNvPr>
-              <p:cNvSpPr txBox="1">
-                <a:spLocks noRot="1" noChangeAspect="1" noMove="1" noResize="1" noEditPoints="1" noAdjustHandles="1" noChangeArrowheads="1" noChangeShapeType="1" noTextEdit="1"/>
-              </p:cNvSpPr>
-              <p:nvPr/>
-            </p:nvSpPr>
-            <p:spPr>
-              <a:xfrm>
-                <a:off x="1624231" y="4778155"/>
-                <a:ext cx="2668616" cy="338554"/>
-              </a:xfrm>
-              <a:prstGeom prst="rect">
-                <a:avLst/>
-              </a:prstGeom>
-              <a:blipFill>
-                <a:blip r:embed="rId8"/>
-                <a:stretch>
-                  <a:fillRect l="-2283" r="-1598" b="-18182"/>
-                </a:stretch>
-              </a:blipFill>
-            </p:spPr>
-            <p:txBody>
-              <a:bodyPr/>
-              <a:lstStyle/>
-              <a:p>
-                <a:r>
-                  <a:rPr lang="en-US">
+                  <a:rPr lang="en-GB">
                     <a:noFill/>
                   </a:rPr>
                   <a:t> </a:t>
@@ -13691,28 +12507,28 @@
       </mc:AlternateContent>
       <p:sp>
         <p:nvSpPr>
-          <p:cNvPr id="21" name="Google Shape;166;p29">
+          <p:cNvPr id="14" name="Google Shape;185;p30">
             <a:extLst>
               <a:ext uri="{FF2B5EF4-FFF2-40B4-BE49-F238E27FC236}">
-                <a16:creationId xmlns:a16="http://schemas.microsoft.com/office/drawing/2014/main" id="{6AECE6E6-731C-4369-9782-3998E98FC188}"/>
+                <a16:creationId xmlns:a16="http://schemas.microsoft.com/office/drawing/2014/main" id="{3A0A5936-C77F-4545-A7A8-0E57A9C4CF81}"/>
               </a:ext>
             </a:extLst>
           </p:cNvPr>
-          <p:cNvSpPr txBox="1">
-            <a:spLocks noGrp="1"/>
-          </p:cNvSpPr>
-          <p:nvPr>
-            <p:ph type="body" idx="1"/>
-          </p:nvPr>
+          <p:cNvSpPr txBox="1"/>
+          <p:nvPr/>
         </p:nvSpPr>
         <p:spPr>
           <a:xfrm>
-            <a:off x="0" y="1057050"/>
-            <a:ext cx="8593200" cy="763500"/>
+            <a:off x="1637251" y="5376498"/>
+            <a:ext cx="6951000" cy="465300"/>
           </a:xfrm>
           <a:prstGeom prst="rect">
             <a:avLst/>
           </a:prstGeom>
+          <a:noFill/>
+          <a:ln>
+            <a:noFill/>
+          </a:ln>
         </p:spPr>
         <p:txBody>
           <a:bodyPr spcFirstLastPara="1" wrap="square" lIns="91425" tIns="91425" rIns="91425" bIns="91425" anchor="t" anchorCtr="0">
@@ -13730,42 +12546,328 @@
               <a:buNone/>
             </a:pPr>
             <a:r>
-              <a:rPr lang="en" dirty="0"/>
-              <a:t>	</a:t>
+              <a:rPr lang="vi-VN" sz="2000" b="1"/>
+              <a:t>Có 4 phép nhân cần thực hiện</a:t>
             </a:r>
-            <a:r>
-              <a:rPr lang="en" sz="2500" b="1" dirty="0"/>
-              <a:t>Karatsuba’s algorithm</a:t>
-            </a:r>
-            <a:endParaRPr sz="2500" b="1" dirty="0"/>
-          </a:p>
-          <a:p>
-            <a:pPr marL="0" lvl="0" indent="0" algn="l" rtl="0">
-              <a:spcBef>
-                <a:spcPts val="1600"/>
-              </a:spcBef>
-              <a:spcAft>
-                <a:spcPts val="0"/>
-              </a:spcAft>
-              <a:buNone/>
-            </a:pPr>
-            <a:endParaRPr sz="2000" dirty="0"/>
-          </a:p>
-          <a:p>
-            <a:pPr marL="0" lvl="0" indent="0" algn="l" rtl="0">
-              <a:spcBef>
-                <a:spcPts val="1600"/>
-              </a:spcBef>
-              <a:spcAft>
-                <a:spcPts val="1600"/>
-              </a:spcAft>
-              <a:buNone/>
-            </a:pPr>
-            <a:endParaRPr sz="2000" dirty="0"/>
+            <a:endParaRPr sz="2000" b="1"/>
           </a:p>
         </p:txBody>
       </p:sp>
+      <mc:AlternateContent xmlns:mc="http://schemas.openxmlformats.org/markup-compatibility/2006">
+        <mc:Choice xmlns:a14="http://schemas.microsoft.com/office/drawing/2010/main" Requires="a14">
+          <p:sp>
+            <p:nvSpPr>
+              <p:cNvPr id="3" name="TextBox 2">
+                <a:extLst>
+                  <a:ext uri="{FF2B5EF4-FFF2-40B4-BE49-F238E27FC236}">
+                    <a16:creationId xmlns:a16="http://schemas.microsoft.com/office/drawing/2014/main" id="{6A66F861-B116-4E92-B09B-6B29E999F8DE}"/>
+                  </a:ext>
+                </a:extLst>
+              </p:cNvPr>
+              <p:cNvSpPr txBox="1"/>
+              <p:nvPr/>
+            </p:nvSpPr>
+            <p:spPr>
+              <a:xfrm>
+                <a:off x="1450903" y="2409388"/>
+                <a:ext cx="3902331" cy="307777"/>
+              </a:xfrm>
+              <a:prstGeom prst="rect">
+                <a:avLst/>
+              </a:prstGeom>
+              <a:noFill/>
+            </p:spPr>
+            <p:txBody>
+              <a:bodyPr wrap="square" lIns="0" tIns="0" rIns="0" bIns="0" rtlCol="0">
+                <a:spAutoFit/>
+              </a:bodyPr>
+              <a:lstStyle/>
+              <a:p>
+                <a14:m>
+                  <m:oMathPara xmlns:m="http://schemas.openxmlformats.org/officeDocument/2006/math">
+                    <m:oMathParaPr>
+                      <m:jc m:val="centerGroup"/>
+                    </m:oMathParaPr>
+                    <m:oMath xmlns:m="http://schemas.openxmlformats.org/officeDocument/2006/math">
+                      <m:r>
+                        <a:rPr lang="en-GB" sz="2000" i="1" smtClean="0">
+                          <a:latin typeface="Cambria Math" panose="02040503050406030204" pitchFamily="18" charset="0"/>
+                        </a:rPr>
+                        <m:t>𝑥𝑦</m:t>
+                      </m:r>
+                      <m:r>
+                        <a:rPr lang="en-GB" sz="2000" i="0">
+                          <a:latin typeface="Cambria Math" panose="02040503050406030204" pitchFamily="18" charset="0"/>
+                        </a:rPr>
+                        <m:t>=</m:t>
+                      </m:r>
+                      <m:d>
+                        <m:dPr>
+                          <m:ctrlPr>
+                            <a:rPr lang="en-GB" sz="2000" i="1">
+                              <a:solidFill>
+                                <a:srgbClr val="836967"/>
+                              </a:solidFill>
+                              <a:latin typeface="Cambria Math" panose="02040503050406030204" pitchFamily="18" charset="0"/>
+                            </a:rPr>
+                          </m:ctrlPr>
+                        </m:dPr>
+                        <m:e>
+                          <m:sSub>
+                            <m:sSubPr>
+                              <m:ctrlPr>
+                                <a:rPr lang="en-GB" sz="2000" i="1">
+                                  <a:solidFill>
+                                    <a:srgbClr val="836967"/>
+                                  </a:solidFill>
+                                  <a:latin typeface="Cambria Math" panose="02040503050406030204" pitchFamily="18" charset="0"/>
+                                </a:rPr>
+                              </m:ctrlPr>
+                            </m:sSubPr>
+                            <m:e>
+                              <m:r>
+                                <a:rPr lang="en-GB" sz="2000" i="1">
+                                  <a:latin typeface="Cambria Math" panose="02040503050406030204" pitchFamily="18" charset="0"/>
+                                </a:rPr>
+                                <m:t>𝑥</m:t>
+                              </m:r>
+                            </m:e>
+                            <m:sub>
+                              <m:r>
+                                <a:rPr lang="en-GB" sz="2000" i="0">
+                                  <a:latin typeface="Cambria Math" panose="02040503050406030204" pitchFamily="18" charset="0"/>
+                                </a:rPr>
+                                <m:t>1</m:t>
+                              </m:r>
+                            </m:sub>
+                          </m:sSub>
+                          <m:sSup>
+                            <m:sSupPr>
+                              <m:ctrlPr>
+                                <a:rPr lang="en-GB" sz="2000" i="1">
+                                  <a:solidFill>
+                                    <a:srgbClr val="836967"/>
+                                  </a:solidFill>
+                                  <a:latin typeface="Cambria Math" panose="02040503050406030204" pitchFamily="18" charset="0"/>
+                                </a:rPr>
+                              </m:ctrlPr>
+                            </m:sSupPr>
+                            <m:e>
+                              <m:r>
+                                <a:rPr lang="en-GB" sz="2000" i="1">
+                                  <a:latin typeface="Cambria Math" panose="02040503050406030204" pitchFamily="18" charset="0"/>
+                                </a:rPr>
+                                <m:t>𝐵</m:t>
+                              </m:r>
+                            </m:e>
+                            <m:sup>
+                              <m:r>
+                                <a:rPr lang="en-GB" sz="2000" i="1">
+                                  <a:latin typeface="Cambria Math" panose="02040503050406030204" pitchFamily="18" charset="0"/>
+                                </a:rPr>
+                                <m:t>𝑚</m:t>
+                              </m:r>
+                            </m:sup>
+                          </m:sSup>
+                          <m:r>
+                            <a:rPr lang="en-GB" sz="2000" i="0">
+                              <a:latin typeface="Cambria Math" panose="02040503050406030204" pitchFamily="18" charset="0"/>
+                            </a:rPr>
+                            <m:t>+</m:t>
+                          </m:r>
+                          <m:sSub>
+                            <m:sSubPr>
+                              <m:ctrlPr>
+                                <a:rPr lang="en-GB" sz="2000" i="1">
+                                  <a:solidFill>
+                                    <a:srgbClr val="836967"/>
+                                  </a:solidFill>
+                                  <a:latin typeface="Cambria Math" panose="02040503050406030204" pitchFamily="18" charset="0"/>
+                                </a:rPr>
+                              </m:ctrlPr>
+                            </m:sSubPr>
+                            <m:e>
+                              <m:r>
+                                <a:rPr lang="en-GB" sz="2000" i="1">
+                                  <a:latin typeface="Cambria Math" panose="02040503050406030204" pitchFamily="18" charset="0"/>
+                                </a:rPr>
+                                <m:t>𝑥</m:t>
+                              </m:r>
+                            </m:e>
+                            <m:sub>
+                              <m:r>
+                                <a:rPr lang="en-GB" sz="2000" i="0">
+                                  <a:latin typeface="Cambria Math" panose="02040503050406030204" pitchFamily="18" charset="0"/>
+                                </a:rPr>
+                                <m:t>0</m:t>
+                              </m:r>
+                            </m:sub>
+                          </m:sSub>
+                        </m:e>
+                      </m:d>
+                      <m:d>
+                        <m:dPr>
+                          <m:ctrlPr>
+                            <a:rPr lang="en-GB" sz="2000" i="1">
+                              <a:solidFill>
+                                <a:srgbClr val="836967"/>
+                              </a:solidFill>
+                              <a:latin typeface="Cambria Math" panose="02040503050406030204" pitchFamily="18" charset="0"/>
+                            </a:rPr>
+                          </m:ctrlPr>
+                        </m:dPr>
+                        <m:e>
+                          <m:sSub>
+                            <m:sSubPr>
+                              <m:ctrlPr>
+                                <a:rPr lang="en-GB" sz="2000" i="1">
+                                  <a:solidFill>
+                                    <a:srgbClr val="836967"/>
+                                  </a:solidFill>
+                                  <a:latin typeface="Cambria Math" panose="02040503050406030204" pitchFamily="18" charset="0"/>
+                                </a:rPr>
+                              </m:ctrlPr>
+                            </m:sSubPr>
+                            <m:e>
+                              <m:r>
+                                <a:rPr lang="en-GB" sz="2000" i="1">
+                                  <a:latin typeface="Cambria Math" panose="02040503050406030204" pitchFamily="18" charset="0"/>
+                                </a:rPr>
+                                <m:t>𝑦</m:t>
+                              </m:r>
+                            </m:e>
+                            <m:sub>
+                              <m:r>
+                                <a:rPr lang="en-GB" sz="2000" i="0">
+                                  <a:latin typeface="Cambria Math" panose="02040503050406030204" pitchFamily="18" charset="0"/>
+                                </a:rPr>
+                                <m:t>1</m:t>
+                              </m:r>
+                            </m:sub>
+                          </m:sSub>
+                          <m:sSup>
+                            <m:sSupPr>
+                              <m:ctrlPr>
+                                <a:rPr lang="en-GB" sz="2000" i="1">
+                                  <a:solidFill>
+                                    <a:srgbClr val="836967"/>
+                                  </a:solidFill>
+                                  <a:latin typeface="Cambria Math" panose="02040503050406030204" pitchFamily="18" charset="0"/>
+                                </a:rPr>
+                              </m:ctrlPr>
+                            </m:sSupPr>
+                            <m:e>
+                              <m:r>
+                                <a:rPr lang="en-GB" sz="2000" i="1">
+                                  <a:latin typeface="Cambria Math" panose="02040503050406030204" pitchFamily="18" charset="0"/>
+                                </a:rPr>
+                                <m:t>𝐵</m:t>
+                              </m:r>
+                            </m:e>
+                            <m:sup>
+                              <m:r>
+                                <a:rPr lang="en-GB" sz="2000" i="1">
+                                  <a:latin typeface="Cambria Math" panose="02040503050406030204" pitchFamily="18" charset="0"/>
+                                </a:rPr>
+                                <m:t>𝑚</m:t>
+                              </m:r>
+                            </m:sup>
+                          </m:sSup>
+                          <m:r>
+                            <a:rPr lang="en-GB" sz="2000" i="0">
+                              <a:latin typeface="Cambria Math" panose="02040503050406030204" pitchFamily="18" charset="0"/>
+                            </a:rPr>
+                            <m:t>+</m:t>
+                          </m:r>
+                          <m:sSub>
+                            <m:sSubPr>
+                              <m:ctrlPr>
+                                <a:rPr lang="en-GB" sz="2000" i="1">
+                                  <a:solidFill>
+                                    <a:srgbClr val="836967"/>
+                                  </a:solidFill>
+                                  <a:latin typeface="Cambria Math" panose="02040503050406030204" pitchFamily="18" charset="0"/>
+                                </a:rPr>
+                              </m:ctrlPr>
+                            </m:sSubPr>
+                            <m:e>
+                              <m:r>
+                                <a:rPr lang="en-GB" sz="2000" i="1">
+                                  <a:latin typeface="Cambria Math" panose="02040503050406030204" pitchFamily="18" charset="0"/>
+                                </a:rPr>
+                                <m:t>𝑦</m:t>
+                              </m:r>
+                            </m:e>
+                            <m:sub>
+                              <m:r>
+                                <a:rPr lang="en-GB" sz="2000" i="0">
+                                  <a:latin typeface="Cambria Math" panose="02040503050406030204" pitchFamily="18" charset="0"/>
+                                </a:rPr>
+                                <m:t>0</m:t>
+                              </m:r>
+                            </m:sub>
+                          </m:sSub>
+                        </m:e>
+                      </m:d>
+                    </m:oMath>
+                  </m:oMathPara>
+                </a14:m>
+                <a:endParaRPr lang="en-GB" sz="2000"/>
+              </a:p>
+            </p:txBody>
+          </p:sp>
+        </mc:Choice>
+        <mc:Fallback>
+          <p:sp>
+            <p:nvSpPr>
+              <p:cNvPr id="3" name="TextBox 2">
+                <a:extLst>
+                  <a:ext uri="{FF2B5EF4-FFF2-40B4-BE49-F238E27FC236}">
+                    <a16:creationId xmlns:a16="http://schemas.microsoft.com/office/drawing/2014/main" id="{6A66F861-B116-4E92-B09B-6B29E999F8DE}"/>
+                  </a:ext>
+                </a:extLst>
+              </p:cNvPr>
+              <p:cNvSpPr txBox="1">
+                <a:spLocks noRot="1" noChangeAspect="1" noMove="1" noResize="1" noEditPoints="1" noAdjustHandles="1" noChangeArrowheads="1" noChangeShapeType="1" noTextEdit="1"/>
+              </p:cNvSpPr>
+              <p:nvPr/>
+            </p:nvSpPr>
+            <p:spPr>
+              <a:xfrm>
+                <a:off x="1450903" y="2409388"/>
+                <a:ext cx="3902331" cy="307777"/>
+              </a:xfrm>
+              <a:prstGeom prst="rect">
+                <a:avLst/>
+              </a:prstGeom>
+              <a:blipFill>
+                <a:blip r:embed="rId8"/>
+                <a:stretch>
+                  <a:fillRect b="-27451"/>
+                </a:stretch>
+              </a:blipFill>
+            </p:spPr>
+            <p:txBody>
+              <a:bodyPr/>
+              <a:lstStyle/>
+              <a:p>
+                <a:r>
+                  <a:rPr lang="en-GB">
+                    <a:noFill/>
+                  </a:rPr>
+                  <a:t> </a:t>
+                </a:r>
+              </a:p>
+            </p:txBody>
+          </p:sp>
+        </mc:Fallback>
+      </mc:AlternateContent>
     </p:spTree>
+    <p:extLst>
+      <p:ext uri="{BB962C8B-B14F-4D97-AF65-F5344CB8AC3E}">
+        <p14:creationId xmlns:p14="http://schemas.microsoft.com/office/powerpoint/2010/main" val="829065448"/>
+      </p:ext>
+    </p:extLst>
   </p:cSld>
   <p:clrMapOvr>
     <a:masterClrMapping/>
@@ -13773,12 +12875,12 @@
 </p:sld>
 </file>
 
-<file path=ppt/slides/slide22.xml><?xml version="1.0" encoding="utf-8"?>
-<p:sld xmlns:a="http://schemas.openxmlformats.org/drawingml/2006/main" xmlns:r="http://schemas.openxmlformats.org/officeDocument/2006/relationships" xmlns:p="http://schemas.openxmlformats.org/presentationml/2006/main" show="0">
+<file path=ppt/slides/slide19.xml><?xml version="1.0" encoding="utf-8"?>
+<p:sld xmlns:a="http://schemas.openxmlformats.org/drawingml/2006/main" xmlns:r="http://schemas.openxmlformats.org/officeDocument/2006/relationships" xmlns:p="http://schemas.openxmlformats.org/presentationml/2006/main">
   <p:cSld>
     <p:spTree>
       <p:nvGrpSpPr>
-        <p:cNvPr id="1" name="Shape 172"/>
+        <p:cNvPr id="1" name="Shape 158"/>
         <p:cNvGrpSpPr/>
         <p:nvPr/>
       </p:nvGrpSpPr>
@@ -13792,7 +12894,7 @@
       </p:grpSpPr>
       <p:sp>
         <p:nvSpPr>
-          <p:cNvPr id="173" name="Google Shape;173;p30"/>
+          <p:cNvPr id="159" name="Google Shape;159;p28"/>
           <p:cNvSpPr txBox="1">
             <a:spLocks noGrp="1"/>
           </p:cNvSpPr>
@@ -13822,6 +12924,11 @@
               <a:spcAft>
                 <a:spcPts val="0"/>
               </a:spcAft>
+              <a:buClr>
+                <a:schemeClr val="dk1"/>
+              </a:buClr>
+              <a:buSzPts val="1100"/>
+              <a:buFont typeface="Arial"/>
               <a:buNone/>
             </a:pPr>
             <a:r>
@@ -13829,6 +12936,102 @@
               <a:t>2. Các bài toán điển hình</a:t>
             </a:r>
             <a:endParaRPr/>
+          </a:p>
+          <a:p>
+            <a:pPr marL="0" lvl="0" indent="0" algn="l" rtl="0">
+              <a:spcBef>
+                <a:spcPts val="0"/>
+              </a:spcBef>
+              <a:spcAft>
+                <a:spcPts val="0"/>
+              </a:spcAft>
+              <a:buClr>
+                <a:schemeClr val="dk1"/>
+              </a:buClr>
+              <a:buSzPts val="1100"/>
+              <a:buFont typeface="Arial"/>
+              <a:buNone/>
+            </a:pPr>
+            <a:endParaRPr/>
+          </a:p>
+          <a:p>
+            <a:pPr marL="0" lvl="0" indent="0" algn="l" rtl="0">
+              <a:spcBef>
+                <a:spcPts val="0"/>
+              </a:spcBef>
+              <a:spcAft>
+                <a:spcPts val="0"/>
+              </a:spcAft>
+              <a:buClr>
+                <a:schemeClr val="dk1"/>
+              </a:buClr>
+              <a:buSzPts val="1100"/>
+              <a:buFont typeface="Arial"/>
+              <a:buNone/>
+            </a:pPr>
+            <a:endParaRPr/>
+          </a:p>
+          <a:p>
+            <a:pPr marL="0" lvl="0" indent="0" algn="l" rtl="0">
+              <a:spcBef>
+                <a:spcPts val="0"/>
+              </a:spcBef>
+              <a:spcAft>
+                <a:spcPts val="0"/>
+              </a:spcAft>
+              <a:buNone/>
+            </a:pPr>
+            <a:endParaRPr/>
+          </a:p>
+        </p:txBody>
+      </p:sp>
+      <p:sp>
+        <p:nvSpPr>
+          <p:cNvPr id="160" name="Google Shape;160;p28"/>
+          <p:cNvSpPr txBox="1">
+            <a:spLocks noGrp="1"/>
+          </p:cNvSpPr>
+          <p:nvPr>
+            <p:ph type="body" idx="1"/>
+          </p:nvPr>
+        </p:nvSpPr>
+        <p:spPr>
+          <a:xfrm>
+            <a:off x="311700" y="1536633"/>
+            <a:ext cx="8520600" cy="4555200"/>
+          </a:xfrm>
+          <a:prstGeom prst="rect">
+            <a:avLst/>
+          </a:prstGeom>
+        </p:spPr>
+        <p:txBody>
+          <a:bodyPr spcFirstLastPara="1" wrap="square" lIns="91425" tIns="91425" rIns="91425" bIns="91425" anchor="t" anchorCtr="0">
+            <a:noAutofit/>
+          </a:bodyPr>
+          <a:lstStyle/>
+          <a:p>
+            <a:pPr marL="0" lvl="0" indent="457200" algn="l" rtl="0">
+              <a:spcBef>
+                <a:spcPts val="0"/>
+              </a:spcBef>
+              <a:spcAft>
+                <a:spcPts val="0"/>
+              </a:spcAft>
+              <a:buNone/>
+            </a:pPr>
+            <a:r>
+              <a:rPr lang="en" sz="2500" b="1">
+                <a:solidFill>
+                  <a:schemeClr val="dk1"/>
+                </a:solidFill>
+              </a:rPr>
+              <a:t>Karatsuba’s algorithm</a:t>
+            </a:r>
+            <a:endParaRPr sz="2500" b="1">
+              <a:solidFill>
+                <a:schemeClr val="dk1"/>
+              </a:solidFill>
+            </a:endParaRPr>
           </a:p>
         </p:txBody>
       </p:sp>
@@ -13837,7 +13040,7 @@
           <p:cNvPr id="2" name="Slide Number Placeholder 1">
             <a:extLst>
               <a:ext uri="{FF2B5EF4-FFF2-40B4-BE49-F238E27FC236}">
-                <a16:creationId xmlns:a16="http://schemas.microsoft.com/office/drawing/2014/main" id="{F43AFE32-F46D-4B01-B537-F3EBCE442750}"/>
+                <a16:creationId xmlns:a16="http://schemas.microsoft.com/office/drawing/2014/main" id="{650D315D-83CB-4722-B42F-45483F06D272}"/>
               </a:ext>
             </a:extLst>
           </p:cNvPr>
@@ -13864,79 +13067,1000 @@
             </a:pPr>
             <a:fld id="{00000000-1234-1234-1234-123412341234}" type="slidenum">
               <a:rPr lang="en" smtClean="0"/>
-              <a:t>22</a:t>
+              <a:t>19</a:t>
             </a:fld>
             <a:endParaRPr lang="en"/>
           </a:p>
         </p:txBody>
       </p:sp>
-      <p:pic>
-        <p:nvPicPr>
-          <p:cNvPr id="2050" name="Picture 2" descr="CSci 160 Session 31/: Multiplying, Divide-and-conquer multiplication">
+      <mc:AlternateContent xmlns:mc="http://schemas.openxmlformats.org/markup-compatibility/2006">
+        <mc:Choice xmlns:a14="http://schemas.microsoft.com/office/drawing/2010/main" Requires="a14">
+          <p:sp>
+            <p:nvSpPr>
+              <p:cNvPr id="3" name="TextBox 2">
+                <a:extLst>
+                  <a:ext uri="{FF2B5EF4-FFF2-40B4-BE49-F238E27FC236}">
+                    <a16:creationId xmlns:a16="http://schemas.microsoft.com/office/drawing/2014/main" id="{20CC4DFE-D284-4580-906E-E2FE103A3059}"/>
+                  </a:ext>
+                </a:extLst>
+              </p:cNvPr>
+              <p:cNvSpPr txBox="1"/>
+              <p:nvPr/>
+            </p:nvSpPr>
+            <p:spPr>
+              <a:xfrm>
+                <a:off x="1162975" y="2503503"/>
+                <a:ext cx="7084380" cy="1015663"/>
+              </a:xfrm>
+              <a:prstGeom prst="rect">
+                <a:avLst/>
+              </a:prstGeom>
+              <a:noFill/>
+            </p:spPr>
+            <p:txBody>
+              <a:bodyPr wrap="square" rtlCol="0">
+                <a:spAutoFit/>
+              </a:bodyPr>
+              <a:lstStyle/>
+              <a:p>
+                <a:r>
+                  <a:rPr lang="vi-VN" sz="2000">
+                    <a:solidFill>
+                      <a:schemeClr val="tx1"/>
+                    </a:solidFill>
+                    <a:latin typeface="+mn-lt"/>
+                  </a:rPr>
+                  <a:t>Nhận thấy</a:t>
+                </a:r>
+                <a:endParaRPr lang="en-US" sz="2000">
+                  <a:solidFill>
+                    <a:schemeClr val="tx1"/>
+                  </a:solidFill>
+                  <a:latin typeface="+mn-lt"/>
+                </a:endParaRPr>
+              </a:p>
+              <a:p>
+                <a14:m>
+                  <m:oMathPara xmlns:m="http://schemas.openxmlformats.org/officeDocument/2006/math">
+                    <m:oMathParaPr>
+                      <m:jc m:val="centerGroup"/>
+                    </m:oMathParaPr>
+                    <m:oMath xmlns:m="http://schemas.openxmlformats.org/officeDocument/2006/math">
+                      <m:sSub>
+                        <m:sSubPr>
+                          <m:ctrlPr>
+                            <a:rPr lang="vi-VN" sz="2000" i="1" smtClean="0">
+                              <a:solidFill>
+                                <a:srgbClr val="836967"/>
+                              </a:solidFill>
+                              <a:latin typeface="Cambria Math" panose="02040503050406030204" pitchFamily="18" charset="0"/>
+                            </a:rPr>
+                          </m:ctrlPr>
+                        </m:sSubPr>
+                        <m:e>
+                          <m:r>
+                            <a:rPr lang="vi-VN" sz="2000" i="1" smtClean="0">
+                              <a:latin typeface="Cambria Math" panose="02040503050406030204" pitchFamily="18" charset="0"/>
+                            </a:rPr>
+                            <m:t>𝑧</m:t>
+                          </m:r>
+                        </m:e>
+                        <m:sub>
+                          <m:r>
+                            <a:rPr lang="vi-VN" sz="2000" i="1" smtClean="0">
+                              <a:latin typeface="Cambria Math" panose="02040503050406030204" pitchFamily="18" charset="0"/>
+                            </a:rPr>
+                            <m:t>1</m:t>
+                          </m:r>
+                        </m:sub>
+                      </m:sSub>
+                      <m:r>
+                        <a:rPr lang="vi-VN" sz="2000" i="1" smtClean="0">
+                          <a:latin typeface="Cambria Math" panose="02040503050406030204" pitchFamily="18" charset="0"/>
+                        </a:rPr>
+                        <m:t>=</m:t>
+                      </m:r>
+                      <m:d>
+                        <m:dPr>
+                          <m:ctrlPr>
+                            <a:rPr lang="vi-VN" sz="2000" i="1" smtClean="0">
+                              <a:solidFill>
+                                <a:srgbClr val="836967"/>
+                              </a:solidFill>
+                              <a:latin typeface="Cambria Math" panose="02040503050406030204" pitchFamily="18" charset="0"/>
+                            </a:rPr>
+                          </m:ctrlPr>
+                        </m:dPr>
+                        <m:e>
+                          <m:sSub>
+                            <m:sSubPr>
+                              <m:ctrlPr>
+                                <a:rPr lang="vi-VN" sz="2000" i="1" smtClean="0">
+                                  <a:solidFill>
+                                    <a:srgbClr val="836967"/>
+                                  </a:solidFill>
+                                  <a:latin typeface="Cambria Math" panose="02040503050406030204" pitchFamily="18" charset="0"/>
+                                </a:rPr>
+                              </m:ctrlPr>
+                            </m:sSubPr>
+                            <m:e>
+                              <m:r>
+                                <a:rPr lang="vi-VN" sz="2000" i="1" smtClean="0">
+                                  <a:latin typeface="Cambria Math" panose="02040503050406030204" pitchFamily="18" charset="0"/>
+                                </a:rPr>
+                                <m:t>𝑥</m:t>
+                              </m:r>
+                            </m:e>
+                            <m:sub>
+                              <m:r>
+                                <a:rPr lang="vi-VN" sz="2000" i="1" smtClean="0">
+                                  <a:latin typeface="Cambria Math" panose="02040503050406030204" pitchFamily="18" charset="0"/>
+                                </a:rPr>
+                                <m:t>0</m:t>
+                              </m:r>
+                            </m:sub>
+                          </m:sSub>
+                          <m:r>
+                            <a:rPr lang="vi-VN" sz="2000" i="1" smtClean="0">
+                              <a:latin typeface="Cambria Math" panose="02040503050406030204" pitchFamily="18" charset="0"/>
+                            </a:rPr>
+                            <m:t>−</m:t>
+                          </m:r>
+                          <m:sSub>
+                            <m:sSubPr>
+                              <m:ctrlPr>
+                                <a:rPr lang="vi-VN" sz="2000" i="1" smtClean="0">
+                                  <a:solidFill>
+                                    <a:srgbClr val="836967"/>
+                                  </a:solidFill>
+                                  <a:latin typeface="Cambria Math" panose="02040503050406030204" pitchFamily="18" charset="0"/>
+                                </a:rPr>
+                              </m:ctrlPr>
+                            </m:sSubPr>
+                            <m:e>
+                              <m:r>
+                                <a:rPr lang="vi-VN" sz="2000" i="1" smtClean="0">
+                                  <a:latin typeface="Cambria Math" panose="02040503050406030204" pitchFamily="18" charset="0"/>
+                                </a:rPr>
+                                <m:t>𝑥</m:t>
+                              </m:r>
+                            </m:e>
+                            <m:sub>
+                              <m:r>
+                                <a:rPr lang="vi-VN" sz="2000" i="1" smtClean="0">
+                                  <a:latin typeface="Cambria Math" panose="02040503050406030204" pitchFamily="18" charset="0"/>
+                                </a:rPr>
+                                <m:t>1</m:t>
+                              </m:r>
+                            </m:sub>
+                          </m:sSub>
+                        </m:e>
+                      </m:d>
+                      <m:d>
+                        <m:dPr>
+                          <m:ctrlPr>
+                            <a:rPr lang="vi-VN" sz="2000" i="1" smtClean="0">
+                              <a:solidFill>
+                                <a:srgbClr val="836967"/>
+                              </a:solidFill>
+                              <a:latin typeface="Cambria Math" panose="02040503050406030204" pitchFamily="18" charset="0"/>
+                            </a:rPr>
+                          </m:ctrlPr>
+                        </m:dPr>
+                        <m:e>
+                          <m:sSub>
+                            <m:sSubPr>
+                              <m:ctrlPr>
+                                <a:rPr lang="vi-VN" sz="2000" i="1" smtClean="0">
+                                  <a:solidFill>
+                                    <a:srgbClr val="836967"/>
+                                  </a:solidFill>
+                                  <a:latin typeface="Cambria Math" panose="02040503050406030204" pitchFamily="18" charset="0"/>
+                                </a:rPr>
+                              </m:ctrlPr>
+                            </m:sSubPr>
+                            <m:e>
+                              <m:r>
+                                <a:rPr lang="vi-VN" sz="2000" i="1" smtClean="0">
+                                  <a:latin typeface="Cambria Math" panose="02040503050406030204" pitchFamily="18" charset="0"/>
+                                </a:rPr>
+                                <m:t>𝑦</m:t>
+                              </m:r>
+                            </m:e>
+                            <m:sub>
+                              <m:r>
+                                <a:rPr lang="vi-VN" sz="2000" i="1" smtClean="0">
+                                  <a:latin typeface="Cambria Math" panose="02040503050406030204" pitchFamily="18" charset="0"/>
+                                </a:rPr>
+                                <m:t>1</m:t>
+                              </m:r>
+                            </m:sub>
+                          </m:sSub>
+                          <m:r>
+                            <a:rPr lang="vi-VN" sz="2000" i="1" smtClean="0">
+                              <a:latin typeface="Cambria Math" panose="02040503050406030204" pitchFamily="18" charset="0"/>
+                            </a:rPr>
+                            <m:t>−</m:t>
+                          </m:r>
+                          <m:sSub>
+                            <m:sSubPr>
+                              <m:ctrlPr>
+                                <a:rPr lang="vi-VN" sz="2000" i="1" smtClean="0">
+                                  <a:solidFill>
+                                    <a:srgbClr val="836967"/>
+                                  </a:solidFill>
+                                  <a:latin typeface="Cambria Math" panose="02040503050406030204" pitchFamily="18" charset="0"/>
+                                </a:rPr>
+                              </m:ctrlPr>
+                            </m:sSubPr>
+                            <m:e>
+                              <m:r>
+                                <a:rPr lang="vi-VN" sz="2000" i="1" smtClean="0">
+                                  <a:latin typeface="Cambria Math" panose="02040503050406030204" pitchFamily="18" charset="0"/>
+                                </a:rPr>
+                                <m:t>𝑦</m:t>
+                              </m:r>
+                            </m:e>
+                            <m:sub>
+                              <m:r>
+                                <a:rPr lang="vi-VN" sz="2000" i="1" smtClean="0">
+                                  <a:latin typeface="Cambria Math" panose="02040503050406030204" pitchFamily="18" charset="0"/>
+                                </a:rPr>
+                                <m:t>0</m:t>
+                              </m:r>
+                            </m:sub>
+                          </m:sSub>
+                        </m:e>
+                      </m:d>
+                      <m:r>
+                        <a:rPr lang="vi-VN" sz="2000" i="1" smtClean="0">
+                          <a:latin typeface="Cambria Math" panose="02040503050406030204" pitchFamily="18" charset="0"/>
+                        </a:rPr>
+                        <m:t>+</m:t>
+                      </m:r>
+                      <m:sSub>
+                        <m:sSubPr>
+                          <m:ctrlPr>
+                            <a:rPr lang="vi-VN" sz="2000" i="1" smtClean="0">
+                              <a:solidFill>
+                                <a:srgbClr val="836967"/>
+                              </a:solidFill>
+                              <a:latin typeface="Cambria Math" panose="02040503050406030204" pitchFamily="18" charset="0"/>
+                            </a:rPr>
+                          </m:ctrlPr>
+                        </m:sSubPr>
+                        <m:e>
+                          <m:r>
+                            <a:rPr lang="vi-VN" sz="2000" i="1" smtClean="0">
+                              <a:latin typeface="Cambria Math" panose="02040503050406030204" pitchFamily="18" charset="0"/>
+                            </a:rPr>
+                            <m:t>𝑧</m:t>
+                          </m:r>
+                        </m:e>
+                        <m:sub>
+                          <m:r>
+                            <a:rPr lang="vi-VN" sz="2000" i="1" smtClean="0">
+                              <a:latin typeface="Cambria Math" panose="02040503050406030204" pitchFamily="18" charset="0"/>
+                            </a:rPr>
+                            <m:t>2</m:t>
+                          </m:r>
+                        </m:sub>
+                      </m:sSub>
+                      <m:r>
+                        <a:rPr lang="vi-VN" sz="2000" i="1" smtClean="0">
+                          <a:latin typeface="Cambria Math" panose="02040503050406030204" pitchFamily="18" charset="0"/>
+                        </a:rPr>
+                        <m:t>+</m:t>
+                      </m:r>
+                      <m:sSub>
+                        <m:sSubPr>
+                          <m:ctrlPr>
+                            <a:rPr lang="vi-VN" sz="2000" i="1" smtClean="0">
+                              <a:solidFill>
+                                <a:srgbClr val="836967"/>
+                              </a:solidFill>
+                              <a:latin typeface="Cambria Math" panose="02040503050406030204" pitchFamily="18" charset="0"/>
+                            </a:rPr>
+                          </m:ctrlPr>
+                        </m:sSubPr>
+                        <m:e>
+                          <m:r>
+                            <a:rPr lang="vi-VN" sz="2000" i="1" smtClean="0">
+                              <a:latin typeface="Cambria Math" panose="02040503050406030204" pitchFamily="18" charset="0"/>
+                            </a:rPr>
+                            <m:t>𝑧</m:t>
+                          </m:r>
+                        </m:e>
+                        <m:sub>
+                          <m:r>
+                            <a:rPr lang="vi-VN" sz="2000" i="1" smtClean="0">
+                              <a:latin typeface="Cambria Math" panose="02040503050406030204" pitchFamily="18" charset="0"/>
+                            </a:rPr>
+                            <m:t>0</m:t>
+                          </m:r>
+                        </m:sub>
+                      </m:sSub>
+                    </m:oMath>
+                  </m:oMathPara>
+                </a14:m>
+                <a:endParaRPr lang="vi-VN" sz="2000"/>
+              </a:p>
+              <a:p>
+                <a:endParaRPr lang="en-GB" sz="2000"/>
+              </a:p>
+            </p:txBody>
+          </p:sp>
+        </mc:Choice>
+        <mc:Fallback>
+          <p:sp>
+            <p:nvSpPr>
+              <p:cNvPr id="3" name="TextBox 2">
+                <a:extLst>
+                  <a:ext uri="{FF2B5EF4-FFF2-40B4-BE49-F238E27FC236}">
+                    <a16:creationId xmlns:a16="http://schemas.microsoft.com/office/drawing/2014/main" id="{20CC4DFE-D284-4580-906E-E2FE103A3059}"/>
+                  </a:ext>
+                </a:extLst>
+              </p:cNvPr>
+              <p:cNvSpPr txBox="1">
+                <a:spLocks noRot="1" noChangeAspect="1" noMove="1" noResize="1" noEditPoints="1" noAdjustHandles="1" noChangeArrowheads="1" noChangeShapeType="1" noTextEdit="1"/>
+              </p:cNvSpPr>
+              <p:nvPr/>
+            </p:nvSpPr>
+            <p:spPr>
+              <a:xfrm>
+                <a:off x="1162975" y="2503503"/>
+                <a:ext cx="7084380" cy="1015663"/>
+              </a:xfrm>
+              <a:prstGeom prst="rect">
+                <a:avLst/>
+              </a:prstGeom>
+              <a:blipFill>
+                <a:blip r:embed="rId3"/>
+                <a:stretch>
+                  <a:fillRect l="-947" t="-3012"/>
+                </a:stretch>
+              </a:blipFill>
+            </p:spPr>
+            <p:txBody>
+              <a:bodyPr/>
+              <a:lstStyle/>
+              <a:p>
+                <a:r>
+                  <a:rPr lang="en-GB">
+                    <a:noFill/>
+                  </a:rPr>
+                  <a:t> </a:t>
+                </a:r>
+              </a:p>
+            </p:txBody>
+          </p:sp>
+        </mc:Fallback>
+      </mc:AlternateContent>
+      <p:sp>
+        <p:nvSpPr>
+          <p:cNvPr id="8" name="Google Shape;185;p30">
             <a:extLst>
               <a:ext uri="{FF2B5EF4-FFF2-40B4-BE49-F238E27FC236}">
-                <a16:creationId xmlns:a16="http://schemas.microsoft.com/office/drawing/2014/main" id="{B2A9E1AA-7D4E-4D51-94B1-D4E787AE5602}"/>
+                <a16:creationId xmlns:a16="http://schemas.microsoft.com/office/drawing/2014/main" id="{7D9B3E86-8824-4EF1-B3ED-368EF0649C88}"/>
               </a:ext>
             </a:extLst>
           </p:cNvPr>
-          <p:cNvPicPr>
-            <a:picLocks noChangeAspect="1" noChangeArrowheads="1"/>
-          </p:cNvPicPr>
+          <p:cNvSpPr txBox="1"/>
           <p:nvPr/>
-        </p:nvPicPr>
-        <p:blipFill>
-          <a:blip r:embed="rId3">
-            <a:extLst>
-              <a:ext uri="{28A0092B-C50C-407E-A947-70E740481C1C}">
-                <a14:useLocalDpi xmlns:a14="http://schemas.microsoft.com/office/drawing/2010/main" val="0"/>
-              </a:ext>
-            </a:extLst>
-          </a:blip>
-          <a:srcRect/>
-          <a:stretch>
-            <a:fillRect/>
-          </a:stretch>
-        </p:blipFill>
-        <p:spPr bwMode="auto">
+        </p:nvSpPr>
+        <p:spPr>
           <a:xfrm>
-            <a:off x="412066" y="2064389"/>
-            <a:ext cx="8420234" cy="3909394"/>
+            <a:off x="2826476" y="5216016"/>
+            <a:ext cx="6951000" cy="465300"/>
           </a:xfrm>
           <a:prstGeom prst="rect">
             <a:avLst/>
           </a:prstGeom>
           <a:noFill/>
-          <a:extLst>
-            <a:ext uri="{909E8E84-426E-40DD-AFC4-6F175D3DCCD1}">
-              <a14:hiddenFill xmlns:a14="http://schemas.microsoft.com/office/drawing/2010/main">
-                <a:solidFill>
-                  <a:srgbClr val="FFFFFF"/>
-                </a:solidFill>
-              </a14:hiddenFill>
-            </a:ext>
-          </a:extLst>
+          <a:ln>
+            <a:noFill/>
+          </a:ln>
         </p:spPr>
-      </p:pic>
+        <p:txBody>
+          <a:bodyPr spcFirstLastPara="1" wrap="square" lIns="91425" tIns="91425" rIns="91425" bIns="91425" anchor="t" anchorCtr="0">
+            <a:noAutofit/>
+          </a:bodyPr>
+          <a:lstStyle/>
+          <a:p>
+            <a:pPr marL="0" lvl="0" indent="0" algn="l" rtl="0">
+              <a:spcBef>
+                <a:spcPts val="0"/>
+              </a:spcBef>
+              <a:spcAft>
+                <a:spcPts val="0"/>
+              </a:spcAft>
+              <a:buNone/>
+            </a:pPr>
+            <a:r>
+              <a:rPr lang="vi-VN" sz="2000" b="1"/>
+              <a:t>Số phép nhân giảm còn 3!</a:t>
+            </a:r>
+            <a:endParaRPr sz="2000" b="1"/>
+          </a:p>
+        </p:txBody>
+      </p:sp>
+      <mc:AlternateContent xmlns:mc="http://schemas.openxmlformats.org/markup-compatibility/2006">
+        <mc:Choice xmlns:a14="http://schemas.microsoft.com/office/drawing/2010/main" Requires="a14">
+          <p:sp>
+            <p:nvSpPr>
+              <p:cNvPr id="9" name="TextBox 8">
+                <a:extLst>
+                  <a:ext uri="{FF2B5EF4-FFF2-40B4-BE49-F238E27FC236}">
+                    <a16:creationId xmlns:a16="http://schemas.microsoft.com/office/drawing/2014/main" id="{54A47C29-62A2-4153-A79A-23F29AF65EBA}"/>
+                  </a:ext>
+                </a:extLst>
+              </p:cNvPr>
+              <p:cNvSpPr txBox="1"/>
+              <p:nvPr/>
+            </p:nvSpPr>
+            <p:spPr>
+              <a:xfrm>
+                <a:off x="2010658" y="3724626"/>
+                <a:ext cx="5122684" cy="1080873"/>
+              </a:xfrm>
+              <a:prstGeom prst="rect">
+                <a:avLst/>
+              </a:prstGeom>
+              <a:noFill/>
+            </p:spPr>
+            <p:txBody>
+              <a:bodyPr wrap="none" lIns="0" tIns="0" rIns="0" bIns="0" rtlCol="0">
+                <a:spAutoFit/>
+              </a:bodyPr>
+              <a:lstStyle/>
+              <a:p>
+                <a:r>
+                  <a:rPr lang="vi-VN" sz="2200"/>
+                  <a:t>Với</a:t>
+                </a:r>
+                <a:r>
+                  <a:rPr lang="en-US" sz="2200"/>
+                  <a:t>  </a:t>
+                </a:r>
+                <a14:m>
+                  <m:oMath xmlns:m="http://schemas.openxmlformats.org/officeDocument/2006/math">
+                    <m:d>
+                      <m:dPr>
+                        <m:begChr m:val="{"/>
+                        <m:endChr m:val=""/>
+                        <m:ctrlPr>
+                          <a:rPr lang="en-US" sz="2200" i="1" smtClean="0">
+                            <a:latin typeface="Cambria Math" panose="02040503050406030204" pitchFamily="18" charset="0"/>
+                          </a:rPr>
+                        </m:ctrlPr>
+                      </m:dPr>
+                      <m:e>
+                        <m:eqArr>
+                          <m:eqArrPr>
+                            <m:ctrlPr>
+                              <a:rPr lang="en-US" sz="2200" i="1" smtClean="0">
+                                <a:latin typeface="Cambria Math" panose="02040503050406030204" pitchFamily="18" charset="0"/>
+                              </a:rPr>
+                            </m:ctrlPr>
+                          </m:eqArrPr>
+                          <m:e>
+                            <m:sSub>
+                              <m:sSubPr>
+                                <m:ctrlPr>
+                                  <a:rPr lang="en-US" sz="2200" i="1" smtClean="0">
+                                    <a:latin typeface="Cambria Math" panose="02040503050406030204" pitchFamily="18" charset="0"/>
+                                  </a:rPr>
+                                </m:ctrlPr>
+                              </m:sSubPr>
+                              <m:e>
+                                <m:r>
+                                  <a:rPr lang="en-US" sz="2200" b="0" i="1" smtClean="0">
+                                    <a:latin typeface="Cambria Math" panose="02040503050406030204" pitchFamily="18" charset="0"/>
+                                  </a:rPr>
+                                  <m:t>𝑧</m:t>
+                                </m:r>
+                              </m:e>
+                              <m:sub>
+                                <m:r>
+                                  <a:rPr lang="en-US" sz="2200" b="0" i="1" smtClean="0">
+                                    <a:latin typeface="Cambria Math" panose="02040503050406030204" pitchFamily="18" charset="0"/>
+                                  </a:rPr>
+                                  <m:t>2</m:t>
+                                </m:r>
+                              </m:sub>
+                            </m:sSub>
+                            <m:r>
+                              <a:rPr lang="en-US" sz="2200" b="0" i="1" smtClean="0">
+                                <a:latin typeface="Cambria Math" panose="02040503050406030204" pitchFamily="18" charset="0"/>
+                              </a:rPr>
+                              <m:t>=</m:t>
+                            </m:r>
+                            <m:sSub>
+                              <m:sSubPr>
+                                <m:ctrlPr>
+                                  <a:rPr lang="en-US" sz="2200" i="1">
+                                    <a:latin typeface="Cambria Math" panose="02040503050406030204" pitchFamily="18" charset="0"/>
+                                  </a:rPr>
+                                </m:ctrlPr>
+                              </m:sSubPr>
+                              <m:e>
+                                <m:r>
+                                  <a:rPr lang="en-US" sz="2200" i="1">
+                                    <a:latin typeface="Cambria Math" panose="02040503050406030204" pitchFamily="18" charset="0"/>
+                                  </a:rPr>
+                                  <m:t>𝑥</m:t>
+                                </m:r>
+                              </m:e>
+                              <m:sub>
+                                <m:r>
+                                  <a:rPr lang="en-US" sz="2200" i="1">
+                                    <a:latin typeface="Cambria Math" panose="02040503050406030204" pitchFamily="18" charset="0"/>
+                                  </a:rPr>
+                                  <m:t>1</m:t>
+                                </m:r>
+                              </m:sub>
+                            </m:sSub>
+                            <m:sSub>
+                              <m:sSubPr>
+                                <m:ctrlPr>
+                                  <a:rPr lang="en-US" sz="2200" i="1">
+                                    <a:latin typeface="Cambria Math" panose="02040503050406030204" pitchFamily="18" charset="0"/>
+                                  </a:rPr>
+                                </m:ctrlPr>
+                              </m:sSubPr>
+                              <m:e>
+                                <m:r>
+                                  <a:rPr lang="en-US" sz="2200" i="1">
+                                    <a:latin typeface="Cambria Math" panose="02040503050406030204" pitchFamily="18" charset="0"/>
+                                  </a:rPr>
+                                  <m:t>𝑦</m:t>
+                                </m:r>
+                              </m:e>
+                              <m:sub>
+                                <m:r>
+                                  <a:rPr lang="en-US" sz="2200" i="1">
+                                    <a:latin typeface="Cambria Math" panose="02040503050406030204" pitchFamily="18" charset="0"/>
+                                  </a:rPr>
+                                  <m:t>1</m:t>
+                                </m:r>
+                              </m:sub>
+                            </m:sSub>
+                          </m:e>
+                          <m:e>
+                            <m:sSub>
+                              <m:sSubPr>
+                                <m:ctrlPr>
+                                  <a:rPr lang="en-US" sz="2200" i="1" smtClean="0">
+                                    <a:latin typeface="Cambria Math" panose="02040503050406030204" pitchFamily="18" charset="0"/>
+                                  </a:rPr>
+                                </m:ctrlPr>
+                              </m:sSubPr>
+                              <m:e>
+                                <m:r>
+                                  <a:rPr lang="en-US" sz="2200" b="0" i="1" smtClean="0">
+                                    <a:latin typeface="Cambria Math" panose="02040503050406030204" pitchFamily="18" charset="0"/>
+                                  </a:rPr>
+                                  <m:t>𝑧</m:t>
+                                </m:r>
+                              </m:e>
+                              <m:sub>
+                                <m:r>
+                                  <a:rPr lang="en-US" sz="2200" b="0" i="1" smtClean="0">
+                                    <a:latin typeface="Cambria Math" panose="02040503050406030204" pitchFamily="18" charset="0"/>
+                                  </a:rPr>
+                                  <m:t>1</m:t>
+                                </m:r>
+                              </m:sub>
+                            </m:sSub>
+                            <m:r>
+                              <a:rPr lang="en-US" sz="2200" b="0" i="1" smtClean="0">
+                                <a:latin typeface="Cambria Math" panose="02040503050406030204" pitchFamily="18" charset="0"/>
+                              </a:rPr>
+                              <m:t>=</m:t>
+                            </m:r>
+                            <m:d>
+                              <m:dPr>
+                                <m:ctrlPr>
+                                  <a:rPr lang="vi-VN" sz="2400" i="1">
+                                    <a:solidFill>
+                                      <a:srgbClr val="836967"/>
+                                    </a:solidFill>
+                                    <a:latin typeface="Cambria Math" panose="02040503050406030204" pitchFamily="18" charset="0"/>
+                                  </a:rPr>
+                                </m:ctrlPr>
+                              </m:dPr>
+                              <m:e>
+                                <m:sSub>
+                                  <m:sSubPr>
+                                    <m:ctrlPr>
+                                      <a:rPr lang="vi-VN" sz="2400" i="1">
+                                        <a:solidFill>
+                                          <a:srgbClr val="836967"/>
+                                        </a:solidFill>
+                                        <a:latin typeface="Cambria Math" panose="02040503050406030204" pitchFamily="18" charset="0"/>
+                                      </a:rPr>
+                                    </m:ctrlPr>
+                                  </m:sSubPr>
+                                  <m:e>
+                                    <m:r>
+                                      <a:rPr lang="vi-VN" sz="2400" i="1">
+                                        <a:latin typeface="Cambria Math" panose="02040503050406030204" pitchFamily="18" charset="0"/>
+                                      </a:rPr>
+                                      <m:t>𝑥</m:t>
+                                    </m:r>
+                                  </m:e>
+                                  <m:sub>
+                                    <m:r>
+                                      <a:rPr lang="vi-VN" sz="2400" i="1">
+                                        <a:latin typeface="Cambria Math" panose="02040503050406030204" pitchFamily="18" charset="0"/>
+                                      </a:rPr>
+                                      <m:t>0</m:t>
+                                    </m:r>
+                                  </m:sub>
+                                </m:sSub>
+                                <m:r>
+                                  <a:rPr lang="vi-VN" sz="2400" i="1">
+                                    <a:latin typeface="Cambria Math" panose="02040503050406030204" pitchFamily="18" charset="0"/>
+                                  </a:rPr>
+                                  <m:t>−</m:t>
+                                </m:r>
+                                <m:sSub>
+                                  <m:sSubPr>
+                                    <m:ctrlPr>
+                                      <a:rPr lang="vi-VN" sz="2400" i="1">
+                                        <a:solidFill>
+                                          <a:srgbClr val="836967"/>
+                                        </a:solidFill>
+                                        <a:latin typeface="Cambria Math" panose="02040503050406030204" pitchFamily="18" charset="0"/>
+                                      </a:rPr>
+                                    </m:ctrlPr>
+                                  </m:sSubPr>
+                                  <m:e>
+                                    <m:r>
+                                      <a:rPr lang="vi-VN" sz="2400" i="1">
+                                        <a:latin typeface="Cambria Math" panose="02040503050406030204" pitchFamily="18" charset="0"/>
+                                      </a:rPr>
+                                      <m:t>𝑥</m:t>
+                                    </m:r>
+                                  </m:e>
+                                  <m:sub>
+                                    <m:r>
+                                      <a:rPr lang="vi-VN" sz="2400" i="1">
+                                        <a:latin typeface="Cambria Math" panose="02040503050406030204" pitchFamily="18" charset="0"/>
+                                      </a:rPr>
+                                      <m:t>1</m:t>
+                                    </m:r>
+                                  </m:sub>
+                                </m:sSub>
+                              </m:e>
+                            </m:d>
+                            <m:d>
+                              <m:dPr>
+                                <m:ctrlPr>
+                                  <a:rPr lang="vi-VN" sz="2400" i="1">
+                                    <a:solidFill>
+                                      <a:srgbClr val="836967"/>
+                                    </a:solidFill>
+                                    <a:latin typeface="Cambria Math" panose="02040503050406030204" pitchFamily="18" charset="0"/>
+                                  </a:rPr>
+                                </m:ctrlPr>
+                              </m:dPr>
+                              <m:e>
+                                <m:sSub>
+                                  <m:sSubPr>
+                                    <m:ctrlPr>
+                                      <a:rPr lang="vi-VN" sz="2400" i="1">
+                                        <a:solidFill>
+                                          <a:srgbClr val="836967"/>
+                                        </a:solidFill>
+                                        <a:latin typeface="Cambria Math" panose="02040503050406030204" pitchFamily="18" charset="0"/>
+                                      </a:rPr>
+                                    </m:ctrlPr>
+                                  </m:sSubPr>
+                                  <m:e>
+                                    <m:r>
+                                      <a:rPr lang="vi-VN" sz="2400" i="1">
+                                        <a:latin typeface="Cambria Math" panose="02040503050406030204" pitchFamily="18" charset="0"/>
+                                      </a:rPr>
+                                      <m:t>𝑦</m:t>
+                                    </m:r>
+                                  </m:e>
+                                  <m:sub>
+                                    <m:r>
+                                      <a:rPr lang="vi-VN" sz="2400" i="1">
+                                        <a:latin typeface="Cambria Math" panose="02040503050406030204" pitchFamily="18" charset="0"/>
+                                      </a:rPr>
+                                      <m:t>1</m:t>
+                                    </m:r>
+                                  </m:sub>
+                                </m:sSub>
+                                <m:r>
+                                  <a:rPr lang="vi-VN" sz="2400" i="1">
+                                    <a:latin typeface="Cambria Math" panose="02040503050406030204" pitchFamily="18" charset="0"/>
+                                  </a:rPr>
+                                  <m:t>−</m:t>
+                                </m:r>
+                                <m:sSub>
+                                  <m:sSubPr>
+                                    <m:ctrlPr>
+                                      <a:rPr lang="vi-VN" sz="2400" i="1">
+                                        <a:solidFill>
+                                          <a:srgbClr val="836967"/>
+                                        </a:solidFill>
+                                        <a:latin typeface="Cambria Math" panose="02040503050406030204" pitchFamily="18" charset="0"/>
+                                      </a:rPr>
+                                    </m:ctrlPr>
+                                  </m:sSubPr>
+                                  <m:e>
+                                    <m:r>
+                                      <a:rPr lang="vi-VN" sz="2400" i="1">
+                                        <a:latin typeface="Cambria Math" panose="02040503050406030204" pitchFamily="18" charset="0"/>
+                                      </a:rPr>
+                                      <m:t>𝑦</m:t>
+                                    </m:r>
+                                  </m:e>
+                                  <m:sub>
+                                    <m:r>
+                                      <a:rPr lang="vi-VN" sz="2400" i="1">
+                                        <a:latin typeface="Cambria Math" panose="02040503050406030204" pitchFamily="18" charset="0"/>
+                                      </a:rPr>
+                                      <m:t>0</m:t>
+                                    </m:r>
+                                  </m:sub>
+                                </m:sSub>
+                              </m:e>
+                            </m:d>
+                            <m:r>
+                              <a:rPr lang="vi-VN" sz="2400" i="1">
+                                <a:latin typeface="Cambria Math" panose="02040503050406030204" pitchFamily="18" charset="0"/>
+                              </a:rPr>
+                              <m:t>+</m:t>
+                            </m:r>
+                            <m:sSub>
+                              <m:sSubPr>
+                                <m:ctrlPr>
+                                  <a:rPr lang="vi-VN" sz="2400" i="1">
+                                    <a:solidFill>
+                                      <a:srgbClr val="836967"/>
+                                    </a:solidFill>
+                                    <a:latin typeface="Cambria Math" panose="02040503050406030204" pitchFamily="18" charset="0"/>
+                                  </a:rPr>
+                                </m:ctrlPr>
+                              </m:sSubPr>
+                              <m:e>
+                                <m:r>
+                                  <a:rPr lang="vi-VN" sz="2400" i="1">
+                                    <a:latin typeface="Cambria Math" panose="02040503050406030204" pitchFamily="18" charset="0"/>
+                                  </a:rPr>
+                                  <m:t>𝑧</m:t>
+                                </m:r>
+                              </m:e>
+                              <m:sub>
+                                <m:r>
+                                  <a:rPr lang="vi-VN" sz="2400" i="1">
+                                    <a:latin typeface="Cambria Math" panose="02040503050406030204" pitchFamily="18" charset="0"/>
+                                  </a:rPr>
+                                  <m:t>2</m:t>
+                                </m:r>
+                              </m:sub>
+                            </m:sSub>
+                            <m:r>
+                              <a:rPr lang="vi-VN" sz="2400" i="1">
+                                <a:latin typeface="Cambria Math" panose="02040503050406030204" pitchFamily="18" charset="0"/>
+                              </a:rPr>
+                              <m:t>+</m:t>
+                            </m:r>
+                            <m:sSub>
+                              <m:sSubPr>
+                                <m:ctrlPr>
+                                  <a:rPr lang="vi-VN" sz="2400" i="1">
+                                    <a:solidFill>
+                                      <a:srgbClr val="836967"/>
+                                    </a:solidFill>
+                                    <a:latin typeface="Cambria Math" panose="02040503050406030204" pitchFamily="18" charset="0"/>
+                                  </a:rPr>
+                                </m:ctrlPr>
+                              </m:sSubPr>
+                              <m:e>
+                                <m:r>
+                                  <a:rPr lang="vi-VN" sz="2400" i="1">
+                                    <a:latin typeface="Cambria Math" panose="02040503050406030204" pitchFamily="18" charset="0"/>
+                                  </a:rPr>
+                                  <m:t>𝑧</m:t>
+                                </m:r>
+                              </m:e>
+                              <m:sub>
+                                <m:r>
+                                  <a:rPr lang="vi-VN" sz="2400" i="1">
+                                    <a:latin typeface="Cambria Math" panose="02040503050406030204" pitchFamily="18" charset="0"/>
+                                  </a:rPr>
+                                  <m:t>0</m:t>
+                                </m:r>
+                              </m:sub>
+                            </m:sSub>
+                          </m:e>
+                          <m:e>
+                            <m:sSub>
+                              <m:sSubPr>
+                                <m:ctrlPr>
+                                  <a:rPr lang="en-US" sz="2200" i="1" smtClean="0">
+                                    <a:latin typeface="Cambria Math" panose="02040503050406030204" pitchFamily="18" charset="0"/>
+                                  </a:rPr>
+                                </m:ctrlPr>
+                              </m:sSubPr>
+                              <m:e>
+                                <m:r>
+                                  <a:rPr lang="en-US" sz="2200" b="0" i="1" smtClean="0">
+                                    <a:latin typeface="Cambria Math" panose="02040503050406030204" pitchFamily="18" charset="0"/>
+                                  </a:rPr>
+                                  <m:t>𝑧</m:t>
+                                </m:r>
+                              </m:e>
+                              <m:sub>
+                                <m:r>
+                                  <a:rPr lang="en-US" sz="2200" b="0" i="1" smtClean="0">
+                                    <a:latin typeface="Cambria Math" panose="02040503050406030204" pitchFamily="18" charset="0"/>
+                                  </a:rPr>
+                                  <m:t>0</m:t>
+                                </m:r>
+                              </m:sub>
+                            </m:sSub>
+                            <m:r>
+                              <a:rPr lang="en-US" sz="2200" b="0" i="1" smtClean="0">
+                                <a:latin typeface="Cambria Math" panose="02040503050406030204" pitchFamily="18" charset="0"/>
+                              </a:rPr>
+                              <m:t>=</m:t>
+                            </m:r>
+                            <m:sSub>
+                              <m:sSubPr>
+                                <m:ctrlPr>
+                                  <a:rPr lang="en-US" sz="2200" i="1">
+                                    <a:latin typeface="Cambria Math" panose="02040503050406030204" pitchFamily="18" charset="0"/>
+                                  </a:rPr>
+                                </m:ctrlPr>
+                              </m:sSubPr>
+                              <m:e>
+                                <m:r>
+                                  <a:rPr lang="en-US" sz="2200" i="1">
+                                    <a:latin typeface="Cambria Math" panose="02040503050406030204" pitchFamily="18" charset="0"/>
+                                  </a:rPr>
+                                  <m:t>𝑥</m:t>
+                                </m:r>
+                              </m:e>
+                              <m:sub>
+                                <m:r>
+                                  <a:rPr lang="en-US" sz="2200" i="1">
+                                    <a:latin typeface="Cambria Math" panose="02040503050406030204" pitchFamily="18" charset="0"/>
+                                  </a:rPr>
+                                  <m:t>0</m:t>
+                                </m:r>
+                              </m:sub>
+                            </m:sSub>
+                            <m:sSub>
+                              <m:sSubPr>
+                                <m:ctrlPr>
+                                  <a:rPr lang="en-US" sz="2200" i="1">
+                                    <a:latin typeface="Cambria Math" panose="02040503050406030204" pitchFamily="18" charset="0"/>
+                                  </a:rPr>
+                                </m:ctrlPr>
+                              </m:sSubPr>
+                              <m:e>
+                                <m:r>
+                                  <a:rPr lang="en-US" sz="2200" i="1">
+                                    <a:latin typeface="Cambria Math" panose="02040503050406030204" pitchFamily="18" charset="0"/>
+                                  </a:rPr>
+                                  <m:t>𝑦</m:t>
+                                </m:r>
+                              </m:e>
+                              <m:sub>
+                                <m:r>
+                                  <a:rPr lang="en-US" sz="2200" i="1">
+                                    <a:latin typeface="Cambria Math" panose="02040503050406030204" pitchFamily="18" charset="0"/>
+                                  </a:rPr>
+                                  <m:t>0</m:t>
+                                </m:r>
+                              </m:sub>
+                            </m:sSub>
+                          </m:e>
+                        </m:eqArr>
+                      </m:e>
+                    </m:d>
+                  </m:oMath>
+                </a14:m>
+                <a:endParaRPr lang="en-US" sz="2200" dirty="0"/>
+              </a:p>
+            </p:txBody>
+          </p:sp>
+        </mc:Choice>
+        <mc:Fallback>
+          <p:sp>
+            <p:nvSpPr>
+              <p:cNvPr id="9" name="TextBox 8">
+                <a:extLst>
+                  <a:ext uri="{FF2B5EF4-FFF2-40B4-BE49-F238E27FC236}">
+                    <a16:creationId xmlns:a16="http://schemas.microsoft.com/office/drawing/2014/main" id="{54A47C29-62A2-4153-A79A-23F29AF65EBA}"/>
+                  </a:ext>
+                </a:extLst>
+              </p:cNvPr>
+              <p:cNvSpPr txBox="1">
+                <a:spLocks noRot="1" noChangeAspect="1" noMove="1" noResize="1" noEditPoints="1" noAdjustHandles="1" noChangeArrowheads="1" noChangeShapeType="1" noTextEdit="1"/>
+              </p:cNvSpPr>
+              <p:nvPr/>
+            </p:nvSpPr>
+            <p:spPr>
+              <a:xfrm>
+                <a:off x="2010658" y="3724626"/>
+                <a:ext cx="5122684" cy="1080873"/>
+              </a:xfrm>
+              <a:prstGeom prst="rect">
+                <a:avLst/>
+              </a:prstGeom>
+              <a:blipFill>
+                <a:blip r:embed="rId4"/>
+                <a:stretch>
+                  <a:fillRect l="-3333"/>
+                </a:stretch>
+              </a:blipFill>
+            </p:spPr>
+            <p:txBody>
+              <a:bodyPr/>
+              <a:lstStyle/>
+              <a:p>
+                <a:r>
+                  <a:rPr lang="en-GB">
+                    <a:noFill/>
+                  </a:rPr>
+                  <a:t> </a:t>
+                </a:r>
+              </a:p>
+            </p:txBody>
+          </p:sp>
+        </mc:Fallback>
+      </mc:AlternateContent>
+    </p:spTree>
+    <p:extLst>
+      <p:ext uri="{BB962C8B-B14F-4D97-AF65-F5344CB8AC3E}">
+        <p14:creationId xmlns:p14="http://schemas.microsoft.com/office/powerpoint/2010/main" val="511804361"/>
+      </p:ext>
+    </p:extLst>
+  </p:cSld>
+  <p:clrMapOvr>
+    <a:masterClrMapping/>
+  </p:clrMapOvr>
+</p:sld>
+</file>
+
+<file path=ppt/slides/slide2.xml><?xml version="1.0" encoding="utf-8"?>
+<p:sld xmlns:a="http://schemas.openxmlformats.org/drawingml/2006/main" xmlns:r="http://schemas.openxmlformats.org/officeDocument/2006/relationships" xmlns:p="http://schemas.openxmlformats.org/presentationml/2006/main">
+  <p:cSld>
+    <p:spTree>
+      <p:nvGrpSpPr>
+        <p:cNvPr id="1" name="Shape 64"/>
+        <p:cNvGrpSpPr/>
+        <p:nvPr/>
+      </p:nvGrpSpPr>
+      <p:grpSpPr>
+        <a:xfrm>
+          <a:off x="0" y="0"/>
+          <a:ext cx="0" cy="0"/>
+          <a:chOff x="0" y="0"/>
+          <a:chExt cx="0" cy="0"/>
+        </a:xfrm>
+      </p:grpSpPr>
       <p:sp>
         <p:nvSpPr>
-          <p:cNvPr id="14" name="Google Shape;166;p29">
-            <a:extLst>
-              <a:ext uri="{FF2B5EF4-FFF2-40B4-BE49-F238E27FC236}">
-                <a16:creationId xmlns:a16="http://schemas.microsoft.com/office/drawing/2014/main" id="{7D75A95C-4101-4696-9026-F5F9342CE9B5}"/>
-              </a:ext>
-            </a:extLst>
-          </p:cNvPr>
+          <p:cNvPr id="65" name="Google Shape;65;p14"/>
           <p:cNvSpPr txBox="1">
             <a:spLocks noGrp="1"/>
           </p:cNvSpPr>
           <p:nvPr>
-            <p:ph type="body" idx="1"/>
+            <p:ph type="title"/>
           </p:nvPr>
         </p:nvSpPr>
         <p:spPr>
           <a:xfrm>
-            <a:off x="0" y="1057050"/>
-            <a:ext cx="8593200" cy="763500"/>
+            <a:off x="311700" y="288567"/>
+            <a:ext cx="8520600" cy="763500"/>
           </a:xfrm>
           <a:prstGeom prst="rect">
             <a:avLst/>
@@ -13958,49 +14082,470 @@
               <a:buNone/>
             </a:pPr>
             <a:r>
-              <a:rPr lang="en" dirty="0"/>
-              <a:t>	</a:t>
+              <a:rPr lang="en"/>
+              <a:t>Thông tin nhóm</a:t>
             </a:r>
+            <a:endParaRPr/>
+          </a:p>
+        </p:txBody>
+      </p:sp>
+      <p:sp>
+        <p:nvSpPr>
+          <p:cNvPr id="66" name="Google Shape;66;p14"/>
+          <p:cNvSpPr txBox="1">
+            <a:spLocks noGrp="1"/>
+          </p:cNvSpPr>
+          <p:nvPr>
+            <p:ph type="body" idx="1"/>
+          </p:nvPr>
+        </p:nvSpPr>
+        <p:spPr>
+          <a:xfrm>
+            <a:off x="311700" y="1536633"/>
+            <a:ext cx="8520600" cy="4555200"/>
+          </a:xfrm>
+          <a:prstGeom prst="rect">
+            <a:avLst/>
+          </a:prstGeom>
+        </p:spPr>
+        <p:txBody>
+          <a:bodyPr spcFirstLastPara="1" wrap="square" lIns="91425" tIns="91425" rIns="91425" bIns="91425" anchor="t" anchorCtr="0">
+            <a:noAutofit/>
+          </a:bodyPr>
+          <a:lstStyle/>
+          <a:p>
+            <a:pPr marL="101600" lvl="0" indent="0" algn="l" rtl="0">
+              <a:spcBef>
+                <a:spcPts val="0"/>
+              </a:spcBef>
+              <a:spcAft>
+                <a:spcPts val="0"/>
+              </a:spcAft>
+              <a:buSzPts val="2000"/>
+              <a:buNone/>
+            </a:pPr>
             <a:r>
-              <a:rPr lang="en" sz="2500" b="1" dirty="0"/>
+              <a:rPr lang="en" sz="2000"/>
+              <a:t>1. Nguyễn Phú Quốc</a:t>
+            </a:r>
+            <a:endParaRPr sz="2000"/>
+          </a:p>
+          <a:p>
+            <a:pPr marL="914400" lvl="0" indent="0" algn="l" rtl="0">
+              <a:spcBef>
+                <a:spcPts val="1600"/>
+              </a:spcBef>
+              <a:spcAft>
+                <a:spcPts val="0"/>
+              </a:spcAft>
+              <a:buNone/>
+            </a:pPr>
+            <a:r>
+              <a:rPr lang="en" sz="2000" i="1">
+                <a:solidFill>
+                  <a:srgbClr val="434343"/>
+                </a:solidFill>
+              </a:rPr>
+              <a:t>18520343 - KHTN2018</a:t>
+            </a:r>
+            <a:endParaRPr sz="2000" i="1">
+              <a:solidFill>
+                <a:srgbClr val="434343"/>
+              </a:solidFill>
+            </a:endParaRPr>
+          </a:p>
+          <a:p>
+            <a:pPr marL="101600" lvl="0" indent="0" algn="l" rtl="0">
+              <a:spcBef>
+                <a:spcPts val="1600"/>
+              </a:spcBef>
+              <a:spcAft>
+                <a:spcPts val="0"/>
+              </a:spcAft>
+              <a:buSzPts val="2000"/>
+              <a:buNone/>
+            </a:pPr>
+            <a:r>
+              <a:rPr lang="en" sz="2000"/>
+              <a:t>2. Trần Trung Anh</a:t>
+            </a:r>
+            <a:endParaRPr sz="2000"/>
+          </a:p>
+          <a:p>
+            <a:pPr marL="914400" lvl="0" indent="0" algn="l" rtl="0">
+              <a:spcBef>
+                <a:spcPts val="1600"/>
+              </a:spcBef>
+              <a:spcAft>
+                <a:spcPts val="0"/>
+              </a:spcAft>
+              <a:buNone/>
+            </a:pPr>
+            <a:r>
+              <a:rPr lang="en" sz="2000" i="1">
+                <a:solidFill>
+                  <a:srgbClr val="434343"/>
+                </a:solidFill>
+              </a:rPr>
+              <a:t>18520473 - KHTN2018</a:t>
+            </a:r>
+            <a:endParaRPr sz="2000" i="1">
+              <a:solidFill>
+                <a:srgbClr val="434343"/>
+              </a:solidFill>
+            </a:endParaRPr>
+          </a:p>
+          <a:p>
+            <a:pPr marL="101600" lvl="0" indent="0" algn="l" rtl="0">
+              <a:spcBef>
+                <a:spcPts val="1600"/>
+              </a:spcBef>
+              <a:spcAft>
+                <a:spcPts val="0"/>
+              </a:spcAft>
+              <a:buSzPts val="2000"/>
+              <a:buNone/>
+            </a:pPr>
+            <a:r>
+              <a:rPr lang="en" sz="2000"/>
+              <a:t>3. Nguyễn Văn Tiến</a:t>
+            </a:r>
+            <a:endParaRPr sz="2000"/>
+          </a:p>
+          <a:p>
+            <a:pPr marL="914400" lvl="0" indent="0" algn="l" rtl="0">
+              <a:spcBef>
+                <a:spcPts val="1600"/>
+              </a:spcBef>
+              <a:spcAft>
+                <a:spcPts val="1600"/>
+              </a:spcAft>
+              <a:buNone/>
+            </a:pPr>
+            <a:r>
+              <a:rPr lang="en" sz="2000" i="1">
+                <a:solidFill>
+                  <a:srgbClr val="434343"/>
+                </a:solidFill>
+              </a:rPr>
+              <a:t>18521489 - KHTN2018</a:t>
+            </a:r>
+            <a:endParaRPr sz="2000" i="1">
+              <a:solidFill>
+                <a:srgbClr val="434343"/>
+              </a:solidFill>
+            </a:endParaRPr>
+          </a:p>
+        </p:txBody>
+      </p:sp>
+      <p:sp>
+        <p:nvSpPr>
+          <p:cNvPr id="2" name="Slide Number Placeholder 1">
+            <a:extLst>
+              <a:ext uri="{FF2B5EF4-FFF2-40B4-BE49-F238E27FC236}">
+                <a16:creationId xmlns:a16="http://schemas.microsoft.com/office/drawing/2014/main" id="{2E777B5E-6540-4E96-A562-459C1DA42421}"/>
+              </a:ext>
+            </a:extLst>
+          </p:cNvPr>
+          <p:cNvSpPr>
+            <a:spLocks noGrp="1"/>
+          </p:cNvSpPr>
+          <p:nvPr>
+            <p:ph type="sldNum" idx="12"/>
+          </p:nvPr>
+        </p:nvSpPr>
+        <p:spPr/>
+        <p:txBody>
+          <a:bodyPr/>
+          <a:lstStyle/>
+          <a:p>
+            <a:pPr marL="0" lvl="0" indent="0" algn="r" rtl="0">
+              <a:spcBef>
+                <a:spcPts val="0"/>
+              </a:spcBef>
+              <a:spcAft>
+                <a:spcPts val="0"/>
+              </a:spcAft>
+              <a:buNone/>
+            </a:pPr>
+            <a:fld id="{00000000-1234-1234-1234-123412341234}" type="slidenum">
+              <a:rPr lang="en" smtClean="0"/>
+              <a:t>2</a:t>
+            </a:fld>
+            <a:endParaRPr lang="en"/>
+          </a:p>
+        </p:txBody>
+      </p:sp>
+      <p:sp>
+        <p:nvSpPr>
+          <p:cNvPr id="3" name="Hộp Văn bản 2">
+            <a:extLst>
+              <a:ext uri="{FF2B5EF4-FFF2-40B4-BE49-F238E27FC236}">
+                <a16:creationId xmlns:a16="http://schemas.microsoft.com/office/drawing/2014/main" id="{DCBEF49B-8ADB-4CD3-A713-E494B62D0F31}"/>
+              </a:ext>
+            </a:extLst>
+          </p:cNvPr>
+          <p:cNvSpPr txBox="1"/>
+          <p:nvPr/>
+        </p:nvSpPr>
+        <p:spPr>
+          <a:xfrm>
+            <a:off x="1342103" y="5954673"/>
+            <a:ext cx="6459794" cy="400110"/>
+          </a:xfrm>
+          <a:prstGeom prst="rect">
+            <a:avLst/>
+          </a:prstGeom>
+          <a:noFill/>
+        </p:spPr>
+        <p:txBody>
+          <a:bodyPr wrap="square" rtlCol="0">
+            <a:spAutoFit/>
+          </a:bodyPr>
+          <a:lstStyle/>
+          <a:p>
+            <a:r>
+              <a:rPr lang="vi-VN" sz="2000" b="1"/>
+              <a:t>https://github.com/tiennvuit/CS112.L11.KHTN</a:t>
+            </a:r>
+          </a:p>
+        </p:txBody>
+      </p:sp>
+    </p:spTree>
+  </p:cSld>
+  <p:clrMapOvr>
+    <a:masterClrMapping/>
+  </p:clrMapOvr>
+</p:sld>
+</file>
+
+<file path=ppt/slides/slide20.xml><?xml version="1.0" encoding="utf-8"?>
+<p:sld xmlns:a="http://schemas.openxmlformats.org/drawingml/2006/main" xmlns:r="http://schemas.openxmlformats.org/officeDocument/2006/relationships" xmlns:p="http://schemas.openxmlformats.org/presentationml/2006/main">
+  <p:cSld>
+    <p:spTree>
+      <p:nvGrpSpPr>
+        <p:cNvPr id="1" name="Shape 158"/>
+        <p:cNvGrpSpPr/>
+        <p:nvPr/>
+      </p:nvGrpSpPr>
+      <p:grpSpPr>
+        <a:xfrm>
+          <a:off x="0" y="0"/>
+          <a:ext cx="0" cy="0"/>
+          <a:chOff x="0" y="0"/>
+          <a:chExt cx="0" cy="0"/>
+        </a:xfrm>
+      </p:grpSpPr>
+      <p:sp>
+        <p:nvSpPr>
+          <p:cNvPr id="159" name="Google Shape;159;p28"/>
+          <p:cNvSpPr txBox="1">
+            <a:spLocks noGrp="1"/>
+          </p:cNvSpPr>
+          <p:nvPr>
+            <p:ph type="title"/>
+          </p:nvPr>
+        </p:nvSpPr>
+        <p:spPr>
+          <a:xfrm>
+            <a:off x="311700" y="288567"/>
+            <a:ext cx="8520600" cy="763500"/>
+          </a:xfrm>
+          <a:prstGeom prst="rect">
+            <a:avLst/>
+          </a:prstGeom>
+        </p:spPr>
+        <p:txBody>
+          <a:bodyPr spcFirstLastPara="1" wrap="square" lIns="91425" tIns="91425" rIns="91425" bIns="91425" anchor="t" anchorCtr="0">
+            <a:noAutofit/>
+          </a:bodyPr>
+          <a:lstStyle/>
+          <a:p>
+            <a:pPr marL="0" lvl="0" indent="0" algn="l" rtl="0">
+              <a:spcBef>
+                <a:spcPts val="0"/>
+              </a:spcBef>
+              <a:spcAft>
+                <a:spcPts val="0"/>
+              </a:spcAft>
+              <a:buClr>
+                <a:schemeClr val="dk1"/>
+              </a:buClr>
+              <a:buSzPts val="1100"/>
+              <a:buFont typeface="Arial"/>
+              <a:buNone/>
+            </a:pPr>
+            <a:r>
+              <a:rPr lang="en"/>
+              <a:t>2. Các bài toán điển hình</a:t>
+            </a:r>
+            <a:endParaRPr/>
+          </a:p>
+          <a:p>
+            <a:pPr marL="0" lvl="0" indent="0" algn="l" rtl="0">
+              <a:spcBef>
+                <a:spcPts val="0"/>
+              </a:spcBef>
+              <a:spcAft>
+                <a:spcPts val="0"/>
+              </a:spcAft>
+              <a:buClr>
+                <a:schemeClr val="dk1"/>
+              </a:buClr>
+              <a:buSzPts val="1100"/>
+              <a:buFont typeface="Arial"/>
+              <a:buNone/>
+            </a:pPr>
+            <a:endParaRPr/>
+          </a:p>
+          <a:p>
+            <a:pPr marL="0" lvl="0" indent="0" algn="l" rtl="0">
+              <a:spcBef>
+                <a:spcPts val="0"/>
+              </a:spcBef>
+              <a:spcAft>
+                <a:spcPts val="0"/>
+              </a:spcAft>
+              <a:buClr>
+                <a:schemeClr val="dk1"/>
+              </a:buClr>
+              <a:buSzPts val="1100"/>
+              <a:buFont typeface="Arial"/>
+              <a:buNone/>
+            </a:pPr>
+            <a:endParaRPr/>
+          </a:p>
+          <a:p>
+            <a:pPr marL="0" lvl="0" indent="0" algn="l" rtl="0">
+              <a:spcBef>
+                <a:spcPts val="0"/>
+              </a:spcBef>
+              <a:spcAft>
+                <a:spcPts val="0"/>
+              </a:spcAft>
+              <a:buNone/>
+            </a:pPr>
+            <a:endParaRPr/>
+          </a:p>
+        </p:txBody>
+      </p:sp>
+      <p:sp>
+        <p:nvSpPr>
+          <p:cNvPr id="160" name="Google Shape;160;p28"/>
+          <p:cNvSpPr txBox="1">
+            <a:spLocks noGrp="1"/>
+          </p:cNvSpPr>
+          <p:nvPr>
+            <p:ph type="body" idx="1"/>
+          </p:nvPr>
+        </p:nvSpPr>
+        <p:spPr>
+          <a:xfrm>
+            <a:off x="311700" y="1536633"/>
+            <a:ext cx="8520600" cy="4555200"/>
+          </a:xfrm>
+          <a:prstGeom prst="rect">
+            <a:avLst/>
+          </a:prstGeom>
+        </p:spPr>
+        <p:txBody>
+          <a:bodyPr spcFirstLastPara="1" wrap="square" lIns="91425" tIns="91425" rIns="91425" bIns="91425" anchor="t" anchorCtr="0">
+            <a:noAutofit/>
+          </a:bodyPr>
+          <a:lstStyle/>
+          <a:p>
+            <a:pPr marL="0" lvl="0" indent="457200" algn="l" rtl="0">
+              <a:spcBef>
+                <a:spcPts val="0"/>
+              </a:spcBef>
+              <a:spcAft>
+                <a:spcPts val="0"/>
+              </a:spcAft>
+              <a:buNone/>
+            </a:pPr>
+            <a:r>
+              <a:rPr lang="en" sz="2500" b="1">
+                <a:solidFill>
+                  <a:schemeClr val="dk1"/>
+                </a:solidFill>
+              </a:rPr>
               <a:t>Karatsuba’s algorithm</a:t>
             </a:r>
-            <a:endParaRPr sz="2500" b="1" dirty="0"/>
-          </a:p>
-          <a:p>
-            <a:pPr marL="0" lvl="0" indent="0" algn="l" rtl="0">
-              <a:spcBef>
-                <a:spcPts val="1600"/>
+          </a:p>
+          <a:p>
+            <a:pPr marL="0" lvl="0" indent="457200" algn="l" rtl="0">
+              <a:spcBef>
+                <a:spcPts val="0"/>
               </a:spcBef>
               <a:spcAft>
                 <a:spcPts val="0"/>
               </a:spcAft>
               <a:buNone/>
             </a:pPr>
-            <a:endParaRPr sz="2000" dirty="0"/>
-          </a:p>
-          <a:p>
-            <a:pPr marL="0" lvl="0" indent="0" algn="l" rtl="0">
-              <a:spcBef>
-                <a:spcPts val="1600"/>
-              </a:spcBef>
-              <a:spcAft>
-                <a:spcPts val="1600"/>
-              </a:spcAft>
-              <a:buNone/>
-            </a:pPr>
-            <a:endParaRPr sz="2000" dirty="0"/>
+            <a:r>
+              <a:rPr lang="vi-VN" sz="2000">
+                <a:solidFill>
+                  <a:schemeClr val="dk1"/>
+                </a:solidFill>
+                <a:latin typeface="+mn-lt"/>
+              </a:rPr>
+              <a:t>Thực hiện phép nhân</a:t>
+            </a:r>
+            <a:endParaRPr lang="en-US" sz="2000">
+              <a:solidFill>
+                <a:schemeClr val="dk1"/>
+              </a:solidFill>
+              <a:latin typeface="+mn-lt"/>
+            </a:endParaRPr>
           </a:p>
         </p:txBody>
       </p:sp>
-      <mc:AlternateContent xmlns:mc="http://schemas.openxmlformats.org/markup-compatibility/2006" xmlns:a14="http://schemas.microsoft.com/office/drawing/2010/main">
-        <mc:Choice Requires="a14">
+      <p:sp>
+        <p:nvSpPr>
+          <p:cNvPr id="2" name="Slide Number Placeholder 1">
+            <a:extLst>
+              <a:ext uri="{FF2B5EF4-FFF2-40B4-BE49-F238E27FC236}">
+                <a16:creationId xmlns:a16="http://schemas.microsoft.com/office/drawing/2014/main" id="{650D315D-83CB-4722-B42F-45483F06D272}"/>
+              </a:ext>
+            </a:extLst>
+          </p:cNvPr>
+          <p:cNvSpPr>
+            <a:spLocks noGrp="1"/>
+          </p:cNvSpPr>
+          <p:nvPr>
+            <p:ph type="sldNum" idx="12"/>
+          </p:nvPr>
+        </p:nvSpPr>
+        <p:spPr/>
+        <p:txBody>
+          <a:bodyPr/>
+          <a:lstStyle/>
+          <a:p>
+            <a:pPr marL="0" lvl="0" indent="0" algn="r" rtl="0">
+              <a:spcBef>
+                <a:spcPts val="0"/>
+              </a:spcBef>
+              <a:spcAft>
+                <a:spcPts val="0"/>
+              </a:spcAft>
+              <a:buNone/>
+            </a:pPr>
+            <a:fld id="{00000000-1234-1234-1234-123412341234}" type="slidenum">
+              <a:rPr lang="en" smtClean="0"/>
+              <a:t>20</a:t>
+            </a:fld>
+            <a:endParaRPr lang="en"/>
+          </a:p>
+        </p:txBody>
+      </p:sp>
+      <mc:AlternateContent xmlns:mc="http://schemas.openxmlformats.org/markup-compatibility/2006">
+        <mc:Choice xmlns:a14="http://schemas.microsoft.com/office/drawing/2010/main" Requires="a14">
           <p:sp>
             <p:nvSpPr>
-              <p:cNvPr id="3" name="TextBox 2">
+              <p:cNvPr id="6" name="TextBox 5">
                 <a:extLst>
                   <a:ext uri="{FF2B5EF4-FFF2-40B4-BE49-F238E27FC236}">
-                    <a16:creationId xmlns:a16="http://schemas.microsoft.com/office/drawing/2014/main" id="{AC2915E2-BD05-4973-A254-2E113FF7364B}"/>
+                    <a16:creationId xmlns:a16="http://schemas.microsoft.com/office/drawing/2014/main" id="{78D2EBF3-E9CD-4E55-AD9F-B8EDCAD59579}"/>
                   </a:ext>
                 </a:extLst>
               </p:cNvPr>
@@ -14009,7 +14554,7 @@
             </p:nvSpPr>
             <p:spPr>
               <a:xfrm>
-                <a:off x="1195754" y="5973783"/>
+                <a:off x="884248" y="5563058"/>
                 <a:ext cx="6358597" cy="446020"/>
               </a:xfrm>
               <a:prstGeom prst="rect">
@@ -14124,13 +14669,13 @@
             </p:txBody>
           </p:sp>
         </mc:Choice>
-        <mc:Fallback xmlns="">
+        <mc:Fallback>
           <p:sp>
             <p:nvSpPr>
-              <p:cNvPr id="3" name="TextBox 2">
+              <p:cNvPr id="6" name="TextBox 5">
                 <a:extLst>
                   <a:ext uri="{FF2B5EF4-FFF2-40B4-BE49-F238E27FC236}">
-                    <a16:creationId xmlns:a16="http://schemas.microsoft.com/office/drawing/2014/main" id="{AC2915E2-BD05-4973-A254-2E113FF7364B}"/>
+                    <a16:creationId xmlns:a16="http://schemas.microsoft.com/office/drawing/2014/main" id="{78D2EBF3-E9CD-4E55-AD9F-B8EDCAD59579}"/>
                   </a:ext>
                 </a:extLst>
               </p:cNvPr>
@@ -14141,14 +14686,14 @@
             </p:nvSpPr>
             <p:spPr>
               <a:xfrm>
-                <a:off x="1195754" y="5973783"/>
+                <a:off x="884248" y="5563058"/>
                 <a:ext cx="6358597" cy="446020"/>
               </a:xfrm>
               <a:prstGeom prst="rect">
                 <a:avLst/>
               </a:prstGeom>
               <a:blipFill>
-                <a:blip r:embed="rId4"/>
+                <a:blip r:embed="rId3"/>
                 <a:stretch>
                   <a:fillRect l="-1246" t="-5479" b="-27397"/>
                 </a:stretch>
@@ -14159,7 +14704,7 @@
               <a:lstStyle/>
               <a:p>
                 <a:r>
-                  <a:rPr lang="en-US">
+                  <a:rPr lang="en-GB">
                     <a:noFill/>
                   </a:rPr>
                   <a:t> </a:t>
@@ -14169,10 +14714,201 @@
           </p:sp>
         </mc:Fallback>
       </mc:AlternateContent>
+      <mc:AlternateContent xmlns:mc="http://schemas.openxmlformats.org/markup-compatibility/2006">
+        <mc:Choice xmlns:a14="http://schemas.microsoft.com/office/drawing/2010/main" Requires="a14">
+          <p:sp>
+            <p:nvSpPr>
+              <p:cNvPr id="3" name="TextBox 2">
+                <a:extLst>
+                  <a:ext uri="{FF2B5EF4-FFF2-40B4-BE49-F238E27FC236}">
+                    <a16:creationId xmlns:a16="http://schemas.microsoft.com/office/drawing/2014/main" id="{14F2DBC8-19C2-4525-8803-2E67BFC0B317}"/>
+                  </a:ext>
+                </a:extLst>
+              </p:cNvPr>
+              <p:cNvSpPr txBox="1"/>
+              <p:nvPr/>
+            </p:nvSpPr>
+            <p:spPr>
+              <a:xfrm>
+                <a:off x="2951308" y="2291270"/>
+                <a:ext cx="2313151" cy="307777"/>
+              </a:xfrm>
+              <a:prstGeom prst="rect">
+                <a:avLst/>
+              </a:prstGeom>
+              <a:noFill/>
+            </p:spPr>
+            <p:txBody>
+              <a:bodyPr wrap="square" lIns="0" tIns="0" rIns="0" bIns="0" rtlCol="0">
+                <a:spAutoFit/>
+              </a:bodyPr>
+              <a:lstStyle/>
+              <a:p>
+                <a14:m>
+                  <m:oMathPara xmlns:m="http://schemas.openxmlformats.org/officeDocument/2006/math">
+                    <m:oMathParaPr>
+                      <m:jc m:val="centerGroup"/>
+                    </m:oMathParaPr>
+                    <m:oMath xmlns:m="http://schemas.openxmlformats.org/officeDocument/2006/math">
+                      <m:r>
+                        <a:rPr lang="en-GB" sz="2000" smtClean="0">
+                          <a:latin typeface="Cambria Math" panose="02040503050406030204" pitchFamily="18" charset="0"/>
+                        </a:rPr>
+                        <m:t>12345</m:t>
+                      </m:r>
+                      <m:r>
+                        <a:rPr lang="en-GB" sz="2000" i="0">
+                          <a:latin typeface="Cambria Math" panose="02040503050406030204" pitchFamily="18" charset="0"/>
+                        </a:rPr>
+                        <m:t>⋅6789</m:t>
+                      </m:r>
+                    </m:oMath>
+                  </m:oMathPara>
+                </a14:m>
+                <a:endParaRPr lang="en-GB" sz="2000"/>
+              </a:p>
+            </p:txBody>
+          </p:sp>
+        </mc:Choice>
+        <mc:Fallback>
+          <p:sp>
+            <p:nvSpPr>
+              <p:cNvPr id="3" name="TextBox 2">
+                <a:extLst>
+                  <a:ext uri="{FF2B5EF4-FFF2-40B4-BE49-F238E27FC236}">
+                    <a16:creationId xmlns:a16="http://schemas.microsoft.com/office/drawing/2014/main" id="{14F2DBC8-19C2-4525-8803-2E67BFC0B317}"/>
+                  </a:ext>
+                </a:extLst>
+              </p:cNvPr>
+              <p:cNvSpPr txBox="1">
+                <a:spLocks noRot="1" noChangeAspect="1" noMove="1" noResize="1" noEditPoints="1" noAdjustHandles="1" noChangeArrowheads="1" noChangeShapeType="1" noTextEdit="1"/>
+              </p:cNvSpPr>
+              <p:nvPr/>
+            </p:nvSpPr>
+            <p:spPr>
+              <a:xfrm>
+                <a:off x="2951308" y="2291270"/>
+                <a:ext cx="2313151" cy="307777"/>
+              </a:xfrm>
+              <a:prstGeom prst="rect">
+                <a:avLst/>
+              </a:prstGeom>
+              <a:blipFill>
+                <a:blip r:embed="rId4"/>
+                <a:stretch>
+                  <a:fillRect b="-12000"/>
+                </a:stretch>
+              </a:blipFill>
+            </p:spPr>
+            <p:txBody>
+              <a:bodyPr/>
+              <a:lstStyle/>
+              <a:p>
+                <a:r>
+                  <a:rPr lang="en-GB">
+                    <a:noFill/>
+                  </a:rPr>
+                  <a:t> </a:t>
+                </a:r>
+              </a:p>
+            </p:txBody>
+          </p:sp>
+        </mc:Fallback>
+      </mc:AlternateContent>
+      <p:pic>
+        <p:nvPicPr>
+          <p:cNvPr id="13" name="Picture 12" descr="A screenshot of a text message&#10;&#10;Description automatically generated with low confidence">
+            <a:extLst>
+              <a:ext uri="{FF2B5EF4-FFF2-40B4-BE49-F238E27FC236}">
+                <a16:creationId xmlns:a16="http://schemas.microsoft.com/office/drawing/2014/main" id="{7CEC3BD4-EB32-4B14-A990-88AC4CCDEA20}"/>
+              </a:ext>
+            </a:extLst>
+          </p:cNvPr>
+          <p:cNvPicPr>
+            <a:picLocks noChangeAspect="1"/>
+          </p:cNvPicPr>
+          <p:nvPr/>
+        </p:nvPicPr>
+        <p:blipFill>
+          <a:blip r:embed="rId5"/>
+          <a:stretch>
+            <a:fillRect/>
+          </a:stretch>
+        </p:blipFill>
+        <p:spPr>
+          <a:xfrm>
+            <a:off x="711430" y="2725961"/>
+            <a:ext cx="2631079" cy="750137"/>
+          </a:xfrm>
+          <a:prstGeom prst="rect">
+            <a:avLst/>
+          </a:prstGeom>
+        </p:spPr>
+      </p:pic>
+      <p:pic>
+        <p:nvPicPr>
+          <p:cNvPr id="15" name="Picture 14" descr="Text&#10;&#10;Description automatically generated with low confidence">
+            <a:extLst>
+              <a:ext uri="{FF2B5EF4-FFF2-40B4-BE49-F238E27FC236}">
+                <a16:creationId xmlns:a16="http://schemas.microsoft.com/office/drawing/2014/main" id="{BB213CED-04A7-4DC7-B9F0-449DDE16A6D6}"/>
+              </a:ext>
+            </a:extLst>
+          </p:cNvPr>
+          <p:cNvPicPr>
+            <a:picLocks noChangeAspect="1"/>
+          </p:cNvPicPr>
+          <p:nvPr/>
+        </p:nvPicPr>
+        <p:blipFill>
+          <a:blip r:embed="rId6"/>
+          <a:stretch>
+            <a:fillRect/>
+          </a:stretch>
+        </p:blipFill>
+        <p:spPr>
+          <a:xfrm>
+            <a:off x="884248" y="3539555"/>
+            <a:ext cx="8259752" cy="1062414"/>
+          </a:xfrm>
+          <a:prstGeom prst="rect">
+            <a:avLst/>
+          </a:prstGeom>
+        </p:spPr>
+      </p:pic>
+      <p:pic>
+        <p:nvPicPr>
+          <p:cNvPr id="17" name="Picture 16" descr="Text&#10;&#10;Description automatically generated">
+            <a:extLst>
+              <a:ext uri="{FF2B5EF4-FFF2-40B4-BE49-F238E27FC236}">
+                <a16:creationId xmlns:a16="http://schemas.microsoft.com/office/drawing/2014/main" id="{C934FF89-F9C9-4A7E-8A22-26A9011BC8DD}"/>
+              </a:ext>
+            </a:extLst>
+          </p:cNvPr>
+          <p:cNvPicPr>
+            <a:picLocks noChangeAspect="1"/>
+          </p:cNvPicPr>
+          <p:nvPr/>
+        </p:nvPicPr>
+        <p:blipFill>
+          <a:blip r:embed="rId7"/>
+          <a:stretch>
+            <a:fillRect/>
+          </a:stretch>
+        </p:blipFill>
+        <p:spPr>
+          <a:xfrm>
+            <a:off x="652147" y="4660197"/>
+            <a:ext cx="5299974" cy="749598"/>
+          </a:xfrm>
+          <a:prstGeom prst="rect">
+            <a:avLst/>
+          </a:prstGeom>
+        </p:spPr>
+      </p:pic>
     </p:spTree>
     <p:extLst>
       <p:ext uri="{BB962C8B-B14F-4D97-AF65-F5344CB8AC3E}">
-        <p14:creationId xmlns:p14="http://schemas.microsoft.com/office/powerpoint/2010/main" val="329337405"/>
+        <p14:creationId xmlns:p14="http://schemas.microsoft.com/office/powerpoint/2010/main" val="4204138118"/>
       </p:ext>
     </p:extLst>
   </p:cSld>
@@ -14182,7 +14918,7 @@
 </p:sld>
 </file>
 
-<file path=ppt/slides/slide23.xml><?xml version="1.0" encoding="utf-8"?>
+<file path=ppt/slides/slide21.xml><?xml version="1.0" encoding="utf-8"?>
 <p:sld xmlns:a="http://schemas.openxmlformats.org/drawingml/2006/main" xmlns:r="http://schemas.openxmlformats.org/officeDocument/2006/relationships" xmlns:p="http://schemas.openxmlformats.org/presentationml/2006/main">
   <p:cSld>
     <p:spTree>
@@ -14253,7 +14989,7 @@
         </p:nvSpPr>
         <p:spPr>
           <a:xfrm>
-            <a:off x="311700" y="1536633"/>
+            <a:off x="311700" y="1288058"/>
             <a:ext cx="8520600" cy="5032800"/>
           </a:xfrm>
           <a:prstGeom prst="rect">
@@ -14297,10 +15033,9 @@
               <a:buChar char="●"/>
             </a:pPr>
             <a:r>
-              <a:rPr lang="en" sz="2000"/>
-              <a:t>Có thể giải quyết những vấn đề khó với độ phức tạp không quá lớn.</a:t>
+              <a:rPr lang="vi-VN" sz="2000"/>
+              <a:t>Độ phức tạp thường thấp hơn cách tiếp cận Brute-Force.</a:t>
             </a:r>
-            <a:endParaRPr lang="vi-VN" sz="2000"/>
           </a:p>
           <a:p>
             <a:pPr marL="457200" lvl="0" indent="-355600" algn="l" rtl="0">
@@ -14347,7 +15082,23 @@
                   <a:schemeClr val="dk1"/>
                 </a:solidFill>
               </a:rPr>
-              <a:t>Các bài toán khi được chia nhỏ có thể được xử lý song song trên các luồng, tiến trình chạy song song.</a:t>
+              <a:t>Các bài toán khi được chia nhỏ có thể được xử lý song song trên các luồng, tiến </a:t>
+            </a:r>
+            <a:r>
+              <a:rPr lang="vi-VN" sz="1600">
+                <a:solidFill>
+                  <a:schemeClr val="dk1"/>
+                </a:solidFill>
+              </a:rPr>
+              <a:t>	</a:t>
+            </a:r>
+            <a:r>
+              <a:rPr lang="en-US" sz="1600">
+                <a:solidFill>
+                  <a:schemeClr val="dk1"/>
+                </a:solidFill>
+              </a:rPr>
+              <a:t>trình chạy song song.</a:t>
             </a:r>
             <a:endParaRPr lang="vi-VN" sz="2000">
               <a:solidFill>
@@ -14406,7 +15157,23 @@
                   <a:schemeClr val="dk1"/>
                 </a:solidFill>
               </a:rPr>
-              <a:t>Các bài toán cong có kích thước nhỏ hơn được thao tác trên bộ nhớ có tốc độ truy xuất nhanh(cache, thanh ghi) thay vì sử dụng các bộ nhớ lưu trữ RAM</a:t>
+              <a:t>Các bài toán con có kích thước nhỏ hơn được thao tác trên bộ nhớ có tốc độ </a:t>
+            </a:r>
+            <a:r>
+              <a:rPr lang="vi-VN" sz="1600">
+                <a:solidFill>
+                  <a:schemeClr val="dk1"/>
+                </a:solidFill>
+              </a:rPr>
+              <a:t>	</a:t>
+            </a:r>
+            <a:r>
+              <a:rPr lang="en" sz="1600">
+                <a:solidFill>
+                  <a:schemeClr val="dk1"/>
+                </a:solidFill>
+              </a:rPr>
+              <a:t>truy xuất nhanh(cache, thanh ghi) thay vì sử dụng các bộ nhớ lưu trữ RAM</a:t>
             </a:r>
             <a:r>
               <a:rPr lang="en" sz="2000">
@@ -14476,7 +15243,7 @@
             </a:pPr>
             <a:fld id="{00000000-1234-1234-1234-123412341234}" type="slidenum">
               <a:rPr lang="en" smtClean="0"/>
-              <a:t>23</a:t>
+              <a:t>21</a:t>
             </a:fld>
             <a:endParaRPr lang="en"/>
           </a:p>
@@ -14490,7 +15257,7 @@
 </p:sld>
 </file>
 
-<file path=ppt/slides/slide24.xml><?xml version="1.0" encoding="utf-8"?>
+<file path=ppt/slides/slide22.xml><?xml version="1.0" encoding="utf-8"?>
 <p:sld xmlns:a="http://schemas.openxmlformats.org/drawingml/2006/main" xmlns:r="http://schemas.openxmlformats.org/officeDocument/2006/relationships" xmlns:p="http://schemas.openxmlformats.org/presentationml/2006/main">
   <p:cSld>
     <p:spTree>
@@ -14519,7 +15286,7 @@
         </p:nvSpPr>
         <p:spPr>
           <a:xfrm>
-            <a:off x="311700" y="1184821"/>
+            <a:off x="311700" y="1278080"/>
             <a:ext cx="8520600" cy="5384611"/>
           </a:xfrm>
           <a:prstGeom prst="rect">
@@ -14546,10 +15313,10 @@
               <a:t>	</a:t>
             </a:r>
             <a:r>
-              <a:rPr lang="en" sz="2800" b="1" dirty="0"/>
+              <a:rPr lang="en" sz="2500" b="1" dirty="0"/>
               <a:t>Nhược điểm</a:t>
             </a:r>
-            <a:endParaRPr sz="2800" b="1" dirty="0"/>
+            <a:endParaRPr sz="2500" b="1" dirty="0"/>
           </a:p>
           <a:p>
             <a:pPr marL="457200" lvl="0" indent="-342900" algn="l" rtl="0">
@@ -14722,7 +15489,7 @@
             </a:pPr>
             <a:fld id="{00000000-1234-1234-1234-123412341234}" type="slidenum">
               <a:rPr lang="en" smtClean="0"/>
-              <a:t>24</a:t>
+              <a:t>22</a:t>
             </a:fld>
             <a:endParaRPr lang="en"/>
           </a:p>
@@ -14736,7 +15503,7 @@
 </p:sld>
 </file>
 
-<file path=ppt/slides/slide25.xml><?xml version="1.0" encoding="utf-8"?>
+<file path=ppt/slides/slide23.xml><?xml version="1.0" encoding="utf-8"?>
 <p:sld xmlns:a="http://schemas.openxmlformats.org/drawingml/2006/main" xmlns:r="http://schemas.openxmlformats.org/officeDocument/2006/relationships" xmlns:p="http://schemas.openxmlformats.org/presentationml/2006/main">
   <p:cSld>
     <p:spTree>
@@ -14789,7 +15556,23 @@
             </a:pPr>
             <a:r>
               <a:rPr lang="en" dirty="0"/>
-              <a:t>4. Khi nào dùng chia và trị?</a:t>
+              <a:t>4. Khi nào </a:t>
+            </a:r>
+            <a:r>
+              <a:rPr lang="en"/>
+              <a:t>dùng </a:t>
+            </a:r>
+            <a:r>
+              <a:rPr lang="vi-VN"/>
+              <a:t>C</a:t>
+            </a:r>
+            <a:r>
+              <a:rPr lang="en"/>
+              <a:t>hia </a:t>
+            </a:r>
+            <a:r>
+              <a:rPr lang="en" dirty="0"/>
+              <a:t>và trị?</a:t>
             </a:r>
             <a:endParaRPr dirty="0"/>
           </a:p>
@@ -14827,7 +15610,7 @@
             </a:pPr>
             <a:fld id="{00000000-1234-1234-1234-123412341234}" type="slidenum">
               <a:rPr lang="en" smtClean="0"/>
-              <a:t>25</a:t>
+              <a:t>23</a:t>
             </a:fld>
             <a:endParaRPr lang="en"/>
           </a:p>
@@ -14868,7 +15651,7 @@
             </a:r>
             <a:r>
               <a:rPr lang="vi-VN" sz="2000" b="1"/>
-              <a:t>không gói nhau </a:t>
+              <a:t>không gối nhau </a:t>
             </a:r>
             <a:r>
               <a:rPr lang="vi-VN" sz="2000"/>
@@ -14949,7 +15732,7 @@
 </p:sld>
 </file>
 
-<file path=ppt/slides/slide26.xml><?xml version="1.0" encoding="utf-8"?>
+<file path=ppt/slides/slide24.xml><?xml version="1.0" encoding="utf-8"?>
 <p:sld xmlns:a="http://schemas.openxmlformats.org/drawingml/2006/main" xmlns:r="http://schemas.openxmlformats.org/officeDocument/2006/relationships" xmlns:p="http://schemas.openxmlformats.org/presentationml/2006/main">
   <p:cSld>
     <p:spTree>
@@ -15104,25 +15887,7 @@
                       <a:rPr lang="vi-VN" i="1" dirty="0" smtClean="0">
                         <a:latin typeface="Cambria Math" panose="02040503050406030204" pitchFamily="18" charset="0"/>
                       </a:rPr>
-                      <m:t>(</m:t>
-                    </m:r>
-                    <m:r>
-                      <a:rPr lang="vi-VN" i="1" dirty="0" smtClean="0">
-                        <a:latin typeface="Cambria Math" panose="02040503050406030204" pitchFamily="18" charset="0"/>
-                      </a:rPr>
-                      <m:t>1</m:t>
-                    </m:r>
-                    <m:r>
-                      <a:rPr lang="vi-VN" i="1" dirty="0" smtClean="0">
-                        <a:latin typeface="Cambria Math" panose="02040503050406030204" pitchFamily="18" charset="0"/>
-                      </a:rPr>
-                      <m:t>) = </m:t>
-                    </m:r>
-                    <m:r>
-                      <a:rPr lang="vi-VN" i="1" dirty="0" smtClean="0">
-                        <a:latin typeface="Cambria Math" panose="02040503050406030204" pitchFamily="18" charset="0"/>
-                      </a:rPr>
-                      <m:t>1</m:t>
+                      <m:t>(1) = 1</m:t>
                     </m:r>
                   </m:oMath>
                 </a14:m>
@@ -15151,25 +15916,7 @@
                       <a:rPr lang="vi-VN" i="1" dirty="0" smtClean="0">
                         <a:latin typeface="Cambria Math" panose="02040503050406030204" pitchFamily="18" charset="0"/>
                       </a:rPr>
-                      <m:t>(</m:t>
-                    </m:r>
-                    <m:r>
-                      <a:rPr lang="vi-VN" i="1" dirty="0" smtClean="0">
-                        <a:latin typeface="Cambria Math" panose="02040503050406030204" pitchFamily="18" charset="0"/>
-                      </a:rPr>
-                      <m:t>2</m:t>
-                    </m:r>
-                    <m:r>
-                      <a:rPr lang="vi-VN" i="1" dirty="0" smtClean="0">
-                        <a:latin typeface="Cambria Math" panose="02040503050406030204" pitchFamily="18" charset="0"/>
-                      </a:rPr>
-                      <m:t>) = </m:t>
-                    </m:r>
-                    <m:r>
-                      <a:rPr lang="vi-VN" i="1" dirty="0" smtClean="0">
-                        <a:latin typeface="Cambria Math" panose="02040503050406030204" pitchFamily="18" charset="0"/>
-                      </a:rPr>
-                      <m:t>1</m:t>
+                      <m:t>(2) = 1</m:t>
                     </m:r>
                   </m:oMath>
                 </a14:m>
@@ -15234,19 +15981,7 @@
                       <a:rPr lang="vi-VN" i="1" dirty="0" smtClean="0">
                         <a:latin typeface="Cambria Math" panose="02040503050406030204" pitchFamily="18" charset="0"/>
                       </a:rPr>
-                      <m:t> − </m:t>
-                    </m:r>
-                    <m:r>
-                      <a:rPr lang="vi-VN" i="1" dirty="0" smtClean="0">
-                        <a:latin typeface="Cambria Math" panose="02040503050406030204" pitchFamily="18" charset="0"/>
-                      </a:rPr>
-                      <m:t>1</m:t>
-                    </m:r>
-                    <m:r>
-                      <a:rPr lang="vi-VN" i="1" dirty="0" smtClean="0">
-                        <a:latin typeface="Cambria Math" panose="02040503050406030204" pitchFamily="18" charset="0"/>
-                      </a:rPr>
-                      <m:t>) + </m:t>
+                      <m:t> − 1) + </m:t>
                     </m:r>
                     <m:r>
                       <a:rPr lang="vi-VN" i="1" dirty="0" smtClean="0">
@@ -15270,19 +16005,7 @@
                       <a:rPr lang="vi-VN" i="1" dirty="0" smtClean="0">
                         <a:latin typeface="Cambria Math" panose="02040503050406030204" pitchFamily="18" charset="0"/>
                       </a:rPr>
-                      <m:t> − </m:t>
-                    </m:r>
-                    <m:r>
-                      <a:rPr lang="vi-VN" i="1" dirty="0" smtClean="0">
-                        <a:latin typeface="Cambria Math" panose="02040503050406030204" pitchFamily="18" charset="0"/>
-                      </a:rPr>
-                      <m:t>2</m:t>
-                    </m:r>
-                    <m:r>
-                      <a:rPr lang="vi-VN" i="1" dirty="0" smtClean="0">
-                        <a:latin typeface="Cambria Math" panose="02040503050406030204" pitchFamily="18" charset="0"/>
-                      </a:rPr>
-                      <m:t>)</m:t>
+                      <m:t> − 2)</m:t>
                     </m:r>
                   </m:oMath>
                 </a14:m>
@@ -15365,13 +16088,7 @@
                       <a:rPr lang="vi-VN" i="1" dirty="0" smtClean="0">
                         <a:latin typeface="Cambria Math" panose="02040503050406030204" pitchFamily="18" charset="0"/>
                       </a:rPr>
-                      <m:t> + </m:t>
-                    </m:r>
-                    <m:r>
-                      <a:rPr lang="vi-VN" i="1" dirty="0" smtClean="0">
-                        <a:latin typeface="Cambria Math" panose="02040503050406030204" pitchFamily="18" charset="0"/>
-                      </a:rPr>
-                      <m:t>7</m:t>
+                      <m:t> + 7</m:t>
                     </m:r>
                   </m:oMath>
                 </a14:m>
@@ -15537,7 +16254,7 @@
             </a:pPr>
             <a:fld id="{00000000-1234-1234-1234-123412341234}" type="slidenum">
               <a:rPr lang="en" smtClean="0"/>
-              <a:t>26</a:t>
+              <a:t>24</a:t>
             </a:fld>
             <a:endParaRPr lang="en"/>
           </a:p>
@@ -15573,8 +16290,12 @@
           <a:p>
             <a:pPr algn="ctr"/>
             <a:r>
+              <a:rPr lang="vi-VN" i="1"/>
+              <a:t>Hint</a:t>
+            </a:r>
+            <a:r>
               <a:rPr lang="vi-VN"/>
-              <a:t>Hint: https://www.geeksforgeeks.org/matrix-exponentiation/</a:t>
+              <a:t>: https://www.geeksforgeeks.org/matrix-exponentiation/</a:t>
             </a:r>
           </a:p>
         </p:txBody>
@@ -15587,7 +16308,7 @@
 </p:sld>
 </file>
 
-<file path=ppt/slides/slide27.xml><?xml version="1.0" encoding="utf-8"?>
+<file path=ppt/slides/slide25.xml><?xml version="1.0" encoding="utf-8"?>
 <p:sld xmlns:a="http://schemas.openxmlformats.org/drawingml/2006/main" xmlns:r="http://schemas.openxmlformats.org/officeDocument/2006/relationships" xmlns:p="http://schemas.openxmlformats.org/presentationml/2006/main">
   <p:cSld>
     <p:spTree>
@@ -15865,7 +16586,7 @@
             </a:pPr>
             <a:fld id="{00000000-1234-1234-1234-123412341234}" type="slidenum">
               <a:rPr lang="en" smtClean="0"/>
-              <a:t>27</a:t>
+              <a:t>25</a:t>
             </a:fld>
             <a:endParaRPr lang="en"/>
           </a:p>
@@ -15879,7 +16600,7 @@
 </p:sld>
 </file>
 
-<file path=ppt/slides/slide28.xml><?xml version="1.0" encoding="utf-8"?>
+<file path=ppt/slides/slide26.xml><?xml version="1.0" encoding="utf-8"?>
 <p:sld xmlns:a="http://schemas.openxmlformats.org/drawingml/2006/main" xmlns:r="http://schemas.openxmlformats.org/officeDocument/2006/relationships" xmlns:p="http://schemas.openxmlformats.org/presentationml/2006/main">
   <p:cSld>
     <p:spTree>
@@ -15998,7 +16719,7 @@
             </a:pPr>
             <a:fld id="{00000000-1234-1234-1234-123412341234}" type="slidenum">
               <a:rPr lang="en" smtClean="0"/>
-              <a:t>28</a:t>
+              <a:t>26</a:t>
             </a:fld>
             <a:endParaRPr lang="en"/>
           </a:p>
@@ -16012,7 +16733,7 @@
 </p:sld>
 </file>
 
-<file path=ppt/slides/slide29.xml><?xml version="1.0" encoding="utf-8"?>
+<file path=ppt/slides/slide27.xml><?xml version="1.0" encoding="utf-8"?>
 <p:sld xmlns:a="http://schemas.openxmlformats.org/drawingml/2006/main" xmlns:r="http://schemas.openxmlformats.org/officeDocument/2006/relationships" xmlns:p="http://schemas.openxmlformats.org/presentationml/2006/main">
   <p:cSld>
     <p:spTree>
@@ -16131,7 +16852,7 @@
             </a:pPr>
             <a:fld id="{00000000-1234-1234-1234-123412341234}" type="slidenum">
               <a:rPr lang="en" smtClean="0"/>
-              <a:t>29</a:t>
+              <a:t>27</a:t>
             </a:fld>
             <a:endParaRPr lang="en"/>
           </a:p>
@@ -16186,238 +16907,7 @@
 </p:sld>
 </file>
 
-<file path=ppt/slides/slide3.xml><?xml version="1.0" encoding="utf-8"?>
-<p:sld xmlns:a="http://schemas.openxmlformats.org/drawingml/2006/main" xmlns:r="http://schemas.openxmlformats.org/officeDocument/2006/relationships" xmlns:p="http://schemas.openxmlformats.org/presentationml/2006/main">
-  <p:cSld>
-    <p:spTree>
-      <p:nvGrpSpPr>
-        <p:cNvPr id="1" name="Shape 70"/>
-        <p:cNvGrpSpPr/>
-        <p:nvPr/>
-      </p:nvGrpSpPr>
-      <p:grpSpPr>
-        <a:xfrm>
-          <a:off x="0" y="0"/>
-          <a:ext cx="0" cy="0"/>
-          <a:chOff x="0" y="0"/>
-          <a:chExt cx="0" cy="0"/>
-        </a:xfrm>
-      </p:grpSpPr>
-      <p:sp>
-        <p:nvSpPr>
-          <p:cNvPr id="71" name="Google Shape;71;p15"/>
-          <p:cNvSpPr txBox="1">
-            <a:spLocks noGrp="1"/>
-          </p:cNvSpPr>
-          <p:nvPr>
-            <p:ph type="title"/>
-          </p:nvPr>
-        </p:nvSpPr>
-        <p:spPr>
-          <a:xfrm>
-            <a:off x="311700" y="288567"/>
-            <a:ext cx="8520600" cy="763500"/>
-          </a:xfrm>
-          <a:prstGeom prst="rect">
-            <a:avLst/>
-          </a:prstGeom>
-        </p:spPr>
-        <p:txBody>
-          <a:bodyPr spcFirstLastPara="1" wrap="square" lIns="91425" tIns="91425" rIns="91425" bIns="91425" anchor="t" anchorCtr="0">
-            <a:noAutofit/>
-          </a:bodyPr>
-          <a:lstStyle/>
-          <a:p>
-            <a:pPr marL="0" lvl="0" indent="0" algn="l" rtl="0">
-              <a:spcBef>
-                <a:spcPts val="0"/>
-              </a:spcBef>
-              <a:spcAft>
-                <a:spcPts val="0"/>
-              </a:spcAft>
-              <a:buNone/>
-            </a:pPr>
-            <a:r>
-              <a:rPr lang="en"/>
-              <a:t>Nội dung</a:t>
-            </a:r>
-            <a:endParaRPr/>
-          </a:p>
-        </p:txBody>
-      </p:sp>
-      <p:sp>
-        <p:nvSpPr>
-          <p:cNvPr id="72" name="Google Shape;72;p15"/>
-          <p:cNvSpPr txBox="1">
-            <a:spLocks noGrp="1"/>
-          </p:cNvSpPr>
-          <p:nvPr>
-            <p:ph type="body" idx="1"/>
-          </p:nvPr>
-        </p:nvSpPr>
-        <p:spPr>
-          <a:xfrm>
-            <a:off x="311700" y="1510683"/>
-            <a:ext cx="8520600" cy="4555200"/>
-          </a:xfrm>
-          <a:prstGeom prst="rect">
-            <a:avLst/>
-          </a:prstGeom>
-        </p:spPr>
-        <p:txBody>
-          <a:bodyPr spcFirstLastPara="1" wrap="square" lIns="91425" tIns="91425" rIns="91425" bIns="91425" anchor="t" anchorCtr="0">
-            <a:noAutofit/>
-          </a:bodyPr>
-          <a:lstStyle/>
-          <a:p>
-            <a:pPr marL="457200" lvl="0" indent="-374650" algn="l" rtl="0">
-              <a:lnSpc>
-                <a:spcPct val="200000"/>
-              </a:lnSpc>
-              <a:spcBef>
-                <a:spcPts val="0"/>
-              </a:spcBef>
-              <a:spcAft>
-                <a:spcPts val="0"/>
-              </a:spcAft>
-              <a:buSzPts val="2300"/>
-              <a:buAutoNum type="arabicPeriod"/>
-            </a:pPr>
-            <a:r>
-              <a:rPr lang="en" sz="2300" dirty="0"/>
-              <a:t>Giới thiệu phương pháp thiết kế thuật toán: Chia và Trị.</a:t>
-            </a:r>
-            <a:endParaRPr sz="2300" dirty="0"/>
-          </a:p>
-          <a:p>
-            <a:pPr marL="457200" lvl="0" indent="-374650" algn="l" rtl="0">
-              <a:lnSpc>
-                <a:spcPct val="200000"/>
-              </a:lnSpc>
-              <a:spcBef>
-                <a:spcPts val="0"/>
-              </a:spcBef>
-              <a:spcAft>
-                <a:spcPts val="0"/>
-              </a:spcAft>
-              <a:buSzPts val="2300"/>
-              <a:buAutoNum type="arabicPeriod"/>
-            </a:pPr>
-            <a:r>
-              <a:rPr lang="en" sz="2300" dirty="0"/>
-              <a:t>Các bài toán điển hình.</a:t>
-            </a:r>
-            <a:endParaRPr sz="2300" dirty="0"/>
-          </a:p>
-          <a:p>
-            <a:pPr marL="457200" lvl="0" indent="-374650" algn="l" rtl="0">
-              <a:lnSpc>
-                <a:spcPct val="200000"/>
-              </a:lnSpc>
-              <a:spcBef>
-                <a:spcPts val="0"/>
-              </a:spcBef>
-              <a:spcAft>
-                <a:spcPts val="0"/>
-              </a:spcAft>
-              <a:buSzPts val="2300"/>
-              <a:buAutoNum type="arabicPeriod"/>
-            </a:pPr>
-            <a:r>
-              <a:rPr lang="en" sz="2300" dirty="0"/>
-              <a:t>Ưu và nhược điểm của phương pháp.</a:t>
-            </a:r>
-            <a:endParaRPr sz="2300" dirty="0"/>
-          </a:p>
-          <a:p>
-            <a:pPr marL="457200" lvl="0" indent="-374650" algn="l" rtl="0">
-              <a:lnSpc>
-                <a:spcPct val="200000"/>
-              </a:lnSpc>
-              <a:spcBef>
-                <a:spcPts val="0"/>
-              </a:spcBef>
-              <a:spcAft>
-                <a:spcPts val="0"/>
-              </a:spcAft>
-              <a:buSzPts val="2300"/>
-              <a:buAutoNum type="arabicPeriod"/>
-            </a:pPr>
-            <a:r>
-              <a:rPr lang="en" sz="2300" dirty="0"/>
-              <a:t>Tài liệu tham khảo.</a:t>
-            </a:r>
-            <a:endParaRPr sz="2300" dirty="0"/>
-          </a:p>
-          <a:p>
-            <a:pPr marL="457200" lvl="0" indent="-374650" algn="l" rtl="0">
-              <a:lnSpc>
-                <a:spcPct val="200000"/>
-              </a:lnSpc>
-              <a:spcBef>
-                <a:spcPts val="0"/>
-              </a:spcBef>
-              <a:spcAft>
-                <a:spcPts val="0"/>
-              </a:spcAft>
-              <a:buSzPts val="2300"/>
-              <a:buAutoNum type="arabicPeriod"/>
-            </a:pPr>
-            <a:r>
-              <a:rPr lang="en" sz="2300" dirty="0"/>
-              <a:t>Bài tập</a:t>
-            </a:r>
-            <a:endParaRPr sz="2300" dirty="0"/>
-          </a:p>
-        </p:txBody>
-      </p:sp>
-      <p:sp>
-        <p:nvSpPr>
-          <p:cNvPr id="2" name="Slide Number Placeholder 1">
-            <a:extLst>
-              <a:ext uri="{FF2B5EF4-FFF2-40B4-BE49-F238E27FC236}">
-                <a16:creationId xmlns:a16="http://schemas.microsoft.com/office/drawing/2014/main" id="{DC02477D-CB89-4892-99D7-2E3BAB0E7D9E}"/>
-              </a:ext>
-            </a:extLst>
-          </p:cNvPr>
-          <p:cNvSpPr>
-            <a:spLocks noGrp="1"/>
-          </p:cNvSpPr>
-          <p:nvPr>
-            <p:ph type="sldNum" idx="12"/>
-          </p:nvPr>
-        </p:nvSpPr>
-        <p:spPr/>
-        <p:txBody>
-          <a:bodyPr/>
-          <a:lstStyle/>
-          <a:p>
-            <a:pPr marL="0" lvl="0" indent="0" algn="r" rtl="0">
-              <a:spcBef>
-                <a:spcPts val="0"/>
-              </a:spcBef>
-              <a:spcAft>
-                <a:spcPts val="0"/>
-              </a:spcAft>
-              <a:buNone/>
-            </a:pPr>
-            <a:fld id="{00000000-1234-1234-1234-123412341234}" type="slidenum">
-              <a:rPr lang="en" smtClean="0"/>
-              <a:t>3</a:t>
-            </a:fld>
-            <a:endParaRPr lang="en"/>
-          </a:p>
-        </p:txBody>
-      </p:sp>
-    </p:spTree>
-  </p:cSld>
-  <p:clrMapOvr>
-    <a:masterClrMapping/>
-  </p:clrMapOvr>
-</p:sld>
-</file>
-
-<file path=ppt/slides/slide30.xml><?xml version="1.0" encoding="utf-8"?>
+<file path=ppt/slides/slide28.xml><?xml version="1.0" encoding="utf-8"?>
 <p:sld xmlns:a="http://schemas.openxmlformats.org/drawingml/2006/main" xmlns:r="http://schemas.openxmlformats.org/officeDocument/2006/relationships" xmlns:p="http://schemas.openxmlformats.org/presentationml/2006/main">
   <p:cSld>
     <p:spTree>
@@ -16466,7 +16956,7 @@
             </a:pPr>
             <a:fld id="{00000000-1234-1234-1234-123412341234}" type="slidenum">
               <a:rPr lang="en" smtClean="0"/>
-              <a:t>30</a:t>
+              <a:t>28</a:t>
             </a:fld>
             <a:endParaRPr lang="en"/>
           </a:p>
@@ -16560,7 +17050,7 @@
 </p:sld>
 </file>
 
-<file path=ppt/slides/slide31.xml><?xml version="1.0" encoding="utf-8"?>
+<file path=ppt/slides/slide29.xml><?xml version="1.0" encoding="utf-8"?>
 <p:sld xmlns:a="http://schemas.openxmlformats.org/drawingml/2006/main" xmlns:r="http://schemas.openxmlformats.org/officeDocument/2006/relationships" xmlns:p="http://schemas.openxmlformats.org/presentationml/2006/main">
   <p:cSld>
     <p:spTree>
@@ -16609,7 +17099,7 @@
             </a:pPr>
             <a:fld id="{00000000-1234-1234-1234-123412341234}" type="slidenum">
               <a:rPr lang="en" smtClean="0"/>
-              <a:t>31</a:t>
+              <a:t>29</a:t>
             </a:fld>
             <a:endParaRPr lang="en"/>
           </a:p>
@@ -16738,7 +17228,238 @@
 </p:sld>
 </file>
 
-<file path=ppt/slides/slide32.xml><?xml version="1.0" encoding="utf-8"?>
+<file path=ppt/slides/slide3.xml><?xml version="1.0" encoding="utf-8"?>
+<p:sld xmlns:a="http://schemas.openxmlformats.org/drawingml/2006/main" xmlns:r="http://schemas.openxmlformats.org/officeDocument/2006/relationships" xmlns:p="http://schemas.openxmlformats.org/presentationml/2006/main">
+  <p:cSld>
+    <p:spTree>
+      <p:nvGrpSpPr>
+        <p:cNvPr id="1" name="Shape 70"/>
+        <p:cNvGrpSpPr/>
+        <p:nvPr/>
+      </p:nvGrpSpPr>
+      <p:grpSpPr>
+        <a:xfrm>
+          <a:off x="0" y="0"/>
+          <a:ext cx="0" cy="0"/>
+          <a:chOff x="0" y="0"/>
+          <a:chExt cx="0" cy="0"/>
+        </a:xfrm>
+      </p:grpSpPr>
+      <p:sp>
+        <p:nvSpPr>
+          <p:cNvPr id="71" name="Google Shape;71;p15"/>
+          <p:cNvSpPr txBox="1">
+            <a:spLocks noGrp="1"/>
+          </p:cNvSpPr>
+          <p:nvPr>
+            <p:ph type="title"/>
+          </p:nvPr>
+        </p:nvSpPr>
+        <p:spPr>
+          <a:xfrm>
+            <a:off x="311700" y="288567"/>
+            <a:ext cx="8520600" cy="763500"/>
+          </a:xfrm>
+          <a:prstGeom prst="rect">
+            <a:avLst/>
+          </a:prstGeom>
+        </p:spPr>
+        <p:txBody>
+          <a:bodyPr spcFirstLastPara="1" wrap="square" lIns="91425" tIns="91425" rIns="91425" bIns="91425" anchor="t" anchorCtr="0">
+            <a:noAutofit/>
+          </a:bodyPr>
+          <a:lstStyle/>
+          <a:p>
+            <a:pPr marL="0" lvl="0" indent="0" algn="l" rtl="0">
+              <a:spcBef>
+                <a:spcPts val="0"/>
+              </a:spcBef>
+              <a:spcAft>
+                <a:spcPts val="0"/>
+              </a:spcAft>
+              <a:buNone/>
+            </a:pPr>
+            <a:r>
+              <a:rPr lang="en"/>
+              <a:t>Nội dung</a:t>
+            </a:r>
+            <a:endParaRPr/>
+          </a:p>
+        </p:txBody>
+      </p:sp>
+      <p:sp>
+        <p:nvSpPr>
+          <p:cNvPr id="72" name="Google Shape;72;p15"/>
+          <p:cNvSpPr txBox="1">
+            <a:spLocks noGrp="1"/>
+          </p:cNvSpPr>
+          <p:nvPr>
+            <p:ph type="body" idx="1"/>
+          </p:nvPr>
+        </p:nvSpPr>
+        <p:spPr>
+          <a:xfrm>
+            <a:off x="311700" y="1510683"/>
+            <a:ext cx="8520600" cy="4555200"/>
+          </a:xfrm>
+          <a:prstGeom prst="rect">
+            <a:avLst/>
+          </a:prstGeom>
+        </p:spPr>
+        <p:txBody>
+          <a:bodyPr spcFirstLastPara="1" wrap="square" lIns="91425" tIns="91425" rIns="91425" bIns="91425" anchor="t" anchorCtr="0">
+            <a:noAutofit/>
+          </a:bodyPr>
+          <a:lstStyle/>
+          <a:p>
+            <a:pPr marL="457200" lvl="0" indent="-374650" algn="l" rtl="0">
+              <a:lnSpc>
+                <a:spcPct val="200000"/>
+              </a:lnSpc>
+              <a:spcBef>
+                <a:spcPts val="0"/>
+              </a:spcBef>
+              <a:spcAft>
+                <a:spcPts val="0"/>
+              </a:spcAft>
+              <a:buSzPts val="2300"/>
+              <a:buAutoNum type="arabicPeriod"/>
+            </a:pPr>
+            <a:r>
+              <a:rPr lang="en" sz="2300" dirty="0"/>
+              <a:t>Giới thiệu phương pháp thiết kế thuật toán: Chia và Trị.</a:t>
+            </a:r>
+            <a:endParaRPr sz="2300" dirty="0"/>
+          </a:p>
+          <a:p>
+            <a:pPr marL="457200" lvl="0" indent="-374650" algn="l" rtl="0">
+              <a:lnSpc>
+                <a:spcPct val="200000"/>
+              </a:lnSpc>
+              <a:spcBef>
+                <a:spcPts val="0"/>
+              </a:spcBef>
+              <a:spcAft>
+                <a:spcPts val="0"/>
+              </a:spcAft>
+              <a:buSzPts val="2300"/>
+              <a:buAutoNum type="arabicPeriod"/>
+            </a:pPr>
+            <a:r>
+              <a:rPr lang="en" sz="2300" dirty="0"/>
+              <a:t>Các bài toán điển hình.</a:t>
+            </a:r>
+            <a:endParaRPr sz="2300" dirty="0"/>
+          </a:p>
+          <a:p>
+            <a:pPr marL="457200" lvl="0" indent="-374650" algn="l" rtl="0">
+              <a:lnSpc>
+                <a:spcPct val="200000"/>
+              </a:lnSpc>
+              <a:spcBef>
+                <a:spcPts val="0"/>
+              </a:spcBef>
+              <a:spcAft>
+                <a:spcPts val="0"/>
+              </a:spcAft>
+              <a:buSzPts val="2300"/>
+              <a:buAutoNum type="arabicPeriod"/>
+            </a:pPr>
+            <a:r>
+              <a:rPr lang="en" sz="2300" dirty="0"/>
+              <a:t>Ưu và nhược điểm của phương pháp.</a:t>
+            </a:r>
+            <a:endParaRPr sz="2300" dirty="0"/>
+          </a:p>
+          <a:p>
+            <a:pPr marL="457200" lvl="0" indent="-374650" algn="l" rtl="0">
+              <a:lnSpc>
+                <a:spcPct val="200000"/>
+              </a:lnSpc>
+              <a:spcBef>
+                <a:spcPts val="0"/>
+              </a:spcBef>
+              <a:spcAft>
+                <a:spcPts val="0"/>
+              </a:spcAft>
+              <a:buSzPts val="2300"/>
+              <a:buAutoNum type="arabicPeriod"/>
+            </a:pPr>
+            <a:r>
+              <a:rPr lang="en" sz="2300" dirty="0"/>
+              <a:t>Tài liệu tham khảo.</a:t>
+            </a:r>
+            <a:endParaRPr sz="2300" dirty="0"/>
+          </a:p>
+          <a:p>
+            <a:pPr marL="457200" lvl="0" indent="-374650" algn="l" rtl="0">
+              <a:lnSpc>
+                <a:spcPct val="200000"/>
+              </a:lnSpc>
+              <a:spcBef>
+                <a:spcPts val="0"/>
+              </a:spcBef>
+              <a:spcAft>
+                <a:spcPts val="0"/>
+              </a:spcAft>
+              <a:buSzPts val="2300"/>
+              <a:buAutoNum type="arabicPeriod"/>
+            </a:pPr>
+            <a:r>
+              <a:rPr lang="en" sz="2300" dirty="0"/>
+              <a:t>Bài tập</a:t>
+            </a:r>
+            <a:endParaRPr sz="2300" dirty="0"/>
+          </a:p>
+        </p:txBody>
+      </p:sp>
+      <p:sp>
+        <p:nvSpPr>
+          <p:cNvPr id="2" name="Slide Number Placeholder 1">
+            <a:extLst>
+              <a:ext uri="{FF2B5EF4-FFF2-40B4-BE49-F238E27FC236}">
+                <a16:creationId xmlns:a16="http://schemas.microsoft.com/office/drawing/2014/main" id="{DC02477D-CB89-4892-99D7-2E3BAB0E7D9E}"/>
+              </a:ext>
+            </a:extLst>
+          </p:cNvPr>
+          <p:cNvSpPr>
+            <a:spLocks noGrp="1"/>
+          </p:cNvSpPr>
+          <p:nvPr>
+            <p:ph type="sldNum" idx="12"/>
+          </p:nvPr>
+        </p:nvSpPr>
+        <p:spPr/>
+        <p:txBody>
+          <a:bodyPr/>
+          <a:lstStyle/>
+          <a:p>
+            <a:pPr marL="0" lvl="0" indent="0" algn="r" rtl="0">
+              <a:spcBef>
+                <a:spcPts val="0"/>
+              </a:spcBef>
+              <a:spcAft>
+                <a:spcPts val="0"/>
+              </a:spcAft>
+              <a:buNone/>
+            </a:pPr>
+            <a:fld id="{00000000-1234-1234-1234-123412341234}" type="slidenum">
+              <a:rPr lang="en" smtClean="0"/>
+              <a:t>3</a:t>
+            </a:fld>
+            <a:endParaRPr lang="en"/>
+          </a:p>
+        </p:txBody>
+      </p:sp>
+    </p:spTree>
+  </p:cSld>
+  <p:clrMapOvr>
+    <a:masterClrMapping/>
+  </p:clrMapOvr>
+</p:sld>
+</file>
+
+<file path=ppt/slides/slide30.xml><?xml version="1.0" encoding="utf-8"?>
 <p:sld xmlns:a="http://schemas.openxmlformats.org/drawingml/2006/main" xmlns:r="http://schemas.openxmlformats.org/officeDocument/2006/relationships" xmlns:p="http://schemas.openxmlformats.org/presentationml/2006/main">
   <p:cSld>
     <p:spTree>
@@ -16877,7 +17598,7 @@
             </a:pPr>
             <a:fld id="{00000000-1234-1234-1234-123412341234}" type="slidenum">
               <a:rPr lang="en" smtClean="0"/>
-              <a:t>32</a:t>
+              <a:t>30</a:t>
             </a:fld>
             <a:endParaRPr lang="en"/>
           </a:p>
@@ -17827,7 +18548,7 @@
         </p:blipFill>
         <p:spPr>
           <a:xfrm>
-            <a:off x="1153548" y="2849354"/>
+            <a:off x="1153546" y="2922604"/>
             <a:ext cx="6555545" cy="3224015"/>
           </a:xfrm>
           <a:prstGeom prst="rect">
@@ -18000,7 +18721,7 @@
         </p:nvSpPr>
         <p:spPr>
           <a:xfrm>
-            <a:off x="311700" y="6434545"/>
+            <a:off x="1829781" y="6326083"/>
             <a:ext cx="6276084" cy="307777"/>
           </a:xfrm>
           <a:prstGeom prst="rect">
@@ -18688,8 +19409,8 @@
         </p:blipFill>
         <p:spPr>
           <a:xfrm>
-            <a:off x="877850" y="1260927"/>
-            <a:ext cx="7388300" cy="4895862"/>
+            <a:off x="1564551" y="1740917"/>
+            <a:ext cx="6014898" cy="3985776"/>
           </a:xfrm>
           <a:prstGeom prst="rect">
             <a:avLst/>
@@ -18710,7 +19431,7 @@
         </p:nvSpPr>
         <p:spPr>
           <a:xfrm>
-            <a:off x="311700" y="6415544"/>
+            <a:off x="1714596" y="6415543"/>
             <a:ext cx="6531552" cy="307777"/>
           </a:xfrm>
           <a:prstGeom prst="rect">
@@ -18784,13 +19505,13 @@
           <a:p>
             <a:r>
               <a:rPr lang="vi-VN"/>
-              <a:t>Số lượng bài toán con</a:t>
+              <a:t>Phân tích độ phức tạp</a:t>
             </a:r>
           </a:p>
         </p:txBody>
       </p:sp>
-      <mc:AlternateContent xmlns:mc="http://schemas.openxmlformats.org/markup-compatibility/2006" xmlns:a14="http://schemas.microsoft.com/office/drawing/2010/main">
-        <mc:Choice Requires="a14">
+      <mc:AlternateContent xmlns:mc="http://schemas.openxmlformats.org/markup-compatibility/2006">
+        <mc:Choice xmlns:a14="http://schemas.microsoft.com/office/drawing/2010/main" Requires="a14">
           <p:sp>
             <p:nvSpPr>
               <p:cNvPr id="3" name="Chỗ dành sẵn cho Văn bản 2">
@@ -18814,7 +19535,7 @@
               <a:p>
                 <a:r>
                   <a:rPr lang="vi-VN"/>
-                  <a:t>Số lượng bài toán con tạo ra trong bước “divide”, kí hiệu </a:t>
+                  <a:t>Đặt thời gian thực thi là </a:t>
                 </a:r>
                 <a14:m>
                   <m:oMath xmlns:m="http://schemas.openxmlformats.org/officeDocument/2006/math">
@@ -18987,8 +19708,12 @@
                   <a:buNone/>
                 </a:pPr>
                 <a:r>
+                  <a:rPr lang="vi-VN" sz="1600" b="0" i="1"/>
+                  <a:t>a</a:t>
+                </a:r>
+                <a:r>
                   <a:rPr lang="vi-VN" sz="1600" b="0"/>
-                  <a:t>Trong đó a là số nhánh (số bài toán con), mỗi nhánh có kích thước (kích thước bài toan con) là </a:t>
+                  <a:t> là số nhánh, mỗi nhánh có kích thước là  </a:t>
                 </a:r>
                 <a14:m>
                   <m:oMath xmlns:m="http://schemas.openxmlformats.org/officeDocument/2006/math">
@@ -19026,6 +19751,12 @@
                 <a14:m>
                   <m:oMath xmlns:m="http://schemas.openxmlformats.org/officeDocument/2006/math">
                     <m:r>
+                      <a:rPr lang="vi-VN" sz="1600" b="0" i="0" smtClean="0">
+                        <a:latin typeface="Cambria Math" panose="02040503050406030204" pitchFamily="18" charset="0"/>
+                      </a:rPr>
+                      <m:t> </m:t>
+                    </m:r>
+                    <m:r>
                       <a:rPr lang="vi-VN" sz="1600" b="0" i="1" smtClean="0">
                         <a:latin typeface="Cambria Math" panose="02040503050406030204" pitchFamily="18" charset="0"/>
                       </a:rPr>
@@ -19052,12 +19783,13 @@
                 </a14:m>
                 <a:r>
                   <a:rPr lang="vi-VN" sz="1600" b="0"/>
-                  <a:t> là chi phí cho thao tác divide + conquer</a:t>
+                  <a:t> là chi phí cho thao tác </a:t>
                 </a:r>
                 <a:r>
-                  <a:rPr lang="vi-VN" b="0"/>
-                  <a:t>.</a:t>
+                  <a:rPr lang="vi-VN" sz="1600"/>
+                  <a:t>chia và trị</a:t>
                 </a:r>
+                <a:endParaRPr lang="vi-VN" b="0"/>
               </a:p>
               <a:p>
                 <a:r>
@@ -19163,14 +19895,36 @@
                   <a:rPr lang="vi-VN">
                     <a:sym typeface="Wingdings" panose="05000000000000000000" pitchFamily="2" charset="2"/>
                   </a:rPr>
-                  <a:t> Bài toán lớn có thể biểu diễn thành 2 bài toán con, mỗi bài toán con có kích thước bằng ½ kích thước của bài toán con, chi phí cho thao tác divide và conquer là 1.</a:t>
+                  <a:t> 	Bài toán lớn có thể biểu diễn thành 2 bài toán con</a:t>
+                </a:r>
+              </a:p>
+              <a:p>
+                <a:pPr marL="114300" indent="0">
+                  <a:buNone/>
+                </a:pPr>
+                <a:r>
+                  <a:rPr lang="vi-VN">
+                    <a:sym typeface="Wingdings" panose="05000000000000000000" pitchFamily="2" charset="2"/>
+                  </a:rPr>
+                  <a:t>          	Mỗi bài toán con có kích thước bằng ½ kích thước của bài toán lớn</a:t>
+                </a:r>
+              </a:p>
+              <a:p>
+                <a:pPr marL="114300" indent="0">
+                  <a:buNone/>
+                </a:pPr>
+                <a:r>
+                  <a:rPr lang="vi-VN">
+                    <a:sym typeface="Wingdings" panose="05000000000000000000" pitchFamily="2" charset="2"/>
+                  </a:rPr>
+                  <a:t>     	Chi phí cho thao tác chia và trị là 1</a:t>
                 </a:r>
                 <a:endParaRPr lang="vi-VN" b="0"/>
               </a:p>
             </p:txBody>
           </p:sp>
         </mc:Choice>
-        <mc:Fallback xmlns="">
+        <mc:Fallback>
           <p:sp>
             <p:nvSpPr>
               <p:cNvPr id="3" name="Chỗ dành sẵn cho Văn bản 2">
@@ -19189,9 +19943,9 @@
             </p:nvSpPr>
             <p:spPr>
               <a:blipFill>
-                <a:blip r:embed="rId2"/>
+                <a:blip r:embed="rId3"/>
                 <a:stretch>
-                  <a:fillRect r="-501" b="-1740"/>
+                  <a:fillRect r="-787"/>
                 </a:stretch>
               </a:blipFill>
             </p:spPr>
@@ -19200,7 +19954,7 @@
               <a:lstStyle/>
               <a:p>
                 <a:r>
-                  <a:rPr lang="vi-VN">
+                  <a:rPr lang="en-GB">
                     <a:noFill/>
                   </a:rPr>
                   <a:t> </a:t>
@@ -19263,9 +20017,9 @@
         <p:grpSpPr>
           <a:xfrm>
             <a:off x="3082413" y="2477729"/>
-            <a:ext cx="5938745" cy="752168"/>
+            <a:ext cx="5664395" cy="752168"/>
             <a:chOff x="3082413" y="2477729"/>
-            <a:chExt cx="5938745" cy="752168"/>
+            <a:chExt cx="5664395" cy="752168"/>
           </a:xfrm>
         </p:grpSpPr>
         <p:sp>
@@ -19334,7 +20088,7 @@
           </p:nvSpPr>
           <p:spPr>
             <a:xfrm>
-              <a:off x="6253316" y="2698955"/>
+              <a:off x="5978966" y="2653758"/>
               <a:ext cx="2767842" cy="400110"/>
             </a:xfrm>
             <a:prstGeom prst="rect">
